--- a/Aegis - Screen Mockups.pptx
+++ b/Aegis - Screen Mockups.pptx
@@ -5,7 +5,7 @@
     <p:sldMasterId id="2147483659" r:id="rId1"/>
   </p:sldMasterIdLst>
   <p:notesMasterIdLst>
-    <p:notesMasterId r:id="rId13"/>
+    <p:notesMasterId r:id="rId14"/>
   </p:notesMasterIdLst>
   <p:sldIdLst>
     <p:sldId id="256" r:id="rId2"/>
@@ -16,24 +16,25 @@
     <p:sldId id="261" r:id="rId7"/>
     <p:sldId id="269" r:id="rId8"/>
     <p:sldId id="270" r:id="rId9"/>
-    <p:sldId id="262" r:id="rId10"/>
-    <p:sldId id="271" r:id="rId11"/>
-    <p:sldId id="268" r:id="rId12"/>
+    <p:sldId id="271" r:id="rId10"/>
+    <p:sldId id="268" r:id="rId11"/>
+    <p:sldId id="272" r:id="rId12"/>
+    <p:sldId id="274" r:id="rId13"/>
   </p:sldIdLst>
   <p:sldSz cx="9144000" cy="5143500" type="screen16x9"/>
   <p:notesSz cx="6858000" cy="9144000"/>
   <p:embeddedFontLst>
     <p:embeddedFont>
       <p:font typeface="Roboto Slab" panose="020B0604020202020204" charset="0"/>
-      <p:regular r:id="rId14"/>
-      <p:bold r:id="rId15"/>
+      <p:regular r:id="rId15"/>
+      <p:bold r:id="rId16"/>
     </p:embeddedFont>
     <p:embeddedFont>
       <p:font typeface="Roboto" panose="020B0604020202020204" charset="0"/>
-      <p:regular r:id="rId16"/>
-      <p:bold r:id="rId17"/>
-      <p:italic r:id="rId18"/>
-      <p:boldItalic r:id="rId19"/>
+      <p:regular r:id="rId17"/>
+      <p:bold r:id="rId18"/>
+      <p:italic r:id="rId19"/>
+      <p:boldItalic r:id="rId20"/>
     </p:embeddedFont>
   </p:embeddedFontLst>
   <p:defaultTextStyle>
@@ -2713,7 +2714,7 @@
       </p:sp>
       <p:pic>
         <p:nvPicPr>
-          <p:cNvPr id="23" name="Picture 22"/>
+          <p:cNvPr id="22" name="Picture 21"/>
           <p:cNvPicPr>
             <a:picLocks noChangeAspect="1"/>
           </p:cNvPicPr>
@@ -2733,17 +2734,17 @@
         </p:blipFill>
         <p:spPr>
           <a:xfrm>
-            <a:off x="1094494" y="93630"/>
-            <a:ext cx="387991" cy="386098"/>
-          </a:xfrm>
-          <a:prstGeom prst="ellipse">
+            <a:off x="1227723" y="978354"/>
+            <a:ext cx="6688553" cy="4029075"/>
+          </a:xfrm>
+          <a:prstGeom prst="rect">
             <a:avLst/>
           </a:prstGeom>
         </p:spPr>
       </p:pic>
       <p:pic>
         <p:nvPicPr>
-          <p:cNvPr id="25" name="Picture 24"/>
+          <p:cNvPr id="23" name="Picture 22"/>
           <p:cNvPicPr>
             <a:picLocks noChangeAspect="1"/>
           </p:cNvPicPr>
@@ -2763,8 +2764,8 @@
         </p:blipFill>
         <p:spPr>
           <a:xfrm>
-            <a:off x="1609595" y="87719"/>
-            <a:ext cx="398115" cy="398115"/>
+            <a:off x="1094494" y="93630"/>
+            <a:ext cx="387991" cy="386098"/>
           </a:xfrm>
           <a:prstGeom prst="ellipse">
             <a:avLst/>
@@ -2773,7 +2774,7 @@
       </p:pic>
       <p:pic>
         <p:nvPicPr>
-          <p:cNvPr id="26" name="Picture 25"/>
+          <p:cNvPr id="25" name="Picture 24"/>
           <p:cNvPicPr>
             <a:picLocks noChangeAspect="1"/>
           </p:cNvPicPr>
@@ -2793,6 +2794,36 @@
         </p:blipFill>
         <p:spPr>
           <a:xfrm>
+            <a:off x="1609595" y="87719"/>
+            <a:ext cx="398115" cy="398115"/>
+          </a:xfrm>
+          <a:prstGeom prst="ellipse">
+            <a:avLst/>
+          </a:prstGeom>
+        </p:spPr>
+      </p:pic>
+      <p:pic>
+        <p:nvPicPr>
+          <p:cNvPr id="26" name="Picture 25"/>
+          <p:cNvPicPr>
+            <a:picLocks noChangeAspect="1"/>
+          </p:cNvPicPr>
+          <p:nvPr/>
+        </p:nvPicPr>
+        <p:blipFill>
+          <a:blip r:embed="rId6">
+            <a:extLst>
+              <a:ext uri="{28A0092B-C50C-407E-A947-70E740481C1C}">
+                <a14:useLocalDpi xmlns:a14="http://schemas.microsoft.com/office/drawing/2010/main" val="0"/>
+              </a:ext>
+            </a:extLst>
+          </a:blip>
+          <a:stretch>
+            <a:fillRect/>
+          </a:stretch>
+        </p:blipFill>
+        <p:spPr>
+          <a:xfrm>
             <a:off x="2134860" y="87433"/>
             <a:ext cx="396983" cy="398401"/>
           </a:xfrm>
@@ -2803,8 +2834,8 @@
       </p:pic>
       <p:sp>
         <p:nvSpPr>
-          <p:cNvPr id="31" name="TextBox 30">
-            <a:hlinkClick r:id="rId6" action="ppaction://hlinksldjump"/>
+          <p:cNvPr id="28" name="TextBox 27">
+            <a:hlinkClick r:id="rId7" action="ppaction://hlinksldjump"/>
           </p:cNvPr>
           <p:cNvSpPr txBox="1"/>
           <p:nvPr/>
@@ -2840,8 +2871,8 @@
       </p:sp>
       <p:sp>
         <p:nvSpPr>
-          <p:cNvPr id="32" name="TextBox 31">
-            <a:hlinkClick r:id="rId7" action="ppaction://hlinksldjump"/>
+          <p:cNvPr id="29" name="TextBox 28">
+            <a:hlinkClick r:id="rId8" action="ppaction://hlinksldjump"/>
           </p:cNvPr>
           <p:cNvSpPr txBox="1"/>
           <p:nvPr/>
@@ -2877,7 +2908,7 @@
       </p:sp>
       <p:sp>
         <p:nvSpPr>
-          <p:cNvPr id="33" name="TextBox 32"/>
+          <p:cNvPr id="30" name="TextBox 29"/>
           <p:cNvSpPr txBox="1"/>
           <p:nvPr/>
         </p:nvSpPr>
@@ -2912,7 +2943,7 @@
       </p:sp>
       <p:cxnSp>
         <p:nvCxnSpPr>
-          <p:cNvPr id="34" name="Straight Connector 33"/>
+          <p:cNvPr id="31" name="Straight Connector 30"/>
           <p:cNvCxnSpPr/>
           <p:nvPr/>
         </p:nvCxnSpPr>
@@ -2943,7 +2974,455 @@
       </p:cxnSp>
       <p:cxnSp>
         <p:nvCxnSpPr>
-          <p:cNvPr id="35" name="Straight Connector 34"/>
+          <p:cNvPr id="32" name="Straight Connector 31"/>
+          <p:cNvCxnSpPr/>
+          <p:nvPr/>
+        </p:nvCxnSpPr>
+        <p:spPr>
+          <a:xfrm>
+            <a:off x="6616336" y="169507"/>
+            <a:ext cx="0" cy="309469"/>
+          </a:xfrm>
+          <a:prstGeom prst="line">
+            <a:avLst/>
+          </a:prstGeom>
+          <a:ln w="12700"/>
+        </p:spPr>
+        <p:style>
+          <a:lnRef idx="2">
+            <a:schemeClr val="accent4"/>
+          </a:lnRef>
+          <a:fillRef idx="0">
+            <a:schemeClr val="accent4"/>
+          </a:fillRef>
+          <a:effectRef idx="1">
+            <a:schemeClr val="accent4"/>
+          </a:effectRef>
+          <a:fontRef idx="minor">
+            <a:schemeClr val="tx1"/>
+          </a:fontRef>
+        </p:style>
+      </p:cxnSp>
+    </p:spTree>
+    <p:extLst>
+      <p:ext uri="{BB962C8B-B14F-4D97-AF65-F5344CB8AC3E}">
+        <p14:creationId xmlns:p14="http://schemas.microsoft.com/office/powerpoint/2010/main" val="2448762110"/>
+      </p:ext>
+    </p:extLst>
+  </p:cSld>
+  <p:clrMapOvr>
+    <a:masterClrMapping/>
+  </p:clrMapOvr>
+</p:sld>
+</file>
+
+<file path=ppt/slides/slide11.xml><?xml version="1.0" encoding="utf-8"?>
+<p:sld xmlns:a="http://schemas.openxmlformats.org/drawingml/2006/main" xmlns:r="http://schemas.openxmlformats.org/officeDocument/2006/relationships" xmlns:p="http://schemas.openxmlformats.org/presentationml/2006/main">
+  <p:cSld>
+    <p:spTree>
+      <p:nvGrpSpPr>
+        <p:cNvPr id="1" name=""/>
+        <p:cNvGrpSpPr/>
+        <p:nvPr/>
+      </p:nvGrpSpPr>
+      <p:grpSpPr>
+        <a:xfrm>
+          <a:off x="0" y="0"/>
+          <a:ext cx="0" cy="0"/>
+          <a:chOff x="0" y="0"/>
+          <a:chExt cx="0" cy="0"/>
+        </a:xfrm>
+      </p:grpSpPr>
+      <p:pic>
+        <p:nvPicPr>
+          <p:cNvPr id="27" name="Picture 26"/>
+          <p:cNvPicPr>
+            <a:picLocks noChangeAspect="1"/>
+          </p:cNvPicPr>
+          <p:nvPr/>
+        </p:nvPicPr>
+        <p:blipFill>
+          <a:blip r:embed="rId2">
+            <a:extLst>
+              <a:ext uri="{28A0092B-C50C-407E-A947-70E740481C1C}">
+                <a14:useLocalDpi xmlns:a14="http://schemas.microsoft.com/office/drawing/2010/main" val="0"/>
+              </a:ext>
+            </a:extLst>
+          </a:blip>
+          <a:stretch>
+            <a:fillRect/>
+          </a:stretch>
+        </p:blipFill>
+        <p:spPr>
+          <a:xfrm>
+            <a:off x="0" y="632963"/>
+            <a:ext cx="9010650" cy="4510537"/>
+          </a:xfrm>
+          <a:prstGeom prst="rect">
+            <a:avLst/>
+          </a:prstGeom>
+        </p:spPr>
+      </p:pic>
+      <p:sp>
+        <p:nvSpPr>
+          <p:cNvPr id="4" name="TextBox 3"/>
+          <p:cNvSpPr txBox="1"/>
+          <p:nvPr/>
+        </p:nvSpPr>
+        <p:spPr>
+          <a:xfrm>
+            <a:off x="76200" y="85725"/>
+            <a:ext cx="872355" cy="400110"/>
+          </a:xfrm>
+          <a:prstGeom prst="rect">
+            <a:avLst/>
+          </a:prstGeom>
+          <a:noFill/>
+        </p:spPr>
+        <p:txBody>
+          <a:bodyPr wrap="none" rtlCol="0">
+            <a:spAutoFit/>
+          </a:bodyPr>
+          <a:lstStyle/>
+          <a:p>
+            <a:r>
+              <a:rPr lang="en-US" sz="2000" dirty="0">
+                <a:solidFill>
+                  <a:schemeClr val="tx1"/>
+                </a:solidFill>
+                <a:latin typeface="Roboto Slab" panose="020B0604020202020204" charset="0"/>
+                <a:ea typeface="Roboto Slab" panose="020B0604020202020204" charset="0"/>
+              </a:rPr>
+              <a:t>Aegis</a:t>
+            </a:r>
+          </a:p>
+        </p:txBody>
+      </p:sp>
+      <p:pic>
+        <p:nvPicPr>
+          <p:cNvPr id="8" name="Picture 7"/>
+          <p:cNvPicPr>
+            <a:picLocks noChangeAspect="1"/>
+          </p:cNvPicPr>
+          <p:nvPr/>
+        </p:nvPicPr>
+        <p:blipFill>
+          <a:blip r:embed="rId3">
+            <a:extLst>
+              <a:ext uri="{28A0092B-C50C-407E-A947-70E740481C1C}">
+                <a14:useLocalDpi xmlns:a14="http://schemas.microsoft.com/office/drawing/2010/main" val="0"/>
+              </a:ext>
+            </a:extLst>
+          </a:blip>
+          <a:stretch>
+            <a:fillRect/>
+          </a:stretch>
+        </p:blipFill>
+        <p:spPr>
+          <a:xfrm>
+            <a:off x="1094494" y="93629"/>
+            <a:ext cx="387991" cy="386098"/>
+          </a:xfrm>
+          <a:prstGeom prst="ellipse">
+            <a:avLst/>
+          </a:prstGeom>
+        </p:spPr>
+      </p:pic>
+      <p:pic>
+        <p:nvPicPr>
+          <p:cNvPr id="9" name="Picture 8">
+            <a:hlinkClick r:id="rId4" action="ppaction://hlinksldjump"/>
+          </p:cNvPr>
+          <p:cNvPicPr>
+            <a:picLocks noChangeAspect="1"/>
+          </p:cNvPicPr>
+          <p:nvPr/>
+        </p:nvPicPr>
+        <p:blipFill>
+          <a:blip r:embed="rId5">
+            <a:extLst>
+              <a:ext uri="{28A0092B-C50C-407E-A947-70E740481C1C}">
+                <a14:useLocalDpi xmlns:a14="http://schemas.microsoft.com/office/drawing/2010/main" val="0"/>
+              </a:ext>
+            </a:extLst>
+          </a:blip>
+          <a:stretch>
+            <a:fillRect/>
+          </a:stretch>
+        </p:blipFill>
+        <p:spPr>
+          <a:xfrm>
+            <a:off x="1609595" y="87719"/>
+            <a:ext cx="398115" cy="398115"/>
+          </a:xfrm>
+          <a:prstGeom prst="ellipse">
+            <a:avLst/>
+          </a:prstGeom>
+        </p:spPr>
+      </p:pic>
+      <p:pic>
+        <p:nvPicPr>
+          <p:cNvPr id="10" name="Picture 9">
+            <a:hlinkClick r:id="rId6" action="ppaction://hlinksldjump"/>
+          </p:cNvPr>
+          <p:cNvPicPr>
+            <a:picLocks noChangeAspect="1"/>
+          </p:cNvPicPr>
+          <p:nvPr/>
+        </p:nvPicPr>
+        <p:blipFill>
+          <a:blip r:embed="rId7">
+            <a:extLst>
+              <a:ext uri="{28A0092B-C50C-407E-A947-70E740481C1C}">
+                <a14:useLocalDpi xmlns:a14="http://schemas.microsoft.com/office/drawing/2010/main" val="0"/>
+              </a:ext>
+            </a:extLst>
+          </a:blip>
+          <a:stretch>
+            <a:fillRect/>
+          </a:stretch>
+        </p:blipFill>
+        <p:spPr>
+          <a:xfrm>
+            <a:off x="2134860" y="87433"/>
+            <a:ext cx="396983" cy="398401"/>
+          </a:xfrm>
+          <a:prstGeom prst="ellipse">
+            <a:avLst/>
+          </a:prstGeom>
+        </p:spPr>
+      </p:pic>
+      <p:pic>
+        <p:nvPicPr>
+          <p:cNvPr id="12" name="Picture 11"/>
+          <p:cNvPicPr>
+            <a:picLocks noChangeAspect="1"/>
+          </p:cNvPicPr>
+          <p:nvPr/>
+        </p:nvPicPr>
+        <p:blipFill>
+          <a:blip r:embed="rId8">
+            <a:extLst>
+              <a:ext uri="{28A0092B-C50C-407E-A947-70E740481C1C}">
+                <a14:useLocalDpi xmlns:a14="http://schemas.microsoft.com/office/drawing/2010/main" val="0"/>
+              </a:ext>
+            </a:extLst>
+          </a:blip>
+          <a:stretch>
+            <a:fillRect/>
+          </a:stretch>
+        </p:blipFill>
+        <p:spPr>
+          <a:xfrm>
+            <a:off x="9010650" y="619125"/>
+            <a:ext cx="133350" cy="4524375"/>
+          </a:xfrm>
+          <a:prstGeom prst="rect">
+            <a:avLst/>
+          </a:prstGeom>
+        </p:spPr>
+      </p:pic>
+      <p:cxnSp>
+        <p:nvCxnSpPr>
+          <p:cNvPr id="24" name="Straight Connector 23"/>
+          <p:cNvCxnSpPr/>
+          <p:nvPr/>
+        </p:nvCxnSpPr>
+        <p:spPr>
+          <a:xfrm>
+            <a:off x="939030" y="85725"/>
+            <a:ext cx="0" cy="400109"/>
+          </a:xfrm>
+          <a:prstGeom prst="line">
+            <a:avLst/>
+          </a:prstGeom>
+        </p:spPr>
+        <p:style>
+          <a:lnRef idx="1">
+            <a:schemeClr val="accent1"/>
+          </a:lnRef>
+          <a:fillRef idx="0">
+            <a:schemeClr val="accent1"/>
+          </a:fillRef>
+          <a:effectRef idx="0">
+            <a:schemeClr val="accent1"/>
+          </a:effectRef>
+          <a:fontRef idx="minor">
+            <a:schemeClr val="tx1"/>
+          </a:fontRef>
+        </p:style>
+      </p:cxnSp>
+      <p:pic>
+        <p:nvPicPr>
+          <p:cNvPr id="25" name="Picture 24">
+            <a:hlinkClick r:id="rId9" action="ppaction://hlinksldjump"/>
+          </p:cNvPr>
+          <p:cNvPicPr>
+            <a:picLocks noChangeAspect="1"/>
+          </p:cNvPicPr>
+          <p:nvPr/>
+        </p:nvPicPr>
+        <p:blipFill rotWithShape="1">
+          <a:blip r:embed="rId10">
+            <a:extLst>
+              <a:ext uri="{28A0092B-C50C-407E-A947-70E740481C1C}">
+                <a14:useLocalDpi xmlns:a14="http://schemas.microsoft.com/office/drawing/2010/main" val="0"/>
+              </a:ext>
+            </a:extLst>
+          </a:blip>
+          <a:srcRect l="7062" t="8653" r="55026" b="52885"/>
+          <a:stretch/>
+        </p:blipFill>
+        <p:spPr>
+          <a:xfrm>
+            <a:off x="84286" y="3823607"/>
+            <a:ext cx="557971" cy="566057"/>
+          </a:xfrm>
+          <a:prstGeom prst="ellipse">
+            <a:avLst/>
+          </a:prstGeom>
+        </p:spPr>
+      </p:pic>
+      <p:pic>
+        <p:nvPicPr>
+          <p:cNvPr id="28" name="Picture 27">
+            <a:hlinkClick r:id="rId11" action="ppaction://hlinksldjump"/>
+          </p:cNvPr>
+          <p:cNvPicPr>
+            <a:picLocks noChangeAspect="1"/>
+          </p:cNvPicPr>
+          <p:nvPr/>
+        </p:nvPicPr>
+        <p:blipFill>
+          <a:blip r:embed="rId12">
+            <a:extLst>
+              <a:ext uri="{28A0092B-C50C-407E-A947-70E740481C1C}">
+                <a14:useLocalDpi xmlns:a14="http://schemas.microsoft.com/office/drawing/2010/main" val="0"/>
+              </a:ext>
+            </a:extLst>
+          </a:blip>
+          <a:stretch>
+            <a:fillRect/>
+          </a:stretch>
+        </p:blipFill>
+        <p:spPr>
+          <a:xfrm>
+            <a:off x="76200" y="4444093"/>
+            <a:ext cx="566057" cy="566057"/>
+          </a:xfrm>
+          <a:prstGeom prst="rect">
+            <a:avLst/>
+          </a:prstGeom>
+        </p:spPr>
+      </p:pic>
+      <p:sp>
+        <p:nvSpPr>
+          <p:cNvPr id="42" name="TextBox 41">
+            <a:hlinkClick r:id="rId13" action="ppaction://hlinksldjump"/>
+          </p:cNvPr>
+          <p:cNvSpPr txBox="1"/>
+          <p:nvPr/>
+        </p:nvSpPr>
+        <p:spPr>
+          <a:xfrm>
+            <a:off x="5588516" y="224225"/>
+            <a:ext cx="1034257" cy="261610"/>
+          </a:xfrm>
+          <a:prstGeom prst="rect">
+            <a:avLst/>
+          </a:prstGeom>
+          <a:noFill/>
+        </p:spPr>
+        <p:txBody>
+          <a:bodyPr wrap="none" rtlCol="0">
+            <a:spAutoFit/>
+          </a:bodyPr>
+          <a:lstStyle/>
+          <a:p>
+            <a:r>
+              <a:rPr lang="en-US" sz="1050" dirty="0">
+                <a:solidFill>
+                  <a:schemeClr val="tx1"/>
+                </a:solidFill>
+                <a:latin typeface="Roboto Slab" panose="020B0604020202020204" charset="0"/>
+                <a:ea typeface="Roboto Slab" panose="020B0604020202020204" charset="0"/>
+              </a:rPr>
+              <a:t>Infographics</a:t>
+            </a:r>
+          </a:p>
+        </p:txBody>
+      </p:sp>
+      <p:sp>
+        <p:nvSpPr>
+          <p:cNvPr id="43" name="TextBox 42">
+            <a:hlinkClick r:id="rId14" action="ppaction://hlinksldjump"/>
+          </p:cNvPr>
+          <p:cNvSpPr txBox="1"/>
+          <p:nvPr/>
+        </p:nvSpPr>
+        <p:spPr>
+          <a:xfrm>
+            <a:off x="6622774" y="224225"/>
+            <a:ext cx="1348446" cy="261610"/>
+          </a:xfrm>
+          <a:prstGeom prst="rect">
+            <a:avLst/>
+          </a:prstGeom>
+          <a:noFill/>
+        </p:spPr>
+        <p:txBody>
+          <a:bodyPr wrap="none" rtlCol="0">
+            <a:spAutoFit/>
+          </a:bodyPr>
+          <a:lstStyle/>
+          <a:p>
+            <a:r>
+              <a:rPr lang="en-US" sz="1050" dirty="0">
+                <a:solidFill>
+                  <a:schemeClr val="tx1"/>
+                </a:solidFill>
+                <a:latin typeface="Roboto Slab" panose="020B0604020202020204" charset="0"/>
+                <a:ea typeface="Roboto Slab" panose="020B0604020202020204" charset="0"/>
+              </a:rPr>
+              <a:t>Contact Numbers</a:t>
+            </a:r>
+          </a:p>
+        </p:txBody>
+      </p:sp>
+      <p:cxnSp>
+        <p:nvCxnSpPr>
+          <p:cNvPr id="45" name="Straight Connector 44"/>
+          <p:cNvCxnSpPr/>
+          <p:nvPr/>
+        </p:nvCxnSpPr>
+        <p:spPr>
+          <a:xfrm>
+            <a:off x="7971221" y="171216"/>
+            <a:ext cx="0" cy="309469"/>
+          </a:xfrm>
+          <a:prstGeom prst="line">
+            <a:avLst/>
+          </a:prstGeom>
+          <a:ln w="12700"/>
+        </p:spPr>
+        <p:style>
+          <a:lnRef idx="2">
+            <a:schemeClr val="accent4"/>
+          </a:lnRef>
+          <a:fillRef idx="0">
+            <a:schemeClr val="accent4"/>
+          </a:fillRef>
+          <a:effectRef idx="1">
+            <a:schemeClr val="accent4"/>
+          </a:effectRef>
+          <a:fontRef idx="minor">
+            <a:schemeClr val="tx1"/>
+          </a:fontRef>
+        </p:style>
+      </p:cxnSp>
+      <p:cxnSp>
+        <p:nvCxnSpPr>
+          <p:cNvPr id="46" name="Straight Connector 45"/>
           <p:cNvCxnSpPr/>
           <p:nvPr/>
         </p:nvCxnSpPr>
@@ -2974,43 +3453,77 @@
       </p:cxnSp>
       <p:sp>
         <p:nvSpPr>
-          <p:cNvPr id="5" name="Rectangle 4"/>
+          <p:cNvPr id="18" name="TextBox 17">
+            <a:hlinkClick r:id="rId14" action="ppaction://hlinksldjump"/>
+          </p:cNvPr>
+          <p:cNvSpPr txBox="1"/>
+          <p:nvPr/>
+        </p:nvSpPr>
+        <p:spPr>
+          <a:xfrm>
+            <a:off x="7971222" y="216530"/>
+            <a:ext cx="482824" cy="253916"/>
+          </a:xfrm>
+          <a:prstGeom prst="rect">
+            <a:avLst/>
+          </a:prstGeom>
+          <a:noFill/>
+        </p:spPr>
+        <p:txBody>
+          <a:bodyPr wrap="none" rtlCol="0">
+            <a:spAutoFit/>
+          </a:bodyPr>
+          <a:lstStyle/>
+          <a:p>
+            <a:r>
+              <a:rPr lang="en-US" sz="1050" dirty="0">
+                <a:solidFill>
+                  <a:schemeClr val="tx1"/>
+                </a:solidFill>
+                <a:latin typeface="Roboto Slab" panose="020B0604020202020204" charset="0"/>
+                <a:ea typeface="Roboto Slab" panose="020B0604020202020204" charset="0"/>
+              </a:rPr>
+              <a:t>Gary</a:t>
+            </a:r>
+          </a:p>
+        </p:txBody>
+      </p:sp>
+      <p:sp>
+        <p:nvSpPr>
+          <p:cNvPr id="3" name="Isosceles Triangle 2"/>
           <p:cNvSpPr/>
           <p:nvPr/>
         </p:nvSpPr>
         <p:spPr>
-          <a:xfrm>
-            <a:off x="633577" y="996174"/>
-            <a:ext cx="2594517" cy="1107690"/>
-          </a:xfrm>
-          <a:prstGeom prst="rect">
+          <a:xfrm rot="10800000">
+            <a:off x="8454046" y="324241"/>
+            <a:ext cx="86592" cy="63687"/>
+          </a:xfrm>
+          <a:prstGeom prst="triangle">
             <a:avLst/>
           </a:prstGeom>
           <a:solidFill>
-            <a:schemeClr val="tx1"/>
+            <a:schemeClr val="accent1">
+              <a:lumMod val="40000"/>
+              <a:lumOff val="60000"/>
+            </a:schemeClr>
           </a:solidFill>
-          <a:ln w="12700">
-            <a:solidFill>
-              <a:schemeClr val="tx1">
-                <a:lumMod val="85000"/>
-              </a:schemeClr>
-            </a:solidFill>
+          <a:ln>
+            <a:noFill/>
           </a:ln>
         </p:spPr>
         <p:style>
           <a:lnRef idx="2">
-            <a:schemeClr val="accent1">
-              <a:shade val="50000"/>
-            </a:schemeClr>
+            <a:schemeClr val="dk1"/>
           </a:lnRef>
           <a:fillRef idx="1">
-            <a:schemeClr val="accent1"/>
+            <a:schemeClr val="lt1"/>
           </a:fillRef>
           <a:effectRef idx="0">
-            <a:schemeClr val="accent1"/>
+            <a:schemeClr val="dk1"/>
           </a:effectRef>
           <a:fontRef idx="minor">
-            <a:schemeClr val="lt1"/>
+            <a:schemeClr val="dk1"/>
           </a:fontRef>
         </p:style>
         <p:txBody>
@@ -3018,30 +3531,323 @@
           <a:lstStyle/>
           <a:p>
             <a:pPr algn="ctr"/>
-            <a:endParaRPr lang="en-PH" dirty="0"/>
+            <a:endParaRPr lang="en-PH"/>
           </a:p>
         </p:txBody>
       </p:sp>
+      <p:grpSp>
+        <p:nvGrpSpPr>
+          <p:cNvPr id="6" name="Group 5"/>
+          <p:cNvGrpSpPr/>
+          <p:nvPr/>
+        </p:nvGrpSpPr>
+        <p:grpSpPr>
+          <a:xfrm>
+            <a:off x="7971220" y="648353"/>
+            <a:ext cx="1172780" cy="1596084"/>
+            <a:chOff x="7971220" y="648353"/>
+            <a:chExt cx="1172780" cy="1596084"/>
+          </a:xfrm>
+        </p:grpSpPr>
+        <p:sp>
+          <p:nvSpPr>
+            <p:cNvPr id="5" name="Rectangle 4"/>
+            <p:cNvSpPr/>
+            <p:nvPr/>
+          </p:nvSpPr>
+          <p:spPr>
+            <a:xfrm>
+              <a:off x="7971220" y="648353"/>
+              <a:ext cx="1172780" cy="1596084"/>
+            </a:xfrm>
+            <a:prstGeom prst="rect">
+              <a:avLst/>
+            </a:prstGeom>
+            <a:solidFill>
+              <a:schemeClr val="tx1"/>
+            </a:solidFill>
+            <a:ln w="12700">
+              <a:solidFill>
+                <a:schemeClr val="tx2"/>
+              </a:solidFill>
+            </a:ln>
+          </p:spPr>
+          <p:style>
+            <a:lnRef idx="2">
+              <a:schemeClr val="accent1">
+                <a:shade val="50000"/>
+              </a:schemeClr>
+            </a:lnRef>
+            <a:fillRef idx="1">
+              <a:schemeClr val="accent1"/>
+            </a:fillRef>
+            <a:effectRef idx="0">
+              <a:schemeClr val="accent1"/>
+            </a:effectRef>
+            <a:fontRef idx="minor">
+              <a:schemeClr val="lt1"/>
+            </a:fontRef>
+          </p:style>
+          <p:txBody>
+            <a:bodyPr rtlCol="0" anchor="ctr"/>
+            <a:lstStyle/>
+            <a:p>
+              <a:pPr algn="ctr"/>
+              <a:endParaRPr lang="en-PH"/>
+            </a:p>
+          </p:txBody>
+        </p:sp>
+        <p:sp>
+          <p:nvSpPr>
+            <p:cNvPr id="20" name="TextBox 19">
+              <a:hlinkClick r:id="rId13" action="ppaction://hlinksldjump"/>
+            </p:cNvPr>
+            <p:cNvSpPr txBox="1"/>
+            <p:nvPr/>
+          </p:nvSpPr>
+          <p:spPr>
+            <a:xfrm>
+              <a:off x="7980213" y="721049"/>
+              <a:ext cx="747320" cy="253916"/>
+            </a:xfrm>
+            <a:prstGeom prst="rect">
+              <a:avLst/>
+            </a:prstGeom>
+            <a:noFill/>
+          </p:spPr>
+          <p:txBody>
+            <a:bodyPr wrap="none" rtlCol="0">
+              <a:spAutoFit/>
+            </a:bodyPr>
+            <a:lstStyle/>
+            <a:p>
+              <a:r>
+                <a:rPr lang="en-US" sz="1050" dirty="0">
+                  <a:solidFill>
+                    <a:schemeClr val="tx2">
+                      <a:lumMod val="50000"/>
+                    </a:schemeClr>
+                  </a:solidFill>
+                  <a:latin typeface="Roboto Slab" panose="020B0604020202020204" charset="0"/>
+                  <a:ea typeface="Roboto Slab" panose="020B0604020202020204" charset="0"/>
+                </a:rPr>
+                <a:t>Contacts</a:t>
+              </a:r>
+            </a:p>
+          </p:txBody>
+        </p:sp>
+        <p:sp>
+          <p:nvSpPr>
+            <p:cNvPr id="21" name="TextBox 20">
+              <a:hlinkClick r:id="rId13" action="ppaction://hlinksldjump"/>
+            </p:cNvPr>
+            <p:cNvSpPr txBox="1"/>
+            <p:nvPr/>
+          </p:nvSpPr>
+          <p:spPr>
+            <a:xfrm>
+              <a:off x="7980213" y="1010524"/>
+              <a:ext cx="639919" cy="253916"/>
+            </a:xfrm>
+            <a:prstGeom prst="rect">
+              <a:avLst/>
+            </a:prstGeom>
+            <a:noFill/>
+          </p:spPr>
+          <p:txBody>
+            <a:bodyPr wrap="none" rtlCol="0">
+              <a:spAutoFit/>
+            </a:bodyPr>
+            <a:lstStyle/>
+            <a:p>
+              <a:r>
+                <a:rPr lang="en-US" sz="1050" dirty="0">
+                  <a:solidFill>
+                    <a:schemeClr val="tx2">
+                      <a:lumMod val="50000"/>
+                    </a:schemeClr>
+                  </a:solidFill>
+                  <a:latin typeface="Roboto Slab" panose="020B0604020202020204" charset="0"/>
+                  <a:ea typeface="Roboto Slab" panose="020B0604020202020204" charset="0"/>
+                </a:rPr>
+                <a:t>Groups</a:t>
+              </a:r>
+            </a:p>
+          </p:txBody>
+        </p:sp>
+        <p:sp>
+          <p:nvSpPr>
+            <p:cNvPr id="22" name="TextBox 21">
+              <a:hlinkClick r:id="rId13" action="ppaction://hlinksldjump"/>
+            </p:cNvPr>
+            <p:cNvSpPr txBox="1"/>
+            <p:nvPr/>
+          </p:nvSpPr>
+          <p:spPr>
+            <a:xfrm>
+              <a:off x="7980213" y="1299999"/>
+              <a:ext cx="484428" cy="253916"/>
+            </a:xfrm>
+            <a:prstGeom prst="rect">
+              <a:avLst/>
+            </a:prstGeom>
+            <a:noFill/>
+          </p:spPr>
+          <p:txBody>
+            <a:bodyPr wrap="none" rtlCol="0">
+              <a:spAutoFit/>
+            </a:bodyPr>
+            <a:lstStyle/>
+            <a:p>
+              <a:r>
+                <a:rPr lang="en-US" sz="1050" dirty="0">
+                  <a:solidFill>
+                    <a:schemeClr val="tx2">
+                      <a:lumMod val="50000"/>
+                    </a:schemeClr>
+                  </a:solidFill>
+                  <a:latin typeface="Roboto Slab" panose="020B0604020202020204" charset="0"/>
+                  <a:ea typeface="Roboto Slab" panose="020B0604020202020204" charset="0"/>
+                </a:rPr>
+                <a:t>Help</a:t>
+              </a:r>
+            </a:p>
+          </p:txBody>
+        </p:sp>
+        <p:sp>
+          <p:nvSpPr>
+            <p:cNvPr id="23" name="TextBox 22">
+              <a:hlinkClick r:id="rId13" action="ppaction://hlinksldjump"/>
+            </p:cNvPr>
+            <p:cNvSpPr txBox="1"/>
+            <p:nvPr/>
+          </p:nvSpPr>
+          <p:spPr>
+            <a:xfrm>
+              <a:off x="7990326" y="1587499"/>
+              <a:ext cx="715260" cy="253916"/>
+            </a:xfrm>
+            <a:prstGeom prst="rect">
+              <a:avLst/>
+            </a:prstGeom>
+            <a:noFill/>
+          </p:spPr>
+          <p:txBody>
+            <a:bodyPr wrap="none" rtlCol="0">
+              <a:spAutoFit/>
+            </a:bodyPr>
+            <a:lstStyle/>
+            <a:p>
+              <a:r>
+                <a:rPr lang="en-US" sz="1050" dirty="0">
+                  <a:solidFill>
+                    <a:schemeClr val="tx2">
+                      <a:lumMod val="50000"/>
+                    </a:schemeClr>
+                  </a:solidFill>
+                  <a:latin typeface="Roboto Slab" panose="020B0604020202020204" charset="0"/>
+                  <a:ea typeface="Roboto Slab" panose="020B0604020202020204" charset="0"/>
+                </a:rPr>
+                <a:t>Settings</a:t>
+              </a:r>
+            </a:p>
+          </p:txBody>
+        </p:sp>
+        <p:sp>
+          <p:nvSpPr>
+            <p:cNvPr id="26" name="TextBox 25">
+              <a:hlinkClick r:id="rId13" action="ppaction://hlinksldjump"/>
+            </p:cNvPr>
+            <p:cNvSpPr txBox="1"/>
+            <p:nvPr/>
+          </p:nvSpPr>
+          <p:spPr>
+            <a:xfrm>
+              <a:off x="7996423" y="1876974"/>
+              <a:ext cx="622286" cy="253916"/>
+            </a:xfrm>
+            <a:prstGeom prst="rect">
+              <a:avLst/>
+            </a:prstGeom>
+            <a:noFill/>
+          </p:spPr>
+          <p:txBody>
+            <a:bodyPr wrap="none" rtlCol="0">
+              <a:spAutoFit/>
+            </a:bodyPr>
+            <a:lstStyle/>
+            <a:p>
+              <a:r>
+                <a:rPr lang="en-US" sz="1050" dirty="0">
+                  <a:solidFill>
+                    <a:schemeClr val="tx2">
+                      <a:lumMod val="50000"/>
+                    </a:schemeClr>
+                  </a:solidFill>
+                  <a:latin typeface="Roboto Slab" panose="020B0604020202020204" charset="0"/>
+                  <a:ea typeface="Roboto Slab" panose="020B0604020202020204" charset="0"/>
+                </a:rPr>
+                <a:t>Logout</a:t>
+              </a:r>
+            </a:p>
+          </p:txBody>
+        </p:sp>
+      </p:grpSp>
+    </p:spTree>
+    <p:extLst>
+      <p:ext uri="{BB962C8B-B14F-4D97-AF65-F5344CB8AC3E}">
+        <p14:creationId xmlns:p14="http://schemas.microsoft.com/office/powerpoint/2010/main" val="1310536966"/>
+      </p:ext>
+    </p:extLst>
+  </p:cSld>
+  <p:clrMapOvr>
+    <a:masterClrMapping/>
+  </p:clrMapOvr>
+</p:sld>
+</file>
+
+<file path=ppt/slides/slide12.xml><?xml version="1.0" encoding="utf-8"?>
+<p:sld xmlns:a="http://schemas.openxmlformats.org/drawingml/2006/main" xmlns:r="http://schemas.openxmlformats.org/officeDocument/2006/relationships" xmlns:p="http://schemas.openxmlformats.org/presentationml/2006/main">
+  <p:cSld>
+    <p:bg>
+      <p:bgPr>
+        <a:solidFill>
+          <a:schemeClr val="lt1"/>
+        </a:solidFill>
+        <a:effectLst/>
+      </p:bgPr>
+    </p:bg>
+    <p:spTree>
+      <p:nvGrpSpPr>
+        <p:cNvPr id="1" name=""/>
+        <p:cNvGrpSpPr/>
+        <p:nvPr/>
+      </p:nvGrpSpPr>
+      <p:grpSpPr>
+        <a:xfrm>
+          <a:off x="0" y="0"/>
+          <a:ext cx="0" cy="0"/>
+          <a:chOff x="0" y="0"/>
+          <a:chExt cx="0" cy="0"/>
+        </a:xfrm>
+      </p:grpSpPr>
       <p:sp>
         <p:nvSpPr>
-          <p:cNvPr id="2" name="Oval 1"/>
+          <p:cNvPr id="3" name="Rectangle 2"/>
           <p:cNvSpPr/>
           <p:nvPr/>
         </p:nvSpPr>
         <p:spPr>
           <a:xfrm>
-            <a:off x="742880" y="1055648"/>
-            <a:ext cx="314978" cy="276999"/>
-          </a:xfrm>
-          <a:prstGeom prst="ellipse">
-            <a:avLst/>
-          </a:prstGeom>
-          <a:blipFill>
-            <a:blip r:embed="rId8"/>
-            <a:stretch>
-              <a:fillRect/>
-            </a:stretch>
-          </a:blipFill>
+            <a:off x="0" y="619125"/>
+            <a:ext cx="9144000" cy="4524375"/>
+          </a:xfrm>
+          <a:prstGeom prst="rect">
+            <a:avLst/>
+          </a:prstGeom>
+          <a:solidFill>
+            <a:schemeClr val="tx1"/>
+          </a:solidFill>
           <a:ln>
             <a:noFill/>
           </a:ln>
@@ -3073,241 +3879,7 @@
       </p:sp>
       <p:sp>
         <p:nvSpPr>
-          <p:cNvPr id="6" name="TextBox 5"/>
-          <p:cNvSpPr txBox="1"/>
-          <p:nvPr/>
-        </p:nvSpPr>
-        <p:spPr>
-          <a:xfrm>
-            <a:off x="1057858" y="1055648"/>
-            <a:ext cx="2064483" cy="276999"/>
-          </a:xfrm>
-          <a:prstGeom prst="rect">
-            <a:avLst/>
-          </a:prstGeom>
-          <a:noFill/>
-        </p:spPr>
-        <p:txBody>
-          <a:bodyPr wrap="square" rtlCol="0">
-            <a:spAutoFit/>
-          </a:bodyPr>
-          <a:lstStyle/>
-          <a:p>
-            <a:r>
-              <a:rPr lang="en-PH" sz="1200" dirty="0">
-                <a:solidFill>
-                  <a:schemeClr val="tx1">
-                    <a:lumMod val="50000"/>
-                  </a:schemeClr>
-                </a:solidFill>
-                <a:latin typeface="Roboto Slab" panose="020B0604020202020204" charset="0"/>
-                <a:ea typeface="Roboto Slab" panose="020B0604020202020204" charset="0"/>
-              </a:rPr>
-              <a:t>NDRRMC</a:t>
-            </a:r>
-            <a:endParaRPr lang="en-PH" dirty="0">
-              <a:solidFill>
-                <a:schemeClr val="tx1">
-                  <a:lumMod val="50000"/>
-                </a:schemeClr>
-              </a:solidFill>
-              <a:latin typeface="Roboto Slab" panose="020B0604020202020204" charset="0"/>
-              <a:ea typeface="Roboto Slab" panose="020B0604020202020204" charset="0"/>
-            </a:endParaRPr>
-          </a:p>
-        </p:txBody>
-      </p:sp>
-      <p:sp>
-        <p:nvSpPr>
-          <p:cNvPr id="8" name="TextBox 7"/>
-          <p:cNvSpPr txBox="1"/>
-          <p:nvPr/>
-        </p:nvSpPr>
-        <p:spPr>
-          <a:xfrm>
-            <a:off x="1189463" y="1494263"/>
-            <a:ext cx="1865971" cy="706244"/>
-          </a:xfrm>
-          <a:prstGeom prst="rect">
-            <a:avLst/>
-          </a:prstGeom>
-          <a:noFill/>
-        </p:spPr>
-        <p:txBody>
-          <a:bodyPr wrap="square" rtlCol="0">
-            <a:spAutoFit/>
-          </a:bodyPr>
-          <a:lstStyle/>
-          <a:p>
-            <a:endParaRPr lang="en-PH" dirty="0"/>
-          </a:p>
-        </p:txBody>
-      </p:sp>
-      <p:sp>
-        <p:nvSpPr>
-          <p:cNvPr id="9" name="TextBox 8"/>
-          <p:cNvSpPr txBox="1"/>
-          <p:nvPr/>
-        </p:nvSpPr>
-        <p:spPr>
-          <a:xfrm>
-            <a:off x="706244" y="1332647"/>
-            <a:ext cx="2416097" cy="307777"/>
-          </a:xfrm>
-          <a:prstGeom prst="rect">
-            <a:avLst/>
-          </a:prstGeom>
-          <a:noFill/>
-        </p:spPr>
-        <p:txBody>
-          <a:bodyPr wrap="square" rtlCol="0">
-            <a:spAutoFit/>
-          </a:bodyPr>
-          <a:lstStyle/>
-          <a:p>
-            <a:r>
-              <a:rPr lang="en-PH" sz="700" dirty="0">
-                <a:latin typeface="Roboto Slab" panose="020B0604020202020204" charset="0"/>
-                <a:ea typeface="Roboto Slab" panose="020B0604020202020204" charset="0"/>
-              </a:rPr>
-              <a:t>For damage assessment and consolidated reports on government action</a:t>
-            </a:r>
-          </a:p>
-        </p:txBody>
-      </p:sp>
-      <p:sp>
-        <p:nvSpPr>
-          <p:cNvPr id="10" name="Rounded Rectangle 9"/>
-          <p:cNvSpPr/>
-          <p:nvPr/>
-        </p:nvSpPr>
-        <p:spPr>
-          <a:xfrm>
-            <a:off x="849167" y="1654003"/>
-            <a:ext cx="273389" cy="263913"/>
-          </a:xfrm>
-          <a:prstGeom prst="roundRect">
-            <a:avLst/>
-          </a:prstGeom>
-          <a:blipFill>
-            <a:blip r:embed="rId9"/>
-            <a:stretch>
-              <a:fillRect/>
-            </a:stretch>
-          </a:blipFill>
-          <a:ln>
-            <a:noFill/>
-          </a:ln>
-        </p:spPr>
-        <p:style>
-          <a:lnRef idx="2">
-            <a:schemeClr val="accent1">
-              <a:shade val="50000"/>
-            </a:schemeClr>
-          </a:lnRef>
-          <a:fillRef idx="1">
-            <a:schemeClr val="accent1"/>
-          </a:fillRef>
-          <a:effectRef idx="0">
-            <a:schemeClr val="accent1"/>
-          </a:effectRef>
-          <a:fontRef idx="minor">
-            <a:schemeClr val="lt1"/>
-          </a:fontRef>
-        </p:style>
-        <p:txBody>
-          <a:bodyPr rtlCol="0" anchor="ctr"/>
-          <a:lstStyle/>
-          <a:p>
-            <a:pPr algn="ctr"/>
-            <a:endParaRPr lang="en-PH"/>
-          </a:p>
-        </p:txBody>
-      </p:sp>
-      <p:sp>
-        <p:nvSpPr>
-          <p:cNvPr id="14" name="Rounded Rectangle 13"/>
-          <p:cNvSpPr/>
-          <p:nvPr/>
-        </p:nvSpPr>
-        <p:spPr>
-          <a:xfrm>
-            <a:off x="1230756" y="1649623"/>
-            <a:ext cx="326167" cy="263913"/>
-          </a:xfrm>
-          <a:prstGeom prst="roundRect">
-            <a:avLst/>
-          </a:prstGeom>
-          <a:blipFill>
-            <a:blip r:embed="rId10"/>
-            <a:stretch>
-              <a:fillRect/>
-            </a:stretch>
-          </a:blipFill>
-          <a:ln>
-            <a:noFill/>
-          </a:ln>
-        </p:spPr>
-        <p:style>
-          <a:lnRef idx="2">
-            <a:schemeClr val="accent1">
-              <a:shade val="50000"/>
-            </a:schemeClr>
-          </a:lnRef>
-          <a:fillRef idx="1">
-            <a:schemeClr val="accent1"/>
-          </a:fillRef>
-          <a:effectRef idx="0">
-            <a:schemeClr val="accent1"/>
-          </a:effectRef>
-          <a:fontRef idx="minor">
-            <a:schemeClr val="lt1"/>
-          </a:fontRef>
-        </p:style>
-        <p:txBody>
-          <a:bodyPr rtlCol="0" anchor="ctr"/>
-          <a:lstStyle/>
-          <a:p>
-            <a:pPr algn="ctr"/>
-            <a:endParaRPr lang="en-PH"/>
-          </a:p>
-        </p:txBody>
-      </p:sp>
-    </p:spTree>
-    <p:extLst>
-      <p:ext uri="{BB962C8B-B14F-4D97-AF65-F5344CB8AC3E}">
-        <p14:creationId xmlns:p14="http://schemas.microsoft.com/office/powerpoint/2010/main" val="4092703956"/>
-      </p:ext>
-    </p:extLst>
-  </p:cSld>
-  <p:clrMapOvr>
-    <a:masterClrMapping/>
-  </p:clrMapOvr>
-</p:sld>
-</file>
-
-<file path=ppt/slides/slide11.xml><?xml version="1.0" encoding="utf-8"?>
-<p:sld xmlns:a="http://schemas.openxmlformats.org/drawingml/2006/main" xmlns:r="http://schemas.openxmlformats.org/officeDocument/2006/relationships" xmlns:p="http://schemas.openxmlformats.org/presentationml/2006/main">
-  <p:cSld>
-    <p:spTree>
-      <p:nvGrpSpPr>
-        <p:cNvPr id="1" name=""/>
-        <p:cNvGrpSpPr/>
-        <p:nvPr/>
-      </p:nvGrpSpPr>
-      <p:grpSpPr>
-        <a:xfrm>
-          <a:off x="0" y="0"/>
-          <a:ext cx="0" cy="0"/>
-          <a:chOff x="0" y="0"/>
-          <a:chExt cx="0" cy="0"/>
-        </a:xfrm>
-      </p:grpSpPr>
-      <p:sp>
-        <p:nvSpPr>
-          <p:cNvPr id="4" name="TextBox 3">
-            <a:hlinkClick r:id="rId2" action="ppaction://hlinksldjump"/>
-          </p:cNvPr>
+          <p:cNvPr id="4" name="TextBox 3"/>
           <p:cNvSpPr txBox="1"/>
           <p:nvPr/>
         </p:nvSpPr>
@@ -3340,6 +3912,100 @@
           </a:p>
         </p:txBody>
       </p:sp>
+      <p:pic>
+        <p:nvPicPr>
+          <p:cNvPr id="8" name="Picture 7"/>
+          <p:cNvPicPr>
+            <a:picLocks noChangeAspect="1"/>
+          </p:cNvPicPr>
+          <p:nvPr/>
+        </p:nvPicPr>
+        <p:blipFill>
+          <a:blip r:embed="rId2">
+            <a:extLst>
+              <a:ext uri="{28A0092B-C50C-407E-A947-70E740481C1C}">
+                <a14:useLocalDpi xmlns:a14="http://schemas.microsoft.com/office/drawing/2010/main" val="0"/>
+              </a:ext>
+            </a:extLst>
+          </a:blip>
+          <a:stretch>
+            <a:fillRect/>
+          </a:stretch>
+        </p:blipFill>
+        <p:spPr>
+          <a:xfrm>
+            <a:off x="1094494" y="93629"/>
+            <a:ext cx="387991" cy="386098"/>
+          </a:xfrm>
+          <a:prstGeom prst="ellipse">
+            <a:avLst/>
+          </a:prstGeom>
+        </p:spPr>
+      </p:pic>
+      <p:pic>
+        <p:nvPicPr>
+          <p:cNvPr id="9" name="Picture 8">
+            <a:hlinkClick r:id="rId3" action="ppaction://hlinksldjump"/>
+          </p:cNvPr>
+          <p:cNvPicPr>
+            <a:picLocks noChangeAspect="1"/>
+          </p:cNvPicPr>
+          <p:nvPr/>
+        </p:nvPicPr>
+        <p:blipFill>
+          <a:blip r:embed="rId4">
+            <a:extLst>
+              <a:ext uri="{28A0092B-C50C-407E-A947-70E740481C1C}">
+                <a14:useLocalDpi xmlns:a14="http://schemas.microsoft.com/office/drawing/2010/main" val="0"/>
+              </a:ext>
+            </a:extLst>
+          </a:blip>
+          <a:stretch>
+            <a:fillRect/>
+          </a:stretch>
+        </p:blipFill>
+        <p:spPr>
+          <a:xfrm>
+            <a:off x="1609595" y="87719"/>
+            <a:ext cx="398115" cy="398115"/>
+          </a:xfrm>
+          <a:prstGeom prst="ellipse">
+            <a:avLst/>
+          </a:prstGeom>
+        </p:spPr>
+      </p:pic>
+      <p:pic>
+        <p:nvPicPr>
+          <p:cNvPr id="10" name="Picture 9">
+            <a:hlinkClick r:id="rId5" action="ppaction://hlinksldjump"/>
+          </p:cNvPr>
+          <p:cNvPicPr>
+            <a:picLocks noChangeAspect="1"/>
+          </p:cNvPicPr>
+          <p:nvPr/>
+        </p:nvPicPr>
+        <p:blipFill>
+          <a:blip r:embed="rId6">
+            <a:extLst>
+              <a:ext uri="{28A0092B-C50C-407E-A947-70E740481C1C}">
+                <a14:useLocalDpi xmlns:a14="http://schemas.microsoft.com/office/drawing/2010/main" val="0"/>
+              </a:ext>
+            </a:extLst>
+          </a:blip>
+          <a:stretch>
+            <a:fillRect/>
+          </a:stretch>
+        </p:blipFill>
+        <p:spPr>
+          <a:xfrm>
+            <a:off x="2134860" y="87433"/>
+            <a:ext cx="396983" cy="398401"/>
+          </a:xfrm>
+          <a:prstGeom prst="ellipse">
+            <a:avLst/>
+          </a:prstGeom>
+        </p:spPr>
+      </p:pic>
       <p:cxnSp>
         <p:nvCxnSpPr>
           <p:cNvPr id="24" name="Straight Connector 23"/>
@@ -3372,170 +4038,7 @@
       </p:cxnSp>
       <p:sp>
         <p:nvSpPr>
-          <p:cNvPr id="7" name="Rectangle 6"/>
-          <p:cNvSpPr/>
-          <p:nvPr/>
-        </p:nvSpPr>
-        <p:spPr>
-          <a:xfrm>
-            <a:off x="0" y="631371"/>
-            <a:ext cx="9144000" cy="4512129"/>
-          </a:xfrm>
-          <a:prstGeom prst="rect">
-            <a:avLst/>
-          </a:prstGeom>
-          <a:ln>
-            <a:noFill/>
-          </a:ln>
-        </p:spPr>
-        <p:style>
-          <a:lnRef idx="2">
-            <a:schemeClr val="dk1">
-              <a:shade val="50000"/>
-            </a:schemeClr>
-          </a:lnRef>
-          <a:fillRef idx="1">
-            <a:schemeClr val="dk1"/>
-          </a:fillRef>
-          <a:effectRef idx="0">
-            <a:schemeClr val="dk1"/>
-          </a:effectRef>
-          <a:fontRef idx="minor">
-            <a:schemeClr val="lt1"/>
-          </a:fontRef>
-        </p:style>
-        <p:txBody>
-          <a:bodyPr rtlCol="0" anchor="ctr"/>
-          <a:lstStyle/>
-          <a:p>
-            <a:pPr algn="ctr"/>
-            <a:endParaRPr lang="en-US"/>
-          </a:p>
-        </p:txBody>
-      </p:sp>
-      <p:pic>
-        <p:nvPicPr>
-          <p:cNvPr id="22" name="Picture 21"/>
-          <p:cNvPicPr>
-            <a:picLocks noChangeAspect="1"/>
-          </p:cNvPicPr>
-          <p:nvPr/>
-        </p:nvPicPr>
-        <p:blipFill>
-          <a:blip r:embed="rId3">
-            <a:extLst>
-              <a:ext uri="{28A0092B-C50C-407E-A947-70E740481C1C}">
-                <a14:useLocalDpi xmlns:a14="http://schemas.microsoft.com/office/drawing/2010/main" val="0"/>
-              </a:ext>
-            </a:extLst>
-          </a:blip>
-          <a:stretch>
-            <a:fillRect/>
-          </a:stretch>
-        </p:blipFill>
-        <p:spPr>
-          <a:xfrm>
-            <a:off x="1227723" y="978354"/>
-            <a:ext cx="6688553" cy="4029075"/>
-          </a:xfrm>
-          <a:prstGeom prst="rect">
-            <a:avLst/>
-          </a:prstGeom>
-        </p:spPr>
-      </p:pic>
-      <p:pic>
-        <p:nvPicPr>
-          <p:cNvPr id="23" name="Picture 22"/>
-          <p:cNvPicPr>
-            <a:picLocks noChangeAspect="1"/>
-          </p:cNvPicPr>
-          <p:nvPr/>
-        </p:nvPicPr>
-        <p:blipFill>
-          <a:blip r:embed="rId4">
-            <a:extLst>
-              <a:ext uri="{28A0092B-C50C-407E-A947-70E740481C1C}">
-                <a14:useLocalDpi xmlns:a14="http://schemas.microsoft.com/office/drawing/2010/main" val="0"/>
-              </a:ext>
-            </a:extLst>
-          </a:blip>
-          <a:stretch>
-            <a:fillRect/>
-          </a:stretch>
-        </p:blipFill>
-        <p:spPr>
-          <a:xfrm>
-            <a:off x="1094494" y="93630"/>
-            <a:ext cx="387991" cy="386098"/>
-          </a:xfrm>
-          <a:prstGeom prst="ellipse">
-            <a:avLst/>
-          </a:prstGeom>
-        </p:spPr>
-      </p:pic>
-      <p:pic>
-        <p:nvPicPr>
-          <p:cNvPr id="25" name="Picture 24"/>
-          <p:cNvPicPr>
-            <a:picLocks noChangeAspect="1"/>
-          </p:cNvPicPr>
-          <p:nvPr/>
-        </p:nvPicPr>
-        <p:blipFill>
-          <a:blip r:embed="rId5">
-            <a:extLst>
-              <a:ext uri="{28A0092B-C50C-407E-A947-70E740481C1C}">
-                <a14:useLocalDpi xmlns:a14="http://schemas.microsoft.com/office/drawing/2010/main" val="0"/>
-              </a:ext>
-            </a:extLst>
-          </a:blip>
-          <a:stretch>
-            <a:fillRect/>
-          </a:stretch>
-        </p:blipFill>
-        <p:spPr>
-          <a:xfrm>
-            <a:off x="1609595" y="87719"/>
-            <a:ext cx="398115" cy="398115"/>
-          </a:xfrm>
-          <a:prstGeom prst="ellipse">
-            <a:avLst/>
-          </a:prstGeom>
-        </p:spPr>
-      </p:pic>
-      <p:pic>
-        <p:nvPicPr>
-          <p:cNvPr id="26" name="Picture 25"/>
-          <p:cNvPicPr>
-            <a:picLocks noChangeAspect="1"/>
-          </p:cNvPicPr>
-          <p:nvPr/>
-        </p:nvPicPr>
-        <p:blipFill>
-          <a:blip r:embed="rId6">
-            <a:extLst>
-              <a:ext uri="{28A0092B-C50C-407E-A947-70E740481C1C}">
-                <a14:useLocalDpi xmlns:a14="http://schemas.microsoft.com/office/drawing/2010/main" val="0"/>
-              </a:ext>
-            </a:extLst>
-          </a:blip>
-          <a:stretch>
-            <a:fillRect/>
-          </a:stretch>
-        </p:blipFill>
-        <p:spPr>
-          <a:xfrm>
-            <a:off x="2134860" y="87433"/>
-            <a:ext cx="396983" cy="398401"/>
-          </a:xfrm>
-          <a:prstGeom prst="ellipse">
-            <a:avLst/>
-          </a:prstGeom>
-        </p:spPr>
-      </p:pic>
-      <p:sp>
-        <p:nvSpPr>
-          <p:cNvPr id="28" name="TextBox 27">
+          <p:cNvPr id="42" name="TextBox 41">
             <a:hlinkClick r:id="rId7" action="ppaction://hlinksldjump"/>
           </p:cNvPr>
           <p:cNvSpPr txBox="1"/>
@@ -3572,7 +4075,7 @@
       </p:sp>
       <p:sp>
         <p:nvSpPr>
-          <p:cNvPr id="29" name="TextBox 28">
+          <p:cNvPr id="43" name="TextBox 42">
             <a:hlinkClick r:id="rId8" action="ppaction://hlinksldjump"/>
           </p:cNvPr>
           <p:cNvSpPr txBox="1"/>
@@ -3607,44 +4110,9 @@
           </a:p>
         </p:txBody>
       </p:sp>
-      <p:sp>
-        <p:nvSpPr>
-          <p:cNvPr id="30" name="TextBox 29"/>
-          <p:cNvSpPr txBox="1"/>
-          <p:nvPr/>
-        </p:nvSpPr>
-        <p:spPr>
-          <a:xfrm>
-            <a:off x="7971221" y="219075"/>
-            <a:ext cx="546945" cy="253916"/>
-          </a:xfrm>
-          <a:prstGeom prst="rect">
-            <a:avLst/>
-          </a:prstGeom>
-          <a:noFill/>
-        </p:spPr>
-        <p:txBody>
-          <a:bodyPr wrap="none" rtlCol="0">
-            <a:spAutoFit/>
-          </a:bodyPr>
-          <a:lstStyle/>
-          <a:p>
-            <a:r>
-              <a:rPr lang="en-US" sz="1050" dirty="0">
-                <a:solidFill>
-                  <a:schemeClr val="tx1"/>
-                </a:solidFill>
-                <a:latin typeface="Roboto Slab" panose="020B0604020202020204" charset="0"/>
-                <a:ea typeface="Roboto Slab" panose="020B0604020202020204" charset="0"/>
-              </a:rPr>
-              <a:t>Login</a:t>
-            </a:r>
-          </a:p>
-        </p:txBody>
-      </p:sp>
       <p:cxnSp>
         <p:nvCxnSpPr>
-          <p:cNvPr id="31" name="Straight Connector 30"/>
+          <p:cNvPr id="45" name="Straight Connector 44"/>
           <p:cNvCxnSpPr/>
           <p:nvPr/>
         </p:nvCxnSpPr>
@@ -3675,7 +4143,7 @@
       </p:cxnSp>
       <p:cxnSp>
         <p:nvCxnSpPr>
-          <p:cNvPr id="32" name="Straight Connector 31"/>
+          <p:cNvPr id="46" name="Straight Connector 45"/>
           <p:cNvCxnSpPr/>
           <p:nvPr/>
         </p:nvCxnSpPr>
@@ -3704,10 +4172,389 @@
           </a:fontRef>
         </p:style>
       </p:cxnSp>
+      <p:sp>
+        <p:nvSpPr>
+          <p:cNvPr id="26" name="TextBox 25">
+            <a:hlinkClick r:id="rId8" action="ppaction://hlinksldjump"/>
+          </p:cNvPr>
+          <p:cNvSpPr txBox="1"/>
+          <p:nvPr/>
+        </p:nvSpPr>
+        <p:spPr>
+          <a:xfrm>
+            <a:off x="7971222" y="216530"/>
+            <a:ext cx="482824" cy="253916"/>
+          </a:xfrm>
+          <a:prstGeom prst="rect">
+            <a:avLst/>
+          </a:prstGeom>
+          <a:noFill/>
+        </p:spPr>
+        <p:txBody>
+          <a:bodyPr wrap="none" rtlCol="0">
+            <a:spAutoFit/>
+          </a:bodyPr>
+          <a:lstStyle/>
+          <a:p>
+            <a:r>
+              <a:rPr lang="en-US" sz="1050" dirty="0">
+                <a:solidFill>
+                  <a:schemeClr val="tx1"/>
+                </a:solidFill>
+                <a:latin typeface="Roboto Slab" panose="020B0604020202020204" charset="0"/>
+                <a:ea typeface="Roboto Slab" panose="020B0604020202020204" charset="0"/>
+              </a:rPr>
+              <a:t>Gary</a:t>
+            </a:r>
+          </a:p>
+        </p:txBody>
+      </p:sp>
+      <p:sp>
+        <p:nvSpPr>
+          <p:cNvPr id="29" name="Isosceles Triangle 28"/>
+          <p:cNvSpPr/>
+          <p:nvPr/>
+        </p:nvSpPr>
+        <p:spPr>
+          <a:xfrm rot="10800000">
+            <a:off x="8454046" y="324241"/>
+            <a:ext cx="86592" cy="63687"/>
+          </a:xfrm>
+          <a:prstGeom prst="triangle">
+            <a:avLst/>
+          </a:prstGeom>
+          <a:solidFill>
+            <a:schemeClr val="accent1">
+              <a:lumMod val="40000"/>
+              <a:lumOff val="60000"/>
+            </a:schemeClr>
+          </a:solidFill>
+          <a:ln>
+            <a:noFill/>
+          </a:ln>
+        </p:spPr>
+        <p:style>
+          <a:lnRef idx="2">
+            <a:schemeClr val="dk1"/>
+          </a:lnRef>
+          <a:fillRef idx="1">
+            <a:schemeClr val="lt1"/>
+          </a:fillRef>
+          <a:effectRef idx="0">
+            <a:schemeClr val="dk1"/>
+          </a:effectRef>
+          <a:fontRef idx="minor">
+            <a:schemeClr val="dk1"/>
+          </a:fontRef>
+        </p:style>
+        <p:txBody>
+          <a:bodyPr rtlCol="0" anchor="ctr"/>
+          <a:lstStyle/>
+          <a:p>
+            <a:pPr algn="ctr"/>
+            <a:endParaRPr lang="en-PH"/>
+          </a:p>
+        </p:txBody>
+      </p:sp>
+      <p:grpSp>
+        <p:nvGrpSpPr>
+          <p:cNvPr id="30" name="Group 29"/>
+          <p:cNvGrpSpPr/>
+          <p:nvPr/>
+        </p:nvGrpSpPr>
+        <p:grpSpPr>
+          <a:xfrm>
+            <a:off x="7971220" y="648353"/>
+            <a:ext cx="1172780" cy="1596084"/>
+            <a:chOff x="7971220" y="648353"/>
+            <a:chExt cx="1172780" cy="1596084"/>
+          </a:xfrm>
+        </p:grpSpPr>
+        <p:sp>
+          <p:nvSpPr>
+            <p:cNvPr id="31" name="Rectangle 30"/>
+            <p:cNvSpPr/>
+            <p:nvPr/>
+          </p:nvSpPr>
+          <p:spPr>
+            <a:xfrm>
+              <a:off x="7971220" y="648353"/>
+              <a:ext cx="1172780" cy="1596084"/>
+            </a:xfrm>
+            <a:prstGeom prst="rect">
+              <a:avLst/>
+            </a:prstGeom>
+            <a:solidFill>
+              <a:schemeClr val="tx1"/>
+            </a:solidFill>
+            <a:ln w="12700">
+              <a:solidFill>
+                <a:schemeClr val="tx2"/>
+              </a:solidFill>
+            </a:ln>
+          </p:spPr>
+          <p:style>
+            <a:lnRef idx="2">
+              <a:schemeClr val="accent1">
+                <a:shade val="50000"/>
+              </a:schemeClr>
+            </a:lnRef>
+            <a:fillRef idx="1">
+              <a:schemeClr val="accent1"/>
+            </a:fillRef>
+            <a:effectRef idx="0">
+              <a:schemeClr val="accent1"/>
+            </a:effectRef>
+            <a:fontRef idx="minor">
+              <a:schemeClr val="lt1"/>
+            </a:fontRef>
+          </p:style>
+          <p:txBody>
+            <a:bodyPr rtlCol="0" anchor="ctr"/>
+            <a:lstStyle/>
+            <a:p>
+              <a:pPr algn="ctr"/>
+              <a:endParaRPr lang="en-PH"/>
+            </a:p>
+          </p:txBody>
+        </p:sp>
+        <p:sp>
+          <p:nvSpPr>
+            <p:cNvPr id="32" name="TextBox 31">
+              <a:hlinkClick r:id="rId7" action="ppaction://hlinksldjump"/>
+            </p:cNvPr>
+            <p:cNvSpPr txBox="1"/>
+            <p:nvPr/>
+          </p:nvSpPr>
+          <p:spPr>
+            <a:xfrm>
+              <a:off x="7980213" y="721049"/>
+              <a:ext cx="747320" cy="253916"/>
+            </a:xfrm>
+            <a:prstGeom prst="rect">
+              <a:avLst/>
+            </a:prstGeom>
+            <a:noFill/>
+          </p:spPr>
+          <p:txBody>
+            <a:bodyPr wrap="none" rtlCol="0">
+              <a:spAutoFit/>
+            </a:bodyPr>
+            <a:lstStyle/>
+            <a:p>
+              <a:r>
+                <a:rPr lang="en-US" sz="1050" dirty="0">
+                  <a:solidFill>
+                    <a:schemeClr val="tx2">
+                      <a:lumMod val="50000"/>
+                    </a:schemeClr>
+                  </a:solidFill>
+                  <a:latin typeface="Roboto Slab" panose="020B0604020202020204" charset="0"/>
+                  <a:ea typeface="Roboto Slab" panose="020B0604020202020204" charset="0"/>
+                </a:rPr>
+                <a:t>Contacts</a:t>
+              </a:r>
+            </a:p>
+          </p:txBody>
+        </p:sp>
+        <p:sp>
+          <p:nvSpPr>
+            <p:cNvPr id="33" name="TextBox 32">
+              <a:hlinkClick r:id="rId7" action="ppaction://hlinksldjump"/>
+            </p:cNvPr>
+            <p:cNvSpPr txBox="1"/>
+            <p:nvPr/>
+          </p:nvSpPr>
+          <p:spPr>
+            <a:xfrm>
+              <a:off x="7980213" y="1010524"/>
+              <a:ext cx="639919" cy="253916"/>
+            </a:xfrm>
+            <a:prstGeom prst="rect">
+              <a:avLst/>
+            </a:prstGeom>
+            <a:noFill/>
+          </p:spPr>
+          <p:txBody>
+            <a:bodyPr wrap="none" rtlCol="0">
+              <a:spAutoFit/>
+            </a:bodyPr>
+            <a:lstStyle/>
+            <a:p>
+              <a:r>
+                <a:rPr lang="en-US" sz="1050" dirty="0">
+                  <a:solidFill>
+                    <a:schemeClr val="tx2">
+                      <a:lumMod val="50000"/>
+                    </a:schemeClr>
+                  </a:solidFill>
+                  <a:latin typeface="Roboto Slab" panose="020B0604020202020204" charset="0"/>
+                  <a:ea typeface="Roboto Slab" panose="020B0604020202020204" charset="0"/>
+                </a:rPr>
+                <a:t>Groups</a:t>
+              </a:r>
+            </a:p>
+          </p:txBody>
+        </p:sp>
+        <p:sp>
+          <p:nvSpPr>
+            <p:cNvPr id="34" name="TextBox 33">
+              <a:hlinkClick r:id="rId7" action="ppaction://hlinksldjump"/>
+            </p:cNvPr>
+            <p:cNvSpPr txBox="1"/>
+            <p:nvPr/>
+          </p:nvSpPr>
+          <p:spPr>
+            <a:xfrm>
+              <a:off x="7980213" y="1299999"/>
+              <a:ext cx="484428" cy="253916"/>
+            </a:xfrm>
+            <a:prstGeom prst="rect">
+              <a:avLst/>
+            </a:prstGeom>
+            <a:noFill/>
+          </p:spPr>
+          <p:txBody>
+            <a:bodyPr wrap="none" rtlCol="0">
+              <a:spAutoFit/>
+            </a:bodyPr>
+            <a:lstStyle/>
+            <a:p>
+              <a:r>
+                <a:rPr lang="en-US" sz="1050" dirty="0">
+                  <a:solidFill>
+                    <a:schemeClr val="tx2">
+                      <a:lumMod val="50000"/>
+                    </a:schemeClr>
+                  </a:solidFill>
+                  <a:latin typeface="Roboto Slab" panose="020B0604020202020204" charset="0"/>
+                  <a:ea typeface="Roboto Slab" panose="020B0604020202020204" charset="0"/>
+                </a:rPr>
+                <a:t>Help</a:t>
+              </a:r>
+            </a:p>
+          </p:txBody>
+        </p:sp>
+        <p:sp>
+          <p:nvSpPr>
+            <p:cNvPr id="35" name="TextBox 34">
+              <a:hlinkClick r:id="rId7" action="ppaction://hlinksldjump"/>
+            </p:cNvPr>
+            <p:cNvSpPr txBox="1"/>
+            <p:nvPr/>
+          </p:nvSpPr>
+          <p:spPr>
+            <a:xfrm>
+              <a:off x="7990326" y="1587499"/>
+              <a:ext cx="715260" cy="253916"/>
+            </a:xfrm>
+            <a:prstGeom prst="rect">
+              <a:avLst/>
+            </a:prstGeom>
+            <a:noFill/>
+          </p:spPr>
+          <p:txBody>
+            <a:bodyPr wrap="none" rtlCol="0">
+              <a:spAutoFit/>
+            </a:bodyPr>
+            <a:lstStyle/>
+            <a:p>
+              <a:r>
+                <a:rPr lang="en-US" sz="1050" dirty="0">
+                  <a:solidFill>
+                    <a:schemeClr val="tx2">
+                      <a:lumMod val="50000"/>
+                    </a:schemeClr>
+                  </a:solidFill>
+                  <a:latin typeface="Roboto Slab" panose="020B0604020202020204" charset="0"/>
+                  <a:ea typeface="Roboto Slab" panose="020B0604020202020204" charset="0"/>
+                </a:rPr>
+                <a:t>Settings</a:t>
+              </a:r>
+            </a:p>
+          </p:txBody>
+        </p:sp>
+        <p:sp>
+          <p:nvSpPr>
+            <p:cNvPr id="36" name="TextBox 35">
+              <a:hlinkClick r:id="rId7" action="ppaction://hlinksldjump"/>
+            </p:cNvPr>
+            <p:cNvSpPr txBox="1"/>
+            <p:nvPr/>
+          </p:nvSpPr>
+          <p:spPr>
+            <a:xfrm>
+              <a:off x="7996423" y="1876974"/>
+              <a:ext cx="622286" cy="253916"/>
+            </a:xfrm>
+            <a:prstGeom prst="rect">
+              <a:avLst/>
+            </a:prstGeom>
+            <a:noFill/>
+          </p:spPr>
+          <p:txBody>
+            <a:bodyPr wrap="none" rtlCol="0">
+              <a:spAutoFit/>
+            </a:bodyPr>
+            <a:lstStyle/>
+            <a:p>
+              <a:r>
+                <a:rPr lang="en-US" sz="1050" dirty="0">
+                  <a:solidFill>
+                    <a:schemeClr val="tx2">
+                      <a:lumMod val="50000"/>
+                    </a:schemeClr>
+                  </a:solidFill>
+                  <a:latin typeface="Roboto Slab" panose="020B0604020202020204" charset="0"/>
+                  <a:ea typeface="Roboto Slab" panose="020B0604020202020204" charset="0"/>
+                </a:rPr>
+                <a:t>Logout</a:t>
+              </a:r>
+            </a:p>
+          </p:txBody>
+        </p:sp>
+      </p:grpSp>
+      <p:sp>
+        <p:nvSpPr>
+          <p:cNvPr id="38" name="TextBox 37">
+            <a:hlinkClick r:id="rId9" action="ppaction://hlinksldjump"/>
+          </p:cNvPr>
+          <p:cNvSpPr txBox="1"/>
+          <p:nvPr/>
+        </p:nvSpPr>
+        <p:spPr>
+          <a:xfrm>
+            <a:off x="533314" y="864330"/>
+            <a:ext cx="1510350" cy="400110"/>
+          </a:xfrm>
+          <a:prstGeom prst="rect">
+            <a:avLst/>
+          </a:prstGeom>
+          <a:noFill/>
+        </p:spPr>
+        <p:txBody>
+          <a:bodyPr wrap="none" rtlCol="0">
+            <a:spAutoFit/>
+          </a:bodyPr>
+          <a:lstStyle/>
+          <a:p>
+            <a:r>
+              <a:rPr lang="en-US" sz="2000" b="1" dirty="0">
+                <a:solidFill>
+                  <a:schemeClr val="bg1"/>
+                </a:solidFill>
+                <a:latin typeface="Roboto Slab" panose="020B0604020202020204" charset="0"/>
+                <a:ea typeface="Roboto Slab" panose="020B0604020202020204" charset="0"/>
+              </a:rPr>
+              <a:t>My Groups</a:t>
+            </a:r>
+          </a:p>
+        </p:txBody>
+      </p:sp>
     </p:spTree>
     <p:extLst>
       <p:ext uri="{BB962C8B-B14F-4D97-AF65-F5344CB8AC3E}">
-        <p14:creationId xmlns:p14="http://schemas.microsoft.com/office/powerpoint/2010/main" val="2448762110"/>
+        <p14:creationId xmlns:p14="http://schemas.microsoft.com/office/powerpoint/2010/main" val="998583972"/>
       </p:ext>
     </p:extLst>
   </p:cSld>
@@ -7775,6 +8622,11 @@
           <a:prstGeom prst="ellipse">
             <a:avLst/>
           </a:prstGeom>
+          <a:solidFill>
+            <a:schemeClr val="tx1">
+              <a:alpha val="71000"/>
+            </a:schemeClr>
+          </a:solidFill>
         </p:spPr>
       </p:pic>
       <p:pic>
@@ -7807,6 +8659,11 @@
           <a:prstGeom prst="rect">
             <a:avLst/>
           </a:prstGeom>
+          <a:solidFill>
+            <a:schemeClr val="tx1">
+              <a:alpha val="71000"/>
+            </a:schemeClr>
+          </a:solidFill>
         </p:spPr>
       </p:pic>
       <p:sp>
@@ -8469,7 +9326,7 @@
           <a:lstStyle/>
           <a:p>
             <a:pPr algn="ctr"/>
-            <a:endParaRPr lang="en-US"/>
+            <a:endParaRPr lang="en-US" dirty="0"/>
           </a:p>
         </p:txBody>
       </p:sp>
@@ -8563,288 +9420,6 @@
           </a:prstGeom>
         </p:spPr>
       </p:pic>
-      <p:sp>
-        <p:nvSpPr>
-          <p:cNvPr id="16" name="TextBox 15">
-            <a:hlinkClick r:id="rId2" action="ppaction://hlinksldjump"/>
-          </p:cNvPr>
-          <p:cNvSpPr txBox="1"/>
-          <p:nvPr/>
-        </p:nvSpPr>
-        <p:spPr>
-          <a:xfrm>
-            <a:off x="1609476" y="1057219"/>
-            <a:ext cx="5811206" cy="400110"/>
-          </a:xfrm>
-          <a:prstGeom prst="rect">
-            <a:avLst/>
-          </a:prstGeom>
-          <a:noFill/>
-        </p:spPr>
-        <p:txBody>
-          <a:bodyPr wrap="none" rtlCol="0">
-            <a:spAutoFit/>
-          </a:bodyPr>
-          <a:lstStyle/>
-          <a:p>
-            <a:r>
-              <a:rPr lang="en-US" sz="2000" dirty="0">
-                <a:solidFill>
-                  <a:schemeClr val="accent2"/>
-                </a:solidFill>
-                <a:latin typeface="Roboto Slab" panose="020B0604020202020204" charset="0"/>
-                <a:ea typeface="Roboto Slab" panose="020B0604020202020204" charset="0"/>
-              </a:rPr>
-              <a:t>Contact the following for flood related matters:</a:t>
-            </a:r>
-          </a:p>
-        </p:txBody>
-      </p:sp>
-      <p:cxnSp>
-        <p:nvCxnSpPr>
-          <p:cNvPr id="3" name="Straight Connector 2"/>
-          <p:cNvCxnSpPr/>
-          <p:nvPr/>
-        </p:nvCxnSpPr>
-        <p:spPr>
-          <a:xfrm>
-            <a:off x="634322" y="1559323"/>
-            <a:ext cx="7769449" cy="8220"/>
-          </a:xfrm>
-          <a:prstGeom prst="line">
-            <a:avLst/>
-          </a:prstGeom>
-        </p:spPr>
-        <p:style>
-          <a:lnRef idx="2">
-            <a:schemeClr val="accent1"/>
-          </a:lnRef>
-          <a:fillRef idx="0">
-            <a:schemeClr val="accent1"/>
-          </a:fillRef>
-          <a:effectRef idx="1">
-            <a:schemeClr val="accent1"/>
-          </a:effectRef>
-          <a:fontRef idx="minor">
-            <a:schemeClr val="tx1"/>
-          </a:fontRef>
-        </p:style>
-      </p:cxnSp>
-      <p:sp>
-        <p:nvSpPr>
-          <p:cNvPr id="18" name="TextBox 17">
-            <a:hlinkClick r:id="rId2" action="ppaction://hlinksldjump"/>
-          </p:cNvPr>
-          <p:cNvSpPr txBox="1"/>
-          <p:nvPr/>
-        </p:nvSpPr>
-        <p:spPr>
-          <a:xfrm>
-            <a:off x="2007829" y="1793511"/>
-            <a:ext cx="4774064" cy="2893100"/>
-          </a:xfrm>
-          <a:prstGeom prst="rect">
-            <a:avLst/>
-          </a:prstGeom>
-          <a:noFill/>
-        </p:spPr>
-        <p:txBody>
-          <a:bodyPr wrap="none" rtlCol="0">
-            <a:spAutoFit/>
-          </a:bodyPr>
-          <a:lstStyle/>
-          <a:p>
-            <a:pPr algn="ctr"/>
-            <a:r>
-              <a:rPr lang="en-US" dirty="0">
-                <a:solidFill>
-                  <a:schemeClr val="accent2"/>
-                </a:solidFill>
-                <a:latin typeface="Roboto Slab" panose="020B0604020202020204" charset="0"/>
-                <a:ea typeface="Roboto Slab" panose="020B0604020202020204" charset="0"/>
-              </a:rPr>
-              <a:t>NDRRMC hotlines:</a:t>
-            </a:r>
-          </a:p>
-          <a:p>
-            <a:pPr marL="285750" indent="-285750" algn="ctr">
-              <a:buFont typeface="Arial" panose="020B0604020202020204" pitchFamily="34" charset="0"/>
-              <a:buChar char="•"/>
-            </a:pPr>
-            <a:r>
-              <a:rPr lang="en-US" dirty="0">
-                <a:solidFill>
-                  <a:srgbClr val="00517C"/>
-                </a:solidFill>
-                <a:latin typeface="Roboto Slab" panose="020B0604020202020204" charset="0"/>
-                <a:ea typeface="Roboto Slab" panose="020B0604020202020204" charset="0"/>
-              </a:rPr>
-              <a:t>(02) 911-1406</a:t>
-            </a:r>
-          </a:p>
-          <a:p>
-            <a:pPr marL="285750" indent="-285750" algn="ctr">
-              <a:buFont typeface="Arial" panose="020B0604020202020204" pitchFamily="34" charset="0"/>
-              <a:buChar char="•"/>
-            </a:pPr>
-            <a:r>
-              <a:rPr lang="en-US" dirty="0">
-                <a:solidFill>
-                  <a:srgbClr val="00517C"/>
-                </a:solidFill>
-                <a:latin typeface="Roboto Slab" panose="020B0604020202020204" charset="0"/>
-                <a:ea typeface="Roboto Slab" panose="020B0604020202020204" charset="0"/>
-              </a:rPr>
-              <a:t>(02) 912-2665</a:t>
-            </a:r>
-          </a:p>
-          <a:p>
-            <a:pPr marL="285750" indent="-285750" algn="ctr">
-              <a:buFont typeface="Arial" panose="020B0604020202020204" pitchFamily="34" charset="0"/>
-              <a:buChar char="•"/>
-            </a:pPr>
-            <a:r>
-              <a:rPr lang="en-US" dirty="0">
-                <a:solidFill>
-                  <a:srgbClr val="00517C"/>
-                </a:solidFill>
-                <a:latin typeface="Roboto Slab" panose="020B0604020202020204" charset="0"/>
-                <a:ea typeface="Roboto Slab" panose="020B0604020202020204" charset="0"/>
-              </a:rPr>
-              <a:t>(02) 912-5668</a:t>
-            </a:r>
-          </a:p>
-          <a:p>
-            <a:pPr marL="285750" indent="-285750" algn="ctr">
-              <a:buFont typeface="Arial" panose="020B0604020202020204" pitchFamily="34" charset="0"/>
-              <a:buChar char="•"/>
-            </a:pPr>
-            <a:r>
-              <a:rPr lang="en-US" dirty="0">
-                <a:solidFill>
-                  <a:srgbClr val="00517C"/>
-                </a:solidFill>
-                <a:latin typeface="Roboto Slab" panose="020B0604020202020204" charset="0"/>
-                <a:ea typeface="Roboto Slab" panose="020B0604020202020204" charset="0"/>
-              </a:rPr>
-              <a:t>(02) 911-1873</a:t>
-            </a:r>
-          </a:p>
-          <a:p>
-            <a:pPr marL="285750" indent="-285750" algn="ctr">
-              <a:buFont typeface="Arial" panose="020B0604020202020204" pitchFamily="34" charset="0"/>
-              <a:buChar char="•"/>
-            </a:pPr>
-            <a:endParaRPr lang="en-US" dirty="0">
-              <a:solidFill>
-                <a:srgbClr val="00517C"/>
-              </a:solidFill>
-              <a:latin typeface="Roboto Slab" panose="020B0604020202020204" charset="0"/>
-              <a:ea typeface="Roboto Slab" panose="020B0604020202020204" charset="0"/>
-            </a:endParaRPr>
-          </a:p>
-          <a:p>
-            <a:pPr algn="ctr"/>
-            <a:r>
-              <a:rPr lang="en-US" dirty="0">
-                <a:solidFill>
-                  <a:srgbClr val="5D9039"/>
-                </a:solidFill>
-                <a:latin typeface="Roboto Slab" panose="020B0604020202020204" charset="0"/>
-                <a:ea typeface="Roboto Slab" panose="020B0604020202020204" charset="0"/>
-              </a:rPr>
-              <a:t>PAGASA hotline</a:t>
-            </a:r>
-          </a:p>
-          <a:p>
-            <a:pPr marL="285750" indent="-285750" algn="ctr">
-              <a:buFont typeface="Arial" panose="020B0604020202020204" pitchFamily="34" charset="0"/>
-              <a:buChar char="•"/>
-            </a:pPr>
-            <a:r>
-              <a:rPr lang="en-US" dirty="0">
-                <a:solidFill>
-                  <a:srgbClr val="00517C"/>
-                </a:solidFill>
-                <a:latin typeface="Roboto Slab" panose="020B0604020202020204" charset="0"/>
-                <a:ea typeface="Roboto Slab" panose="020B0604020202020204" charset="0"/>
-              </a:rPr>
-              <a:t>(02) 433-8526</a:t>
-            </a:r>
-          </a:p>
-          <a:p>
-            <a:pPr algn="ctr"/>
-            <a:endParaRPr lang="en-US" dirty="0">
-              <a:solidFill>
-                <a:srgbClr val="00517C"/>
-              </a:solidFill>
-              <a:latin typeface="Roboto Slab" panose="020B0604020202020204" charset="0"/>
-              <a:ea typeface="Roboto Slab" panose="020B0604020202020204" charset="0"/>
-            </a:endParaRPr>
-          </a:p>
-          <a:p>
-            <a:pPr algn="ctr"/>
-            <a:r>
-              <a:rPr lang="en-US" dirty="0">
-                <a:solidFill>
-                  <a:srgbClr val="5D9039"/>
-                </a:solidFill>
-                <a:latin typeface="Roboto Slab" panose="020B0604020202020204" charset="0"/>
-                <a:ea typeface="Roboto Slab" panose="020B0604020202020204" charset="0"/>
-              </a:rPr>
-              <a:t>Bureau of Fire Protection (NCR)</a:t>
-            </a:r>
-          </a:p>
-          <a:p>
-            <a:pPr marL="285750" indent="-285750" algn="ctr">
-              <a:buFont typeface="Arial" panose="020B0604020202020204" pitchFamily="34" charset="0"/>
-              <a:buChar char="•"/>
-            </a:pPr>
-            <a:r>
-              <a:rPr lang="en-US" dirty="0">
-                <a:solidFill>
-                  <a:srgbClr val="00517C"/>
-                </a:solidFill>
-                <a:latin typeface="Roboto Slab" panose="020B0604020202020204" charset="0"/>
-                <a:ea typeface="Roboto Slab" panose="020B0604020202020204" charset="0"/>
-              </a:rPr>
-              <a:t>117</a:t>
-            </a:r>
-          </a:p>
-          <a:p>
-            <a:pPr marL="285750" indent="-285750" algn="ctr">
-              <a:buFont typeface="Arial" panose="020B0604020202020204" pitchFamily="34" charset="0"/>
-              <a:buChar char="•"/>
-            </a:pPr>
-            <a:r>
-              <a:rPr lang="en-US" dirty="0">
-                <a:solidFill>
-                  <a:srgbClr val="00517C"/>
-                </a:solidFill>
-                <a:latin typeface="Roboto Slab" panose="020B0604020202020204" charset="0"/>
-                <a:ea typeface="Roboto Slab" panose="020B0604020202020204" charset="0"/>
-              </a:rPr>
-              <a:t>(02) 729-5166</a:t>
-            </a:r>
-          </a:p>
-          <a:p>
-            <a:pPr marL="285750" indent="-285750" algn="ctr">
-              <a:buFont typeface="Arial" panose="020B0604020202020204" pitchFamily="34" charset="0"/>
-              <a:buChar char="•"/>
-            </a:pPr>
-            <a:r>
-              <a:rPr lang="en-US" dirty="0">
-                <a:solidFill>
-                  <a:srgbClr val="00517C"/>
-                </a:solidFill>
-                <a:latin typeface="Roboto Slab" panose="020B0604020202020204" charset="0"/>
-                <a:ea typeface="Roboto Slab" panose="020B0604020202020204" charset="0"/>
-              </a:rPr>
-              <a:t>(02) 410-6319 (Regional Director, Information Desk)</a:t>
-            </a:r>
-          </a:p>
-        </p:txBody>
-      </p:sp>
       <p:sp>
         <p:nvSpPr>
           <p:cNvPr id="31" name="TextBox 30">
@@ -9016,10 +9591,2101 @@
           </a:fontRef>
         </p:style>
       </p:cxnSp>
+      <p:grpSp>
+        <p:nvGrpSpPr>
+          <p:cNvPr id="11" name="Group 10"/>
+          <p:cNvGrpSpPr/>
+          <p:nvPr/>
+        </p:nvGrpSpPr>
+        <p:grpSpPr>
+          <a:xfrm>
+            <a:off x="99091" y="1306146"/>
+            <a:ext cx="2897643" cy="2391397"/>
+            <a:chOff x="558888" y="1040915"/>
+            <a:chExt cx="2897643" cy="2391397"/>
+          </a:xfrm>
+        </p:grpSpPr>
+        <p:sp>
+          <p:nvSpPr>
+            <p:cNvPr id="5" name="Rectangle 4"/>
+            <p:cNvSpPr/>
+            <p:nvPr/>
+          </p:nvSpPr>
+          <p:spPr>
+            <a:xfrm>
+              <a:off x="558888" y="1040915"/>
+              <a:ext cx="2897643" cy="2391397"/>
+            </a:xfrm>
+            <a:prstGeom prst="rect">
+              <a:avLst/>
+            </a:prstGeom>
+            <a:solidFill>
+              <a:schemeClr val="tx1"/>
+            </a:solidFill>
+            <a:ln w="12700">
+              <a:solidFill>
+                <a:schemeClr val="tx1">
+                  <a:lumMod val="85000"/>
+                </a:schemeClr>
+              </a:solidFill>
+            </a:ln>
+          </p:spPr>
+          <p:style>
+            <a:lnRef idx="2">
+              <a:schemeClr val="accent1">
+                <a:shade val="50000"/>
+              </a:schemeClr>
+            </a:lnRef>
+            <a:fillRef idx="1">
+              <a:schemeClr val="accent1"/>
+            </a:fillRef>
+            <a:effectRef idx="0">
+              <a:schemeClr val="accent1"/>
+            </a:effectRef>
+            <a:fontRef idx="minor">
+              <a:schemeClr val="lt1"/>
+            </a:fontRef>
+          </p:style>
+          <p:txBody>
+            <a:bodyPr rtlCol="0" anchor="ctr"/>
+            <a:lstStyle/>
+            <a:p>
+              <a:pPr algn="ctr"/>
+              <a:endParaRPr lang="en-PH" dirty="0"/>
+            </a:p>
+          </p:txBody>
+        </p:sp>
+        <p:sp>
+          <p:nvSpPr>
+            <p:cNvPr id="6" name="TextBox 5"/>
+            <p:cNvSpPr txBox="1"/>
+            <p:nvPr/>
+          </p:nvSpPr>
+          <p:spPr>
+            <a:xfrm>
+              <a:off x="623635" y="1100939"/>
+              <a:ext cx="2064483" cy="328302"/>
+            </a:xfrm>
+            <a:prstGeom prst="rect">
+              <a:avLst/>
+            </a:prstGeom>
+            <a:noFill/>
+          </p:spPr>
+          <p:txBody>
+            <a:bodyPr wrap="square" rtlCol="0">
+              <a:spAutoFit/>
+            </a:bodyPr>
+            <a:lstStyle/>
+            <a:p>
+              <a:r>
+                <a:rPr lang="en-PH" dirty="0">
+                  <a:solidFill>
+                    <a:schemeClr val="tx2">
+                      <a:lumMod val="10000"/>
+                    </a:schemeClr>
+                  </a:solidFill>
+                  <a:latin typeface="Roboto Slab" panose="020B0604020202020204" charset="0"/>
+                  <a:ea typeface="Roboto Slab" panose="020B0604020202020204" charset="0"/>
+                </a:rPr>
+                <a:t>NDRRMC</a:t>
+              </a:r>
+              <a:endParaRPr lang="en-PH" sz="1600" dirty="0">
+                <a:solidFill>
+                  <a:schemeClr val="tx2">
+                    <a:lumMod val="10000"/>
+                  </a:schemeClr>
+                </a:solidFill>
+                <a:latin typeface="Roboto Slab" panose="020B0604020202020204" charset="0"/>
+                <a:ea typeface="Roboto Slab" panose="020B0604020202020204" charset="0"/>
+              </a:endParaRPr>
+            </a:p>
+          </p:txBody>
+        </p:sp>
+        <p:sp>
+          <p:nvSpPr>
+            <p:cNvPr id="9" name="TextBox 8"/>
+            <p:cNvSpPr txBox="1"/>
+            <p:nvPr/>
+          </p:nvSpPr>
+          <p:spPr>
+            <a:xfrm>
+              <a:off x="631556" y="1399829"/>
+              <a:ext cx="2735765" cy="361132"/>
+            </a:xfrm>
+            <a:prstGeom prst="rect">
+              <a:avLst/>
+            </a:prstGeom>
+            <a:noFill/>
+          </p:spPr>
+          <p:txBody>
+            <a:bodyPr wrap="square" rtlCol="0">
+              <a:spAutoFit/>
+            </a:bodyPr>
+            <a:lstStyle/>
+            <a:p>
+              <a:r>
+                <a:rPr lang="en-PH" sz="800" dirty="0">
+                  <a:solidFill>
+                    <a:schemeClr val="tx1">
+                      <a:lumMod val="50000"/>
+                    </a:schemeClr>
+                  </a:solidFill>
+                  <a:latin typeface="Roboto Slab" panose="020B0604020202020204" charset="0"/>
+                  <a:ea typeface="Roboto Slab" panose="020B0604020202020204" charset="0"/>
+                </a:rPr>
+                <a:t>For damage assessment and consolidated reports on government action</a:t>
+              </a:r>
+            </a:p>
+          </p:txBody>
+        </p:sp>
+        <p:sp>
+          <p:nvSpPr>
+            <p:cNvPr id="12" name="TextBox 11"/>
+            <p:cNvSpPr txBox="1"/>
+            <p:nvPr/>
+          </p:nvSpPr>
+          <p:spPr>
+            <a:xfrm>
+              <a:off x="623635" y="1754242"/>
+              <a:ext cx="2646125" cy="1362452"/>
+            </a:xfrm>
+            <a:prstGeom prst="rect">
+              <a:avLst/>
+            </a:prstGeom>
+            <a:noFill/>
+          </p:spPr>
+          <p:txBody>
+            <a:bodyPr wrap="square" rtlCol="0">
+              <a:spAutoFit/>
+            </a:bodyPr>
+            <a:lstStyle/>
+            <a:p>
+              <a:r>
+                <a:rPr lang="en-PH" sz="900" dirty="0">
+                  <a:solidFill>
+                    <a:schemeClr val="tx1">
+                      <a:lumMod val="50000"/>
+                    </a:schemeClr>
+                  </a:solidFill>
+                  <a:latin typeface="Roboto Slab" panose="020B0604020202020204" charset="0"/>
+                  <a:ea typeface="Roboto Slab" panose="020B0604020202020204" charset="0"/>
+                </a:rPr>
+                <a:t>Hotlines: </a:t>
+              </a:r>
+            </a:p>
+            <a:p>
+              <a:pPr>
+                <a:lnSpc>
+                  <a:spcPct val="150000"/>
+                </a:lnSpc>
+              </a:pPr>
+              <a:r>
+                <a:rPr lang="en-PH" sz="900" b="1" dirty="0">
+                  <a:solidFill>
+                    <a:schemeClr val="tx1">
+                      <a:lumMod val="50000"/>
+                    </a:schemeClr>
+                  </a:solidFill>
+                  <a:latin typeface="Roboto Slab" panose="020B0604020202020204" charset="0"/>
+                  <a:ea typeface="Roboto Slab" panose="020B0604020202020204" charset="0"/>
+                </a:rPr>
+                <a:t>(02) 911-1406 </a:t>
+              </a:r>
+            </a:p>
+            <a:p>
+              <a:pPr>
+                <a:lnSpc>
+                  <a:spcPct val="150000"/>
+                </a:lnSpc>
+              </a:pPr>
+              <a:r>
+                <a:rPr lang="en-PH" sz="900" b="1" dirty="0">
+                  <a:solidFill>
+                    <a:schemeClr val="tx1">
+                      <a:lumMod val="50000"/>
+                    </a:schemeClr>
+                  </a:solidFill>
+                  <a:latin typeface="Roboto Slab" panose="020B0604020202020204" charset="0"/>
+                  <a:ea typeface="Roboto Slab" panose="020B0604020202020204" charset="0"/>
+                </a:rPr>
+                <a:t>(02) 912-2665    </a:t>
+              </a:r>
+            </a:p>
+            <a:p>
+              <a:pPr>
+                <a:lnSpc>
+                  <a:spcPct val="150000"/>
+                </a:lnSpc>
+              </a:pPr>
+              <a:r>
+                <a:rPr lang="en-PH" sz="900" b="1" dirty="0">
+                  <a:solidFill>
+                    <a:schemeClr val="tx1">
+                      <a:lumMod val="50000"/>
+                    </a:schemeClr>
+                  </a:solidFill>
+                  <a:latin typeface="Roboto Slab" panose="020B0604020202020204" charset="0"/>
+                  <a:ea typeface="Roboto Slab" panose="020B0604020202020204" charset="0"/>
+                </a:rPr>
+                <a:t>(02) 912-5668</a:t>
+              </a:r>
+            </a:p>
+            <a:p>
+              <a:pPr>
+                <a:lnSpc>
+                  <a:spcPct val="150000"/>
+                </a:lnSpc>
+              </a:pPr>
+              <a:r>
+                <a:rPr lang="en-PH" sz="900" b="1" dirty="0">
+                  <a:solidFill>
+                    <a:schemeClr val="tx1">
+                      <a:lumMod val="50000"/>
+                    </a:schemeClr>
+                  </a:solidFill>
+                  <a:latin typeface="Roboto Slab" panose="020B0604020202020204" charset="0"/>
+                  <a:ea typeface="Roboto Slab" panose="020B0604020202020204" charset="0"/>
+                </a:rPr>
+                <a:t>(02) 911-5061 to 64</a:t>
+              </a:r>
+            </a:p>
+            <a:p>
+              <a:r>
+                <a:rPr lang="en-PH" b="1" dirty="0"/>
+                <a:t> </a:t>
+              </a:r>
+              <a:endParaRPr lang="en-PH" sz="900" b="1" dirty="0">
+                <a:solidFill>
+                  <a:schemeClr val="tx1">
+                    <a:lumMod val="50000"/>
+                  </a:schemeClr>
+                </a:solidFill>
+                <a:latin typeface="Roboto Slab" panose="020B0604020202020204" charset="0"/>
+                <a:ea typeface="Roboto Slab" panose="020B0604020202020204" charset="0"/>
+              </a:endParaRPr>
+            </a:p>
+          </p:txBody>
+        </p:sp>
+        <p:sp>
+          <p:nvSpPr>
+            <p:cNvPr id="18" name="Rectangle 17"/>
+            <p:cNvSpPr/>
+            <p:nvPr/>
+          </p:nvSpPr>
+          <p:spPr>
+            <a:xfrm>
+              <a:off x="2967633" y="1100939"/>
+              <a:ext cx="399688" cy="337857"/>
+            </a:xfrm>
+            <a:prstGeom prst="rect">
+              <a:avLst/>
+            </a:prstGeom>
+            <a:blipFill>
+              <a:blip r:embed="rId8"/>
+              <a:stretch>
+                <a:fillRect/>
+              </a:stretch>
+            </a:blipFill>
+            <a:ln>
+              <a:noFill/>
+            </a:ln>
+          </p:spPr>
+          <p:style>
+            <a:lnRef idx="2">
+              <a:schemeClr val="accent1">
+                <a:shade val="50000"/>
+              </a:schemeClr>
+            </a:lnRef>
+            <a:fillRef idx="1">
+              <a:schemeClr val="accent1"/>
+            </a:fillRef>
+            <a:effectRef idx="0">
+              <a:schemeClr val="accent1"/>
+            </a:effectRef>
+            <a:fontRef idx="minor">
+              <a:schemeClr val="lt1"/>
+            </a:fontRef>
+          </p:style>
+          <p:txBody>
+            <a:bodyPr rtlCol="0" anchor="ctr"/>
+            <a:lstStyle/>
+            <a:p>
+              <a:pPr algn="ctr"/>
+              <a:endParaRPr lang="en-PH" dirty="0"/>
+            </a:p>
+          </p:txBody>
+        </p:sp>
+        <p:sp>
+          <p:nvSpPr>
+            <p:cNvPr id="105" name="Rounded Rectangle 104"/>
+            <p:cNvSpPr/>
+            <p:nvPr/>
+          </p:nvSpPr>
+          <p:spPr>
+            <a:xfrm>
+              <a:off x="1037256" y="2980085"/>
+              <a:ext cx="273835" cy="246821"/>
+            </a:xfrm>
+            <a:prstGeom prst="roundRect">
+              <a:avLst>
+                <a:gd name="adj" fmla="val 0"/>
+              </a:avLst>
+            </a:prstGeom>
+            <a:blipFill>
+              <a:blip r:embed="rId9"/>
+              <a:stretch>
+                <a:fillRect/>
+              </a:stretch>
+            </a:blipFill>
+            <a:ln>
+              <a:noFill/>
+            </a:ln>
+          </p:spPr>
+          <p:style>
+            <a:lnRef idx="2">
+              <a:schemeClr val="accent1">
+                <a:shade val="50000"/>
+              </a:schemeClr>
+            </a:lnRef>
+            <a:fillRef idx="1">
+              <a:schemeClr val="accent1"/>
+            </a:fillRef>
+            <a:effectRef idx="0">
+              <a:schemeClr val="accent1"/>
+            </a:effectRef>
+            <a:fontRef idx="minor">
+              <a:schemeClr val="lt1"/>
+            </a:fontRef>
+          </p:style>
+          <p:txBody>
+            <a:bodyPr rtlCol="0" anchor="ctr"/>
+            <a:lstStyle/>
+            <a:p>
+              <a:pPr algn="ctr"/>
+              <a:endParaRPr lang="en-PH" dirty="0"/>
+            </a:p>
+          </p:txBody>
+        </p:sp>
+        <p:sp>
+          <p:nvSpPr>
+            <p:cNvPr id="106" name="Rounded Rectangle 105"/>
+            <p:cNvSpPr/>
+            <p:nvPr/>
+          </p:nvSpPr>
+          <p:spPr>
+            <a:xfrm>
+              <a:off x="1365445" y="2980085"/>
+              <a:ext cx="273835" cy="246821"/>
+            </a:xfrm>
+            <a:prstGeom prst="roundRect">
+              <a:avLst>
+                <a:gd name="adj" fmla="val 0"/>
+              </a:avLst>
+            </a:prstGeom>
+            <a:blipFill>
+              <a:blip r:embed="rId10"/>
+              <a:stretch>
+                <a:fillRect/>
+              </a:stretch>
+            </a:blipFill>
+            <a:ln>
+              <a:noFill/>
+            </a:ln>
+          </p:spPr>
+          <p:style>
+            <a:lnRef idx="2">
+              <a:schemeClr val="accent1">
+                <a:shade val="50000"/>
+              </a:schemeClr>
+            </a:lnRef>
+            <a:fillRef idx="1">
+              <a:schemeClr val="accent1"/>
+            </a:fillRef>
+            <a:effectRef idx="0">
+              <a:schemeClr val="accent1"/>
+            </a:effectRef>
+            <a:fontRef idx="minor">
+              <a:schemeClr val="lt1"/>
+            </a:fontRef>
+          </p:style>
+          <p:txBody>
+            <a:bodyPr rtlCol="0" anchor="ctr"/>
+            <a:lstStyle/>
+            <a:p>
+              <a:pPr algn="ctr"/>
+              <a:endParaRPr lang="en-PH" dirty="0"/>
+            </a:p>
+          </p:txBody>
+        </p:sp>
+        <p:sp>
+          <p:nvSpPr>
+            <p:cNvPr id="27" name="Rounded Rectangle 9"/>
+            <p:cNvSpPr/>
+            <p:nvPr/>
+          </p:nvSpPr>
+          <p:spPr>
+            <a:xfrm>
+              <a:off x="709067" y="2977373"/>
+              <a:ext cx="273835" cy="246821"/>
+            </a:xfrm>
+            <a:prstGeom prst="roundRect">
+              <a:avLst>
+                <a:gd name="adj" fmla="val 0"/>
+              </a:avLst>
+            </a:prstGeom>
+            <a:blipFill>
+              <a:blip r:embed="rId11"/>
+              <a:stretch>
+                <a:fillRect/>
+              </a:stretch>
+            </a:blipFill>
+            <a:ln>
+              <a:noFill/>
+            </a:ln>
+          </p:spPr>
+          <p:style>
+            <a:lnRef idx="2">
+              <a:schemeClr val="accent1">
+                <a:shade val="50000"/>
+              </a:schemeClr>
+            </a:lnRef>
+            <a:fillRef idx="1">
+              <a:schemeClr val="accent1"/>
+            </a:fillRef>
+            <a:effectRef idx="0">
+              <a:schemeClr val="accent1"/>
+            </a:effectRef>
+            <a:fontRef idx="minor">
+              <a:schemeClr val="lt1"/>
+            </a:fontRef>
+          </p:style>
+          <p:txBody>
+            <a:bodyPr rtlCol="0" anchor="ctr"/>
+            <a:lstStyle/>
+            <a:p>
+              <a:pPr algn="ctr"/>
+              <a:endParaRPr lang="en-PH" dirty="0"/>
+            </a:p>
+          </p:txBody>
+        </p:sp>
+        <p:cxnSp>
+          <p:nvCxnSpPr>
+            <p:cNvPr id="3" name="Straight Connector 2"/>
+            <p:cNvCxnSpPr/>
+            <p:nvPr/>
+          </p:nvCxnSpPr>
+          <p:spPr>
+            <a:xfrm>
+              <a:off x="689189" y="1754242"/>
+              <a:ext cx="2580571" cy="0"/>
+            </a:xfrm>
+            <a:prstGeom prst="line">
+              <a:avLst/>
+            </a:prstGeom>
+          </p:spPr>
+          <p:style>
+            <a:lnRef idx="1">
+              <a:schemeClr val="accent1"/>
+            </a:lnRef>
+            <a:fillRef idx="0">
+              <a:schemeClr val="accent1"/>
+            </a:fillRef>
+            <a:effectRef idx="0">
+              <a:schemeClr val="accent1"/>
+            </a:effectRef>
+            <a:fontRef idx="minor">
+              <a:schemeClr val="tx1"/>
+            </a:fontRef>
+          </p:style>
+        </p:cxnSp>
+        <p:sp>
+          <p:nvSpPr>
+            <p:cNvPr id="29" name="TextBox 28"/>
+            <p:cNvSpPr txBox="1"/>
+            <p:nvPr/>
+          </p:nvSpPr>
+          <p:spPr>
+            <a:xfrm>
+              <a:off x="631556" y="2755553"/>
+              <a:ext cx="2646125" cy="446276"/>
+            </a:xfrm>
+            <a:prstGeom prst="rect">
+              <a:avLst/>
+            </a:prstGeom>
+            <a:noFill/>
+          </p:spPr>
+          <p:txBody>
+            <a:bodyPr wrap="square" rtlCol="0">
+              <a:spAutoFit/>
+            </a:bodyPr>
+            <a:lstStyle/>
+            <a:p>
+              <a:r>
+                <a:rPr lang="en-PH" sz="900" dirty="0">
+                  <a:solidFill>
+                    <a:schemeClr val="tx1">
+                      <a:lumMod val="50000"/>
+                    </a:schemeClr>
+                  </a:solidFill>
+                  <a:latin typeface="Roboto Slab" panose="020B0604020202020204" charset="0"/>
+                  <a:ea typeface="Roboto Slab" panose="020B0604020202020204" charset="0"/>
+                </a:rPr>
+                <a:t>Social Media:</a:t>
+              </a:r>
+              <a:endParaRPr lang="en-PH" sz="900" b="1" dirty="0">
+                <a:solidFill>
+                  <a:schemeClr val="tx1">
+                    <a:lumMod val="50000"/>
+                  </a:schemeClr>
+                </a:solidFill>
+                <a:latin typeface="Roboto Slab" panose="020B0604020202020204" charset="0"/>
+                <a:ea typeface="Roboto Slab" panose="020B0604020202020204" charset="0"/>
+              </a:endParaRPr>
+            </a:p>
+            <a:p>
+              <a:r>
+                <a:rPr lang="en-PH" b="1" dirty="0"/>
+                <a:t> </a:t>
+              </a:r>
+              <a:endParaRPr lang="en-PH" sz="900" b="1" dirty="0">
+                <a:solidFill>
+                  <a:schemeClr val="tx1">
+                    <a:lumMod val="50000"/>
+                  </a:schemeClr>
+                </a:solidFill>
+                <a:latin typeface="Roboto Slab" panose="020B0604020202020204" charset="0"/>
+                <a:ea typeface="Roboto Slab" panose="020B0604020202020204" charset="0"/>
+              </a:endParaRPr>
+            </a:p>
+          </p:txBody>
+        </p:sp>
+        <p:pic>
+          <p:nvPicPr>
+            <p:cNvPr id="8" name="Picture 7"/>
+            <p:cNvPicPr>
+              <a:picLocks noChangeAspect="1"/>
+            </p:cNvPicPr>
+            <p:nvPr/>
+          </p:nvPicPr>
+          <p:blipFill>
+            <a:blip r:embed="rId12">
+              <a:duotone>
+                <a:schemeClr val="accent4">
+                  <a:shade val="45000"/>
+                  <a:satMod val="135000"/>
+                </a:schemeClr>
+                <a:prstClr val="white"/>
+              </a:duotone>
+            </a:blip>
+            <a:stretch>
+              <a:fillRect/>
+            </a:stretch>
+          </p:blipFill>
+          <p:spPr>
+            <a:xfrm>
+              <a:off x="3120205" y="1988462"/>
+              <a:ext cx="161330" cy="161330"/>
+            </a:xfrm>
+            <a:prstGeom prst="rect">
+              <a:avLst/>
+            </a:prstGeom>
+          </p:spPr>
+        </p:pic>
+        <p:pic>
+          <p:nvPicPr>
+            <p:cNvPr id="30" name="Picture 29"/>
+            <p:cNvPicPr>
+              <a:picLocks noChangeAspect="1"/>
+            </p:cNvPicPr>
+            <p:nvPr/>
+          </p:nvPicPr>
+          <p:blipFill>
+            <a:blip r:embed="rId12">
+              <a:duotone>
+                <a:schemeClr val="accent4">
+                  <a:shade val="45000"/>
+                  <a:satMod val="135000"/>
+                </a:schemeClr>
+                <a:prstClr val="white"/>
+              </a:duotone>
+            </a:blip>
+            <a:stretch>
+              <a:fillRect/>
+            </a:stretch>
+          </p:blipFill>
+          <p:spPr>
+            <a:xfrm>
+              <a:off x="3116351" y="2183757"/>
+              <a:ext cx="161330" cy="161330"/>
+            </a:xfrm>
+            <a:prstGeom prst="rect">
+              <a:avLst/>
+            </a:prstGeom>
+          </p:spPr>
+        </p:pic>
+        <p:pic>
+          <p:nvPicPr>
+            <p:cNvPr id="36" name="Picture 35"/>
+            <p:cNvPicPr>
+              <a:picLocks noChangeAspect="1"/>
+            </p:cNvPicPr>
+            <p:nvPr/>
+          </p:nvPicPr>
+          <p:blipFill>
+            <a:blip r:embed="rId12">
+              <a:duotone>
+                <a:schemeClr val="accent4">
+                  <a:shade val="45000"/>
+                  <a:satMod val="135000"/>
+                </a:schemeClr>
+                <a:prstClr val="white"/>
+              </a:duotone>
+            </a:blip>
+            <a:stretch>
+              <a:fillRect/>
+            </a:stretch>
+          </p:blipFill>
+          <p:spPr>
+            <a:xfrm>
+              <a:off x="3112243" y="2373262"/>
+              <a:ext cx="161330" cy="161330"/>
+            </a:xfrm>
+            <a:prstGeom prst="rect">
+              <a:avLst/>
+            </a:prstGeom>
+          </p:spPr>
+        </p:pic>
+        <p:pic>
+          <p:nvPicPr>
+            <p:cNvPr id="37" name="Picture 36"/>
+            <p:cNvPicPr>
+              <a:picLocks noChangeAspect="1"/>
+            </p:cNvPicPr>
+            <p:nvPr/>
+          </p:nvPicPr>
+          <p:blipFill>
+            <a:blip r:embed="rId12">
+              <a:duotone>
+                <a:schemeClr val="accent4">
+                  <a:shade val="45000"/>
+                  <a:satMod val="135000"/>
+                </a:schemeClr>
+                <a:prstClr val="white"/>
+              </a:duotone>
+            </a:blip>
+            <a:stretch>
+              <a:fillRect/>
+            </a:stretch>
+          </p:blipFill>
+          <p:spPr>
+            <a:xfrm>
+              <a:off x="3116351" y="2575979"/>
+              <a:ext cx="161330" cy="161330"/>
+            </a:xfrm>
+            <a:prstGeom prst="rect">
+              <a:avLst/>
+            </a:prstGeom>
+          </p:spPr>
+        </p:pic>
+      </p:grpSp>
+      <p:grpSp>
+        <p:nvGrpSpPr>
+          <p:cNvPr id="38" name="Group 37"/>
+          <p:cNvGrpSpPr/>
+          <p:nvPr/>
+        </p:nvGrpSpPr>
+        <p:grpSpPr>
+          <a:xfrm>
+            <a:off x="3122247" y="1306146"/>
+            <a:ext cx="2897643" cy="2391397"/>
+            <a:chOff x="558888" y="1040915"/>
+            <a:chExt cx="2897643" cy="2391397"/>
+          </a:xfrm>
+        </p:grpSpPr>
+        <p:sp>
+          <p:nvSpPr>
+            <p:cNvPr id="39" name="Rectangle 38"/>
+            <p:cNvSpPr/>
+            <p:nvPr/>
+          </p:nvSpPr>
+          <p:spPr>
+            <a:xfrm>
+              <a:off x="558888" y="1040915"/>
+              <a:ext cx="2897643" cy="2391397"/>
+            </a:xfrm>
+            <a:prstGeom prst="rect">
+              <a:avLst/>
+            </a:prstGeom>
+            <a:solidFill>
+              <a:schemeClr val="tx1"/>
+            </a:solidFill>
+            <a:ln w="12700">
+              <a:solidFill>
+                <a:schemeClr val="tx1">
+                  <a:lumMod val="85000"/>
+                </a:schemeClr>
+              </a:solidFill>
+            </a:ln>
+          </p:spPr>
+          <p:style>
+            <a:lnRef idx="2">
+              <a:schemeClr val="accent1">
+                <a:shade val="50000"/>
+              </a:schemeClr>
+            </a:lnRef>
+            <a:fillRef idx="1">
+              <a:schemeClr val="accent1"/>
+            </a:fillRef>
+            <a:effectRef idx="0">
+              <a:schemeClr val="accent1"/>
+            </a:effectRef>
+            <a:fontRef idx="minor">
+              <a:schemeClr val="lt1"/>
+            </a:fontRef>
+          </p:style>
+          <p:txBody>
+            <a:bodyPr rtlCol="0" anchor="ctr"/>
+            <a:lstStyle/>
+            <a:p>
+              <a:pPr algn="ctr"/>
+              <a:endParaRPr lang="en-PH" dirty="0"/>
+            </a:p>
+          </p:txBody>
+        </p:sp>
+        <p:sp>
+          <p:nvSpPr>
+            <p:cNvPr id="40" name="TextBox 39"/>
+            <p:cNvSpPr txBox="1"/>
+            <p:nvPr/>
+          </p:nvSpPr>
+          <p:spPr>
+            <a:xfrm>
+              <a:off x="623635" y="1100939"/>
+              <a:ext cx="2064483" cy="328302"/>
+            </a:xfrm>
+            <a:prstGeom prst="rect">
+              <a:avLst/>
+            </a:prstGeom>
+            <a:noFill/>
+          </p:spPr>
+          <p:txBody>
+            <a:bodyPr wrap="square" rtlCol="0">
+              <a:spAutoFit/>
+            </a:bodyPr>
+            <a:lstStyle/>
+            <a:p>
+              <a:r>
+                <a:rPr lang="en-PH" dirty="0">
+                  <a:solidFill>
+                    <a:schemeClr val="tx2">
+                      <a:lumMod val="10000"/>
+                    </a:schemeClr>
+                  </a:solidFill>
+                  <a:latin typeface="Roboto Slab" panose="020B0604020202020204" charset="0"/>
+                  <a:ea typeface="Roboto Slab" panose="020B0604020202020204" charset="0"/>
+                </a:rPr>
+                <a:t>NDRRMC</a:t>
+              </a:r>
+              <a:endParaRPr lang="en-PH" sz="1600" dirty="0">
+                <a:solidFill>
+                  <a:schemeClr val="tx2">
+                    <a:lumMod val="10000"/>
+                  </a:schemeClr>
+                </a:solidFill>
+                <a:latin typeface="Roboto Slab" panose="020B0604020202020204" charset="0"/>
+                <a:ea typeface="Roboto Slab" panose="020B0604020202020204" charset="0"/>
+              </a:endParaRPr>
+            </a:p>
+          </p:txBody>
+        </p:sp>
+        <p:sp>
+          <p:nvSpPr>
+            <p:cNvPr id="41" name="TextBox 40"/>
+            <p:cNvSpPr txBox="1"/>
+            <p:nvPr/>
+          </p:nvSpPr>
+          <p:spPr>
+            <a:xfrm>
+              <a:off x="631556" y="1399829"/>
+              <a:ext cx="2735765" cy="361132"/>
+            </a:xfrm>
+            <a:prstGeom prst="rect">
+              <a:avLst/>
+            </a:prstGeom>
+            <a:noFill/>
+          </p:spPr>
+          <p:txBody>
+            <a:bodyPr wrap="square" rtlCol="0">
+              <a:spAutoFit/>
+            </a:bodyPr>
+            <a:lstStyle/>
+            <a:p>
+              <a:r>
+                <a:rPr lang="en-PH" sz="800" dirty="0">
+                  <a:solidFill>
+                    <a:schemeClr val="tx1">
+                      <a:lumMod val="50000"/>
+                    </a:schemeClr>
+                  </a:solidFill>
+                  <a:latin typeface="Roboto Slab" panose="020B0604020202020204" charset="0"/>
+                  <a:ea typeface="Roboto Slab" panose="020B0604020202020204" charset="0"/>
+                </a:rPr>
+                <a:t>For damage assessment and consolidated reports on government action</a:t>
+              </a:r>
+            </a:p>
+          </p:txBody>
+        </p:sp>
+        <p:sp>
+          <p:nvSpPr>
+            <p:cNvPr id="42" name="TextBox 41"/>
+            <p:cNvSpPr txBox="1"/>
+            <p:nvPr/>
+          </p:nvSpPr>
+          <p:spPr>
+            <a:xfrm>
+              <a:off x="623635" y="1754242"/>
+              <a:ext cx="2646125" cy="1362452"/>
+            </a:xfrm>
+            <a:prstGeom prst="rect">
+              <a:avLst/>
+            </a:prstGeom>
+            <a:noFill/>
+          </p:spPr>
+          <p:txBody>
+            <a:bodyPr wrap="square" rtlCol="0">
+              <a:spAutoFit/>
+            </a:bodyPr>
+            <a:lstStyle/>
+            <a:p>
+              <a:r>
+                <a:rPr lang="en-PH" sz="900" dirty="0">
+                  <a:solidFill>
+                    <a:schemeClr val="tx1">
+                      <a:lumMod val="50000"/>
+                    </a:schemeClr>
+                  </a:solidFill>
+                  <a:latin typeface="Roboto Slab" panose="020B0604020202020204" charset="0"/>
+                  <a:ea typeface="Roboto Slab" panose="020B0604020202020204" charset="0"/>
+                </a:rPr>
+                <a:t>Hotlines: </a:t>
+              </a:r>
+            </a:p>
+            <a:p>
+              <a:pPr>
+                <a:lnSpc>
+                  <a:spcPct val="150000"/>
+                </a:lnSpc>
+              </a:pPr>
+              <a:r>
+                <a:rPr lang="en-PH" sz="900" b="1" dirty="0">
+                  <a:solidFill>
+                    <a:schemeClr val="tx1">
+                      <a:lumMod val="50000"/>
+                    </a:schemeClr>
+                  </a:solidFill>
+                  <a:latin typeface="Roboto Slab" panose="020B0604020202020204" charset="0"/>
+                  <a:ea typeface="Roboto Slab" panose="020B0604020202020204" charset="0"/>
+                </a:rPr>
+                <a:t>(02) 911-1406 </a:t>
+              </a:r>
+            </a:p>
+            <a:p>
+              <a:pPr>
+                <a:lnSpc>
+                  <a:spcPct val="150000"/>
+                </a:lnSpc>
+              </a:pPr>
+              <a:r>
+                <a:rPr lang="en-PH" sz="900" b="1" dirty="0">
+                  <a:solidFill>
+                    <a:schemeClr val="tx1">
+                      <a:lumMod val="50000"/>
+                    </a:schemeClr>
+                  </a:solidFill>
+                  <a:latin typeface="Roboto Slab" panose="020B0604020202020204" charset="0"/>
+                  <a:ea typeface="Roboto Slab" panose="020B0604020202020204" charset="0"/>
+                </a:rPr>
+                <a:t>(02) 912-2665    </a:t>
+              </a:r>
+            </a:p>
+            <a:p>
+              <a:pPr>
+                <a:lnSpc>
+                  <a:spcPct val="150000"/>
+                </a:lnSpc>
+              </a:pPr>
+              <a:r>
+                <a:rPr lang="en-PH" sz="900" b="1" dirty="0">
+                  <a:solidFill>
+                    <a:schemeClr val="tx1">
+                      <a:lumMod val="50000"/>
+                    </a:schemeClr>
+                  </a:solidFill>
+                  <a:latin typeface="Roboto Slab" panose="020B0604020202020204" charset="0"/>
+                  <a:ea typeface="Roboto Slab" panose="020B0604020202020204" charset="0"/>
+                </a:rPr>
+                <a:t>(02) 912-5668</a:t>
+              </a:r>
+            </a:p>
+            <a:p>
+              <a:pPr>
+                <a:lnSpc>
+                  <a:spcPct val="150000"/>
+                </a:lnSpc>
+              </a:pPr>
+              <a:r>
+                <a:rPr lang="en-PH" sz="900" b="1" dirty="0">
+                  <a:solidFill>
+                    <a:schemeClr val="tx1">
+                      <a:lumMod val="50000"/>
+                    </a:schemeClr>
+                  </a:solidFill>
+                  <a:latin typeface="Roboto Slab" panose="020B0604020202020204" charset="0"/>
+                  <a:ea typeface="Roboto Slab" panose="020B0604020202020204" charset="0"/>
+                </a:rPr>
+                <a:t>(02) 911-5061 to 64</a:t>
+              </a:r>
+            </a:p>
+            <a:p>
+              <a:r>
+                <a:rPr lang="en-PH" b="1" dirty="0"/>
+                <a:t> </a:t>
+              </a:r>
+              <a:endParaRPr lang="en-PH" sz="900" b="1" dirty="0">
+                <a:solidFill>
+                  <a:schemeClr val="tx1">
+                    <a:lumMod val="50000"/>
+                  </a:schemeClr>
+                </a:solidFill>
+                <a:latin typeface="Roboto Slab" panose="020B0604020202020204" charset="0"/>
+                <a:ea typeface="Roboto Slab" panose="020B0604020202020204" charset="0"/>
+              </a:endParaRPr>
+            </a:p>
+          </p:txBody>
+        </p:sp>
+        <p:sp>
+          <p:nvSpPr>
+            <p:cNvPr id="43" name="Rectangle 42"/>
+            <p:cNvSpPr/>
+            <p:nvPr/>
+          </p:nvSpPr>
+          <p:spPr>
+            <a:xfrm>
+              <a:off x="2967633" y="1100939"/>
+              <a:ext cx="399688" cy="337857"/>
+            </a:xfrm>
+            <a:prstGeom prst="rect">
+              <a:avLst/>
+            </a:prstGeom>
+            <a:blipFill>
+              <a:blip r:embed="rId8"/>
+              <a:stretch>
+                <a:fillRect/>
+              </a:stretch>
+            </a:blipFill>
+            <a:ln>
+              <a:noFill/>
+            </a:ln>
+          </p:spPr>
+          <p:style>
+            <a:lnRef idx="2">
+              <a:schemeClr val="accent1">
+                <a:shade val="50000"/>
+              </a:schemeClr>
+            </a:lnRef>
+            <a:fillRef idx="1">
+              <a:schemeClr val="accent1"/>
+            </a:fillRef>
+            <a:effectRef idx="0">
+              <a:schemeClr val="accent1"/>
+            </a:effectRef>
+            <a:fontRef idx="minor">
+              <a:schemeClr val="lt1"/>
+            </a:fontRef>
+          </p:style>
+          <p:txBody>
+            <a:bodyPr rtlCol="0" anchor="ctr"/>
+            <a:lstStyle/>
+            <a:p>
+              <a:pPr algn="ctr"/>
+              <a:endParaRPr lang="en-PH" dirty="0"/>
+            </a:p>
+          </p:txBody>
+        </p:sp>
+        <p:sp>
+          <p:nvSpPr>
+            <p:cNvPr id="44" name="Rounded Rectangle 104"/>
+            <p:cNvSpPr/>
+            <p:nvPr/>
+          </p:nvSpPr>
+          <p:spPr>
+            <a:xfrm>
+              <a:off x="1037256" y="2980085"/>
+              <a:ext cx="273835" cy="246821"/>
+            </a:xfrm>
+            <a:prstGeom prst="roundRect">
+              <a:avLst>
+                <a:gd name="adj" fmla="val 0"/>
+              </a:avLst>
+            </a:prstGeom>
+            <a:blipFill>
+              <a:blip r:embed="rId9"/>
+              <a:stretch>
+                <a:fillRect/>
+              </a:stretch>
+            </a:blipFill>
+            <a:ln>
+              <a:noFill/>
+            </a:ln>
+          </p:spPr>
+          <p:style>
+            <a:lnRef idx="2">
+              <a:schemeClr val="accent1">
+                <a:shade val="50000"/>
+              </a:schemeClr>
+            </a:lnRef>
+            <a:fillRef idx="1">
+              <a:schemeClr val="accent1"/>
+            </a:fillRef>
+            <a:effectRef idx="0">
+              <a:schemeClr val="accent1"/>
+            </a:effectRef>
+            <a:fontRef idx="minor">
+              <a:schemeClr val="lt1"/>
+            </a:fontRef>
+          </p:style>
+          <p:txBody>
+            <a:bodyPr rtlCol="0" anchor="ctr"/>
+            <a:lstStyle/>
+            <a:p>
+              <a:pPr algn="ctr"/>
+              <a:endParaRPr lang="en-PH" dirty="0"/>
+            </a:p>
+          </p:txBody>
+        </p:sp>
+        <p:sp>
+          <p:nvSpPr>
+            <p:cNvPr id="45" name="Rounded Rectangle 105"/>
+            <p:cNvSpPr/>
+            <p:nvPr/>
+          </p:nvSpPr>
+          <p:spPr>
+            <a:xfrm>
+              <a:off x="1365445" y="2980085"/>
+              <a:ext cx="273835" cy="246821"/>
+            </a:xfrm>
+            <a:prstGeom prst="roundRect">
+              <a:avLst>
+                <a:gd name="adj" fmla="val 0"/>
+              </a:avLst>
+            </a:prstGeom>
+            <a:blipFill>
+              <a:blip r:embed="rId10"/>
+              <a:stretch>
+                <a:fillRect/>
+              </a:stretch>
+            </a:blipFill>
+            <a:ln>
+              <a:noFill/>
+            </a:ln>
+          </p:spPr>
+          <p:style>
+            <a:lnRef idx="2">
+              <a:schemeClr val="accent1">
+                <a:shade val="50000"/>
+              </a:schemeClr>
+            </a:lnRef>
+            <a:fillRef idx="1">
+              <a:schemeClr val="accent1"/>
+            </a:fillRef>
+            <a:effectRef idx="0">
+              <a:schemeClr val="accent1"/>
+            </a:effectRef>
+            <a:fontRef idx="minor">
+              <a:schemeClr val="lt1"/>
+            </a:fontRef>
+          </p:style>
+          <p:txBody>
+            <a:bodyPr rtlCol="0" anchor="ctr"/>
+            <a:lstStyle/>
+            <a:p>
+              <a:pPr algn="ctr"/>
+              <a:endParaRPr lang="en-PH" dirty="0"/>
+            </a:p>
+          </p:txBody>
+        </p:sp>
+        <p:sp>
+          <p:nvSpPr>
+            <p:cNvPr id="46" name="Rounded Rectangle 9"/>
+            <p:cNvSpPr/>
+            <p:nvPr/>
+          </p:nvSpPr>
+          <p:spPr>
+            <a:xfrm>
+              <a:off x="709067" y="2977373"/>
+              <a:ext cx="273835" cy="246821"/>
+            </a:xfrm>
+            <a:prstGeom prst="roundRect">
+              <a:avLst>
+                <a:gd name="adj" fmla="val 0"/>
+              </a:avLst>
+            </a:prstGeom>
+            <a:blipFill>
+              <a:blip r:embed="rId11"/>
+              <a:stretch>
+                <a:fillRect/>
+              </a:stretch>
+            </a:blipFill>
+            <a:ln>
+              <a:noFill/>
+            </a:ln>
+          </p:spPr>
+          <p:style>
+            <a:lnRef idx="2">
+              <a:schemeClr val="accent1">
+                <a:shade val="50000"/>
+              </a:schemeClr>
+            </a:lnRef>
+            <a:fillRef idx="1">
+              <a:schemeClr val="accent1"/>
+            </a:fillRef>
+            <a:effectRef idx="0">
+              <a:schemeClr val="accent1"/>
+            </a:effectRef>
+            <a:fontRef idx="minor">
+              <a:schemeClr val="lt1"/>
+            </a:fontRef>
+          </p:style>
+          <p:txBody>
+            <a:bodyPr rtlCol="0" anchor="ctr"/>
+            <a:lstStyle/>
+            <a:p>
+              <a:pPr algn="ctr"/>
+              <a:endParaRPr lang="en-PH" dirty="0"/>
+            </a:p>
+          </p:txBody>
+        </p:sp>
+        <p:cxnSp>
+          <p:nvCxnSpPr>
+            <p:cNvPr id="47" name="Straight Connector 46"/>
+            <p:cNvCxnSpPr/>
+            <p:nvPr/>
+          </p:nvCxnSpPr>
+          <p:spPr>
+            <a:xfrm>
+              <a:off x="689189" y="1754242"/>
+              <a:ext cx="2580571" cy="0"/>
+            </a:xfrm>
+            <a:prstGeom prst="line">
+              <a:avLst/>
+            </a:prstGeom>
+          </p:spPr>
+          <p:style>
+            <a:lnRef idx="1">
+              <a:schemeClr val="accent1"/>
+            </a:lnRef>
+            <a:fillRef idx="0">
+              <a:schemeClr val="accent1"/>
+            </a:fillRef>
+            <a:effectRef idx="0">
+              <a:schemeClr val="accent1"/>
+            </a:effectRef>
+            <a:fontRef idx="minor">
+              <a:schemeClr val="tx1"/>
+            </a:fontRef>
+          </p:style>
+        </p:cxnSp>
+        <p:sp>
+          <p:nvSpPr>
+            <p:cNvPr id="48" name="TextBox 47"/>
+            <p:cNvSpPr txBox="1"/>
+            <p:nvPr/>
+          </p:nvSpPr>
+          <p:spPr>
+            <a:xfrm>
+              <a:off x="631556" y="2755553"/>
+              <a:ext cx="2646125" cy="446276"/>
+            </a:xfrm>
+            <a:prstGeom prst="rect">
+              <a:avLst/>
+            </a:prstGeom>
+            <a:noFill/>
+          </p:spPr>
+          <p:txBody>
+            <a:bodyPr wrap="square" rtlCol="0">
+              <a:spAutoFit/>
+            </a:bodyPr>
+            <a:lstStyle/>
+            <a:p>
+              <a:r>
+                <a:rPr lang="en-PH" sz="900" dirty="0">
+                  <a:solidFill>
+                    <a:schemeClr val="tx1">
+                      <a:lumMod val="50000"/>
+                    </a:schemeClr>
+                  </a:solidFill>
+                  <a:latin typeface="Roboto Slab" panose="020B0604020202020204" charset="0"/>
+                  <a:ea typeface="Roboto Slab" panose="020B0604020202020204" charset="0"/>
+                </a:rPr>
+                <a:t>Social Media:</a:t>
+              </a:r>
+              <a:endParaRPr lang="en-PH" sz="900" b="1" dirty="0">
+                <a:solidFill>
+                  <a:schemeClr val="tx1">
+                    <a:lumMod val="50000"/>
+                  </a:schemeClr>
+                </a:solidFill>
+                <a:latin typeface="Roboto Slab" panose="020B0604020202020204" charset="0"/>
+                <a:ea typeface="Roboto Slab" panose="020B0604020202020204" charset="0"/>
+              </a:endParaRPr>
+            </a:p>
+            <a:p>
+              <a:r>
+                <a:rPr lang="en-PH" b="1" dirty="0"/>
+                <a:t> </a:t>
+              </a:r>
+              <a:endParaRPr lang="en-PH" sz="900" b="1" dirty="0">
+                <a:solidFill>
+                  <a:schemeClr val="tx1">
+                    <a:lumMod val="50000"/>
+                  </a:schemeClr>
+                </a:solidFill>
+                <a:latin typeface="Roboto Slab" panose="020B0604020202020204" charset="0"/>
+                <a:ea typeface="Roboto Slab" panose="020B0604020202020204" charset="0"/>
+              </a:endParaRPr>
+            </a:p>
+          </p:txBody>
+        </p:sp>
+        <p:pic>
+          <p:nvPicPr>
+            <p:cNvPr id="49" name="Picture 48"/>
+            <p:cNvPicPr>
+              <a:picLocks noChangeAspect="1"/>
+            </p:cNvPicPr>
+            <p:nvPr/>
+          </p:nvPicPr>
+          <p:blipFill>
+            <a:blip r:embed="rId12">
+              <a:duotone>
+                <a:schemeClr val="accent4">
+                  <a:shade val="45000"/>
+                  <a:satMod val="135000"/>
+                </a:schemeClr>
+                <a:prstClr val="white"/>
+              </a:duotone>
+            </a:blip>
+            <a:stretch>
+              <a:fillRect/>
+            </a:stretch>
+          </p:blipFill>
+          <p:spPr>
+            <a:xfrm>
+              <a:off x="3120205" y="1988462"/>
+              <a:ext cx="161330" cy="161330"/>
+            </a:xfrm>
+            <a:prstGeom prst="rect">
+              <a:avLst/>
+            </a:prstGeom>
+          </p:spPr>
+        </p:pic>
+        <p:pic>
+          <p:nvPicPr>
+            <p:cNvPr id="50" name="Picture 49"/>
+            <p:cNvPicPr>
+              <a:picLocks noChangeAspect="1"/>
+            </p:cNvPicPr>
+            <p:nvPr/>
+          </p:nvPicPr>
+          <p:blipFill>
+            <a:blip r:embed="rId12">
+              <a:duotone>
+                <a:schemeClr val="accent4">
+                  <a:shade val="45000"/>
+                  <a:satMod val="135000"/>
+                </a:schemeClr>
+                <a:prstClr val="white"/>
+              </a:duotone>
+            </a:blip>
+            <a:stretch>
+              <a:fillRect/>
+            </a:stretch>
+          </p:blipFill>
+          <p:spPr>
+            <a:xfrm>
+              <a:off x="3116351" y="2183757"/>
+              <a:ext cx="161330" cy="161330"/>
+            </a:xfrm>
+            <a:prstGeom prst="rect">
+              <a:avLst/>
+            </a:prstGeom>
+          </p:spPr>
+        </p:pic>
+        <p:pic>
+          <p:nvPicPr>
+            <p:cNvPr id="51" name="Picture 50"/>
+            <p:cNvPicPr>
+              <a:picLocks noChangeAspect="1"/>
+            </p:cNvPicPr>
+            <p:nvPr/>
+          </p:nvPicPr>
+          <p:blipFill>
+            <a:blip r:embed="rId12">
+              <a:duotone>
+                <a:schemeClr val="accent4">
+                  <a:shade val="45000"/>
+                  <a:satMod val="135000"/>
+                </a:schemeClr>
+                <a:prstClr val="white"/>
+              </a:duotone>
+            </a:blip>
+            <a:stretch>
+              <a:fillRect/>
+            </a:stretch>
+          </p:blipFill>
+          <p:spPr>
+            <a:xfrm>
+              <a:off x="3112243" y="2373262"/>
+              <a:ext cx="161330" cy="161330"/>
+            </a:xfrm>
+            <a:prstGeom prst="rect">
+              <a:avLst/>
+            </a:prstGeom>
+          </p:spPr>
+        </p:pic>
+        <p:pic>
+          <p:nvPicPr>
+            <p:cNvPr id="52" name="Picture 51"/>
+            <p:cNvPicPr>
+              <a:picLocks noChangeAspect="1"/>
+            </p:cNvPicPr>
+            <p:nvPr/>
+          </p:nvPicPr>
+          <p:blipFill>
+            <a:blip r:embed="rId12">
+              <a:duotone>
+                <a:schemeClr val="accent4">
+                  <a:shade val="45000"/>
+                  <a:satMod val="135000"/>
+                </a:schemeClr>
+                <a:prstClr val="white"/>
+              </a:duotone>
+            </a:blip>
+            <a:stretch>
+              <a:fillRect/>
+            </a:stretch>
+          </p:blipFill>
+          <p:spPr>
+            <a:xfrm>
+              <a:off x="3116351" y="2575979"/>
+              <a:ext cx="161330" cy="161330"/>
+            </a:xfrm>
+            <a:prstGeom prst="rect">
+              <a:avLst/>
+            </a:prstGeom>
+          </p:spPr>
+        </p:pic>
+      </p:grpSp>
+      <p:grpSp>
+        <p:nvGrpSpPr>
+          <p:cNvPr id="53" name="Group 52"/>
+          <p:cNvGrpSpPr/>
+          <p:nvPr/>
+        </p:nvGrpSpPr>
+        <p:grpSpPr>
+          <a:xfrm>
+            <a:off x="6145403" y="1306145"/>
+            <a:ext cx="2897643" cy="2391397"/>
+            <a:chOff x="558888" y="1040915"/>
+            <a:chExt cx="2897643" cy="2391397"/>
+          </a:xfrm>
+        </p:grpSpPr>
+        <p:sp>
+          <p:nvSpPr>
+            <p:cNvPr id="54" name="Rectangle 53"/>
+            <p:cNvSpPr/>
+            <p:nvPr/>
+          </p:nvSpPr>
+          <p:spPr>
+            <a:xfrm>
+              <a:off x="558888" y="1040915"/>
+              <a:ext cx="2897643" cy="2391397"/>
+            </a:xfrm>
+            <a:prstGeom prst="rect">
+              <a:avLst/>
+            </a:prstGeom>
+            <a:solidFill>
+              <a:schemeClr val="tx1"/>
+            </a:solidFill>
+            <a:ln w="12700">
+              <a:solidFill>
+                <a:schemeClr val="tx1">
+                  <a:lumMod val="85000"/>
+                </a:schemeClr>
+              </a:solidFill>
+            </a:ln>
+          </p:spPr>
+          <p:style>
+            <a:lnRef idx="2">
+              <a:schemeClr val="accent1">
+                <a:shade val="50000"/>
+              </a:schemeClr>
+            </a:lnRef>
+            <a:fillRef idx="1">
+              <a:schemeClr val="accent1"/>
+            </a:fillRef>
+            <a:effectRef idx="0">
+              <a:schemeClr val="accent1"/>
+            </a:effectRef>
+            <a:fontRef idx="minor">
+              <a:schemeClr val="lt1"/>
+            </a:fontRef>
+          </p:style>
+          <p:txBody>
+            <a:bodyPr rtlCol="0" anchor="ctr"/>
+            <a:lstStyle/>
+            <a:p>
+              <a:pPr algn="ctr"/>
+              <a:endParaRPr lang="en-PH" dirty="0"/>
+            </a:p>
+          </p:txBody>
+        </p:sp>
+        <p:sp>
+          <p:nvSpPr>
+            <p:cNvPr id="55" name="TextBox 54"/>
+            <p:cNvSpPr txBox="1"/>
+            <p:nvPr/>
+          </p:nvSpPr>
+          <p:spPr>
+            <a:xfrm>
+              <a:off x="623635" y="1100939"/>
+              <a:ext cx="2064483" cy="328302"/>
+            </a:xfrm>
+            <a:prstGeom prst="rect">
+              <a:avLst/>
+            </a:prstGeom>
+            <a:noFill/>
+          </p:spPr>
+          <p:txBody>
+            <a:bodyPr wrap="square" rtlCol="0">
+              <a:spAutoFit/>
+            </a:bodyPr>
+            <a:lstStyle/>
+            <a:p>
+              <a:r>
+                <a:rPr lang="en-PH" dirty="0">
+                  <a:solidFill>
+                    <a:schemeClr val="tx2">
+                      <a:lumMod val="10000"/>
+                    </a:schemeClr>
+                  </a:solidFill>
+                  <a:latin typeface="Roboto Slab" panose="020B0604020202020204" charset="0"/>
+                  <a:ea typeface="Roboto Slab" panose="020B0604020202020204" charset="0"/>
+                </a:rPr>
+                <a:t>NDRRMC</a:t>
+              </a:r>
+              <a:endParaRPr lang="en-PH" sz="1600" dirty="0">
+                <a:solidFill>
+                  <a:schemeClr val="tx2">
+                    <a:lumMod val="10000"/>
+                  </a:schemeClr>
+                </a:solidFill>
+                <a:latin typeface="Roboto Slab" panose="020B0604020202020204" charset="0"/>
+                <a:ea typeface="Roboto Slab" panose="020B0604020202020204" charset="0"/>
+              </a:endParaRPr>
+            </a:p>
+          </p:txBody>
+        </p:sp>
+        <p:sp>
+          <p:nvSpPr>
+            <p:cNvPr id="56" name="TextBox 55"/>
+            <p:cNvSpPr txBox="1"/>
+            <p:nvPr/>
+          </p:nvSpPr>
+          <p:spPr>
+            <a:xfrm>
+              <a:off x="631556" y="1399829"/>
+              <a:ext cx="2735765" cy="361132"/>
+            </a:xfrm>
+            <a:prstGeom prst="rect">
+              <a:avLst/>
+            </a:prstGeom>
+            <a:noFill/>
+          </p:spPr>
+          <p:txBody>
+            <a:bodyPr wrap="square" rtlCol="0">
+              <a:spAutoFit/>
+            </a:bodyPr>
+            <a:lstStyle/>
+            <a:p>
+              <a:r>
+                <a:rPr lang="en-PH" sz="800" dirty="0">
+                  <a:solidFill>
+                    <a:schemeClr val="tx1">
+                      <a:lumMod val="50000"/>
+                    </a:schemeClr>
+                  </a:solidFill>
+                  <a:latin typeface="Roboto Slab" panose="020B0604020202020204" charset="0"/>
+                  <a:ea typeface="Roboto Slab" panose="020B0604020202020204" charset="0"/>
+                </a:rPr>
+                <a:t>For damage assessment and consolidated reports on government action</a:t>
+              </a:r>
+            </a:p>
+          </p:txBody>
+        </p:sp>
+        <p:sp>
+          <p:nvSpPr>
+            <p:cNvPr id="57" name="TextBox 56"/>
+            <p:cNvSpPr txBox="1"/>
+            <p:nvPr/>
+          </p:nvSpPr>
+          <p:spPr>
+            <a:xfrm>
+              <a:off x="623635" y="1754242"/>
+              <a:ext cx="2646125" cy="1362452"/>
+            </a:xfrm>
+            <a:prstGeom prst="rect">
+              <a:avLst/>
+            </a:prstGeom>
+            <a:noFill/>
+          </p:spPr>
+          <p:txBody>
+            <a:bodyPr wrap="square" rtlCol="0">
+              <a:spAutoFit/>
+            </a:bodyPr>
+            <a:lstStyle/>
+            <a:p>
+              <a:r>
+                <a:rPr lang="en-PH" sz="900" dirty="0">
+                  <a:solidFill>
+                    <a:schemeClr val="tx1">
+                      <a:lumMod val="50000"/>
+                    </a:schemeClr>
+                  </a:solidFill>
+                  <a:latin typeface="Roboto Slab" panose="020B0604020202020204" charset="0"/>
+                  <a:ea typeface="Roboto Slab" panose="020B0604020202020204" charset="0"/>
+                </a:rPr>
+                <a:t>Hotlines: </a:t>
+              </a:r>
+            </a:p>
+            <a:p>
+              <a:pPr>
+                <a:lnSpc>
+                  <a:spcPct val="150000"/>
+                </a:lnSpc>
+              </a:pPr>
+              <a:r>
+                <a:rPr lang="en-PH" sz="900" b="1" dirty="0">
+                  <a:solidFill>
+                    <a:schemeClr val="tx1">
+                      <a:lumMod val="50000"/>
+                    </a:schemeClr>
+                  </a:solidFill>
+                  <a:latin typeface="Roboto Slab" panose="020B0604020202020204" charset="0"/>
+                  <a:ea typeface="Roboto Slab" panose="020B0604020202020204" charset="0"/>
+                </a:rPr>
+                <a:t>(02) 911-1406 </a:t>
+              </a:r>
+            </a:p>
+            <a:p>
+              <a:pPr>
+                <a:lnSpc>
+                  <a:spcPct val="150000"/>
+                </a:lnSpc>
+              </a:pPr>
+              <a:r>
+                <a:rPr lang="en-PH" sz="900" b="1" dirty="0">
+                  <a:solidFill>
+                    <a:schemeClr val="tx1">
+                      <a:lumMod val="50000"/>
+                    </a:schemeClr>
+                  </a:solidFill>
+                  <a:latin typeface="Roboto Slab" panose="020B0604020202020204" charset="0"/>
+                  <a:ea typeface="Roboto Slab" panose="020B0604020202020204" charset="0"/>
+                </a:rPr>
+                <a:t>(02) 912-2665    </a:t>
+              </a:r>
+            </a:p>
+            <a:p>
+              <a:pPr>
+                <a:lnSpc>
+                  <a:spcPct val="150000"/>
+                </a:lnSpc>
+              </a:pPr>
+              <a:r>
+                <a:rPr lang="en-PH" sz="900" b="1" dirty="0">
+                  <a:solidFill>
+                    <a:schemeClr val="tx1">
+                      <a:lumMod val="50000"/>
+                    </a:schemeClr>
+                  </a:solidFill>
+                  <a:latin typeface="Roboto Slab" panose="020B0604020202020204" charset="0"/>
+                  <a:ea typeface="Roboto Slab" panose="020B0604020202020204" charset="0"/>
+                </a:rPr>
+                <a:t>(02) 912-5668</a:t>
+              </a:r>
+            </a:p>
+            <a:p>
+              <a:pPr>
+                <a:lnSpc>
+                  <a:spcPct val="150000"/>
+                </a:lnSpc>
+              </a:pPr>
+              <a:r>
+                <a:rPr lang="en-PH" sz="900" b="1" dirty="0">
+                  <a:solidFill>
+                    <a:schemeClr val="tx1">
+                      <a:lumMod val="50000"/>
+                    </a:schemeClr>
+                  </a:solidFill>
+                  <a:latin typeface="Roboto Slab" panose="020B0604020202020204" charset="0"/>
+                  <a:ea typeface="Roboto Slab" panose="020B0604020202020204" charset="0"/>
+                </a:rPr>
+                <a:t>(02) 911-5061 to 64</a:t>
+              </a:r>
+            </a:p>
+            <a:p>
+              <a:r>
+                <a:rPr lang="en-PH" b="1" dirty="0"/>
+                <a:t> </a:t>
+              </a:r>
+              <a:endParaRPr lang="en-PH" sz="900" b="1" dirty="0">
+                <a:solidFill>
+                  <a:schemeClr val="tx1">
+                    <a:lumMod val="50000"/>
+                  </a:schemeClr>
+                </a:solidFill>
+                <a:latin typeface="Roboto Slab" panose="020B0604020202020204" charset="0"/>
+                <a:ea typeface="Roboto Slab" panose="020B0604020202020204" charset="0"/>
+              </a:endParaRPr>
+            </a:p>
+          </p:txBody>
+        </p:sp>
+        <p:sp>
+          <p:nvSpPr>
+            <p:cNvPr id="58" name="Rectangle 57"/>
+            <p:cNvSpPr/>
+            <p:nvPr/>
+          </p:nvSpPr>
+          <p:spPr>
+            <a:xfrm>
+              <a:off x="2967633" y="1100939"/>
+              <a:ext cx="399688" cy="337857"/>
+            </a:xfrm>
+            <a:prstGeom prst="rect">
+              <a:avLst/>
+            </a:prstGeom>
+            <a:blipFill>
+              <a:blip r:embed="rId8"/>
+              <a:stretch>
+                <a:fillRect/>
+              </a:stretch>
+            </a:blipFill>
+            <a:ln>
+              <a:noFill/>
+            </a:ln>
+          </p:spPr>
+          <p:style>
+            <a:lnRef idx="2">
+              <a:schemeClr val="accent1">
+                <a:shade val="50000"/>
+              </a:schemeClr>
+            </a:lnRef>
+            <a:fillRef idx="1">
+              <a:schemeClr val="accent1"/>
+            </a:fillRef>
+            <a:effectRef idx="0">
+              <a:schemeClr val="accent1"/>
+            </a:effectRef>
+            <a:fontRef idx="minor">
+              <a:schemeClr val="lt1"/>
+            </a:fontRef>
+          </p:style>
+          <p:txBody>
+            <a:bodyPr rtlCol="0" anchor="ctr"/>
+            <a:lstStyle/>
+            <a:p>
+              <a:pPr algn="ctr"/>
+              <a:endParaRPr lang="en-PH" dirty="0"/>
+            </a:p>
+          </p:txBody>
+        </p:sp>
+        <p:sp>
+          <p:nvSpPr>
+            <p:cNvPr id="59" name="Rounded Rectangle 104"/>
+            <p:cNvSpPr/>
+            <p:nvPr/>
+          </p:nvSpPr>
+          <p:spPr>
+            <a:xfrm>
+              <a:off x="1037256" y="2980085"/>
+              <a:ext cx="273835" cy="246821"/>
+            </a:xfrm>
+            <a:prstGeom prst="roundRect">
+              <a:avLst>
+                <a:gd name="adj" fmla="val 0"/>
+              </a:avLst>
+            </a:prstGeom>
+            <a:blipFill>
+              <a:blip r:embed="rId9"/>
+              <a:stretch>
+                <a:fillRect/>
+              </a:stretch>
+            </a:blipFill>
+            <a:ln>
+              <a:noFill/>
+            </a:ln>
+          </p:spPr>
+          <p:style>
+            <a:lnRef idx="2">
+              <a:schemeClr val="accent1">
+                <a:shade val="50000"/>
+              </a:schemeClr>
+            </a:lnRef>
+            <a:fillRef idx="1">
+              <a:schemeClr val="accent1"/>
+            </a:fillRef>
+            <a:effectRef idx="0">
+              <a:schemeClr val="accent1"/>
+            </a:effectRef>
+            <a:fontRef idx="minor">
+              <a:schemeClr val="lt1"/>
+            </a:fontRef>
+          </p:style>
+          <p:txBody>
+            <a:bodyPr rtlCol="0" anchor="ctr"/>
+            <a:lstStyle/>
+            <a:p>
+              <a:pPr algn="ctr"/>
+              <a:endParaRPr lang="en-PH" dirty="0"/>
+            </a:p>
+          </p:txBody>
+        </p:sp>
+        <p:sp>
+          <p:nvSpPr>
+            <p:cNvPr id="60" name="Rounded Rectangle 105"/>
+            <p:cNvSpPr/>
+            <p:nvPr/>
+          </p:nvSpPr>
+          <p:spPr>
+            <a:xfrm>
+              <a:off x="1365445" y="2980085"/>
+              <a:ext cx="273835" cy="246821"/>
+            </a:xfrm>
+            <a:prstGeom prst="roundRect">
+              <a:avLst>
+                <a:gd name="adj" fmla="val 0"/>
+              </a:avLst>
+            </a:prstGeom>
+            <a:blipFill>
+              <a:blip r:embed="rId10"/>
+              <a:stretch>
+                <a:fillRect/>
+              </a:stretch>
+            </a:blipFill>
+            <a:ln>
+              <a:noFill/>
+            </a:ln>
+          </p:spPr>
+          <p:style>
+            <a:lnRef idx="2">
+              <a:schemeClr val="accent1">
+                <a:shade val="50000"/>
+              </a:schemeClr>
+            </a:lnRef>
+            <a:fillRef idx="1">
+              <a:schemeClr val="accent1"/>
+            </a:fillRef>
+            <a:effectRef idx="0">
+              <a:schemeClr val="accent1"/>
+            </a:effectRef>
+            <a:fontRef idx="minor">
+              <a:schemeClr val="lt1"/>
+            </a:fontRef>
+          </p:style>
+          <p:txBody>
+            <a:bodyPr rtlCol="0" anchor="ctr"/>
+            <a:lstStyle/>
+            <a:p>
+              <a:pPr algn="ctr"/>
+              <a:endParaRPr lang="en-PH" dirty="0"/>
+            </a:p>
+          </p:txBody>
+        </p:sp>
+        <p:sp>
+          <p:nvSpPr>
+            <p:cNvPr id="61" name="Rounded Rectangle 9"/>
+            <p:cNvSpPr/>
+            <p:nvPr/>
+          </p:nvSpPr>
+          <p:spPr>
+            <a:xfrm>
+              <a:off x="709067" y="2977373"/>
+              <a:ext cx="273835" cy="246821"/>
+            </a:xfrm>
+            <a:prstGeom prst="roundRect">
+              <a:avLst>
+                <a:gd name="adj" fmla="val 0"/>
+              </a:avLst>
+            </a:prstGeom>
+            <a:blipFill>
+              <a:blip r:embed="rId11"/>
+              <a:stretch>
+                <a:fillRect/>
+              </a:stretch>
+            </a:blipFill>
+            <a:ln>
+              <a:noFill/>
+            </a:ln>
+          </p:spPr>
+          <p:style>
+            <a:lnRef idx="2">
+              <a:schemeClr val="accent1">
+                <a:shade val="50000"/>
+              </a:schemeClr>
+            </a:lnRef>
+            <a:fillRef idx="1">
+              <a:schemeClr val="accent1"/>
+            </a:fillRef>
+            <a:effectRef idx="0">
+              <a:schemeClr val="accent1"/>
+            </a:effectRef>
+            <a:fontRef idx="minor">
+              <a:schemeClr val="lt1"/>
+            </a:fontRef>
+          </p:style>
+          <p:txBody>
+            <a:bodyPr rtlCol="0" anchor="ctr"/>
+            <a:lstStyle/>
+            <a:p>
+              <a:pPr algn="ctr"/>
+              <a:endParaRPr lang="en-PH" dirty="0"/>
+            </a:p>
+          </p:txBody>
+        </p:sp>
+        <p:cxnSp>
+          <p:nvCxnSpPr>
+            <p:cNvPr id="62" name="Straight Connector 61"/>
+            <p:cNvCxnSpPr/>
+            <p:nvPr/>
+          </p:nvCxnSpPr>
+          <p:spPr>
+            <a:xfrm>
+              <a:off x="689189" y="1754242"/>
+              <a:ext cx="2580571" cy="0"/>
+            </a:xfrm>
+            <a:prstGeom prst="line">
+              <a:avLst/>
+            </a:prstGeom>
+          </p:spPr>
+          <p:style>
+            <a:lnRef idx="1">
+              <a:schemeClr val="accent1"/>
+            </a:lnRef>
+            <a:fillRef idx="0">
+              <a:schemeClr val="accent1"/>
+            </a:fillRef>
+            <a:effectRef idx="0">
+              <a:schemeClr val="accent1"/>
+            </a:effectRef>
+            <a:fontRef idx="minor">
+              <a:schemeClr val="tx1"/>
+            </a:fontRef>
+          </p:style>
+        </p:cxnSp>
+        <p:sp>
+          <p:nvSpPr>
+            <p:cNvPr id="63" name="TextBox 62"/>
+            <p:cNvSpPr txBox="1"/>
+            <p:nvPr/>
+          </p:nvSpPr>
+          <p:spPr>
+            <a:xfrm>
+              <a:off x="631556" y="2755553"/>
+              <a:ext cx="2646125" cy="446276"/>
+            </a:xfrm>
+            <a:prstGeom prst="rect">
+              <a:avLst/>
+            </a:prstGeom>
+            <a:noFill/>
+          </p:spPr>
+          <p:txBody>
+            <a:bodyPr wrap="square" rtlCol="0">
+              <a:spAutoFit/>
+            </a:bodyPr>
+            <a:lstStyle/>
+            <a:p>
+              <a:r>
+                <a:rPr lang="en-PH" sz="900" dirty="0">
+                  <a:solidFill>
+                    <a:schemeClr val="tx1">
+                      <a:lumMod val="50000"/>
+                    </a:schemeClr>
+                  </a:solidFill>
+                  <a:latin typeface="Roboto Slab" panose="020B0604020202020204" charset="0"/>
+                  <a:ea typeface="Roboto Slab" panose="020B0604020202020204" charset="0"/>
+                </a:rPr>
+                <a:t>Social Media:</a:t>
+              </a:r>
+              <a:endParaRPr lang="en-PH" sz="900" b="1" dirty="0">
+                <a:solidFill>
+                  <a:schemeClr val="tx1">
+                    <a:lumMod val="50000"/>
+                  </a:schemeClr>
+                </a:solidFill>
+                <a:latin typeface="Roboto Slab" panose="020B0604020202020204" charset="0"/>
+                <a:ea typeface="Roboto Slab" panose="020B0604020202020204" charset="0"/>
+              </a:endParaRPr>
+            </a:p>
+            <a:p>
+              <a:r>
+                <a:rPr lang="en-PH" b="1" dirty="0"/>
+                <a:t> </a:t>
+              </a:r>
+              <a:endParaRPr lang="en-PH" sz="900" b="1" dirty="0">
+                <a:solidFill>
+                  <a:schemeClr val="tx1">
+                    <a:lumMod val="50000"/>
+                  </a:schemeClr>
+                </a:solidFill>
+                <a:latin typeface="Roboto Slab" panose="020B0604020202020204" charset="0"/>
+                <a:ea typeface="Roboto Slab" panose="020B0604020202020204" charset="0"/>
+              </a:endParaRPr>
+            </a:p>
+          </p:txBody>
+        </p:sp>
+        <p:pic>
+          <p:nvPicPr>
+            <p:cNvPr id="64" name="Picture 63"/>
+            <p:cNvPicPr>
+              <a:picLocks noChangeAspect="1"/>
+            </p:cNvPicPr>
+            <p:nvPr/>
+          </p:nvPicPr>
+          <p:blipFill>
+            <a:blip r:embed="rId12">
+              <a:duotone>
+                <a:schemeClr val="accent4">
+                  <a:shade val="45000"/>
+                  <a:satMod val="135000"/>
+                </a:schemeClr>
+                <a:prstClr val="white"/>
+              </a:duotone>
+            </a:blip>
+            <a:stretch>
+              <a:fillRect/>
+            </a:stretch>
+          </p:blipFill>
+          <p:spPr>
+            <a:xfrm>
+              <a:off x="3120205" y="1988462"/>
+              <a:ext cx="161330" cy="161330"/>
+            </a:xfrm>
+            <a:prstGeom prst="rect">
+              <a:avLst/>
+            </a:prstGeom>
+          </p:spPr>
+        </p:pic>
+        <p:pic>
+          <p:nvPicPr>
+            <p:cNvPr id="65" name="Picture 64"/>
+            <p:cNvPicPr>
+              <a:picLocks noChangeAspect="1"/>
+            </p:cNvPicPr>
+            <p:nvPr/>
+          </p:nvPicPr>
+          <p:blipFill>
+            <a:blip r:embed="rId12">
+              <a:duotone>
+                <a:schemeClr val="accent4">
+                  <a:shade val="45000"/>
+                  <a:satMod val="135000"/>
+                </a:schemeClr>
+                <a:prstClr val="white"/>
+              </a:duotone>
+            </a:blip>
+            <a:stretch>
+              <a:fillRect/>
+            </a:stretch>
+          </p:blipFill>
+          <p:spPr>
+            <a:xfrm>
+              <a:off x="3116351" y="2183757"/>
+              <a:ext cx="161330" cy="161330"/>
+            </a:xfrm>
+            <a:prstGeom prst="rect">
+              <a:avLst/>
+            </a:prstGeom>
+          </p:spPr>
+        </p:pic>
+        <p:pic>
+          <p:nvPicPr>
+            <p:cNvPr id="66" name="Picture 65"/>
+            <p:cNvPicPr>
+              <a:picLocks noChangeAspect="1"/>
+            </p:cNvPicPr>
+            <p:nvPr/>
+          </p:nvPicPr>
+          <p:blipFill>
+            <a:blip r:embed="rId12">
+              <a:duotone>
+                <a:schemeClr val="accent4">
+                  <a:shade val="45000"/>
+                  <a:satMod val="135000"/>
+                </a:schemeClr>
+                <a:prstClr val="white"/>
+              </a:duotone>
+            </a:blip>
+            <a:stretch>
+              <a:fillRect/>
+            </a:stretch>
+          </p:blipFill>
+          <p:spPr>
+            <a:xfrm>
+              <a:off x="3112243" y="2373262"/>
+              <a:ext cx="161330" cy="161330"/>
+            </a:xfrm>
+            <a:prstGeom prst="rect">
+              <a:avLst/>
+            </a:prstGeom>
+          </p:spPr>
+        </p:pic>
+        <p:pic>
+          <p:nvPicPr>
+            <p:cNvPr id="67" name="Picture 66"/>
+            <p:cNvPicPr>
+              <a:picLocks noChangeAspect="1"/>
+            </p:cNvPicPr>
+            <p:nvPr/>
+          </p:nvPicPr>
+          <p:blipFill>
+            <a:blip r:embed="rId12">
+              <a:duotone>
+                <a:schemeClr val="accent4">
+                  <a:shade val="45000"/>
+                  <a:satMod val="135000"/>
+                </a:schemeClr>
+                <a:prstClr val="white"/>
+              </a:duotone>
+            </a:blip>
+            <a:stretch>
+              <a:fillRect/>
+            </a:stretch>
+          </p:blipFill>
+          <p:spPr>
+            <a:xfrm>
+              <a:off x="3116351" y="2575979"/>
+              <a:ext cx="161330" cy="161330"/>
+            </a:xfrm>
+            <a:prstGeom prst="rect">
+              <a:avLst/>
+            </a:prstGeom>
+          </p:spPr>
+        </p:pic>
+      </p:grpSp>
     </p:spTree>
     <p:extLst>
       <p:ext uri="{BB962C8B-B14F-4D97-AF65-F5344CB8AC3E}">
-        <p14:creationId xmlns:p14="http://schemas.microsoft.com/office/powerpoint/2010/main" val="2498030184"/>
+        <p14:creationId xmlns:p14="http://schemas.microsoft.com/office/powerpoint/2010/main" val="4092703956"/>
       </p:ext>
     </p:extLst>
   </p:cSld>

--- a/Aegis - Screen Mockups.pptx
+++ b/Aegis - Screen Mockups.pptx
@@ -5,7 +5,7 @@
     <p:sldMasterId id="2147483659" r:id="rId1"/>
   </p:sldMasterIdLst>
   <p:notesMasterIdLst>
-    <p:notesMasterId r:id="rId14"/>
+    <p:notesMasterId r:id="rId13"/>
   </p:notesMasterIdLst>
   <p:sldIdLst>
     <p:sldId id="256" r:id="rId2"/>
@@ -17,24 +17,23 @@
     <p:sldId id="269" r:id="rId8"/>
     <p:sldId id="270" r:id="rId9"/>
     <p:sldId id="271" r:id="rId10"/>
-    <p:sldId id="268" r:id="rId11"/>
-    <p:sldId id="272" r:id="rId12"/>
-    <p:sldId id="274" r:id="rId13"/>
+    <p:sldId id="272" r:id="rId11"/>
+    <p:sldId id="274" r:id="rId12"/>
   </p:sldIdLst>
   <p:sldSz cx="9144000" cy="5143500" type="screen16x9"/>
   <p:notesSz cx="6858000" cy="9144000"/>
   <p:embeddedFontLst>
     <p:embeddedFont>
       <p:font typeface="Roboto Slab" panose="020B0604020202020204" charset="0"/>
-      <p:regular r:id="rId15"/>
-      <p:bold r:id="rId16"/>
+      <p:regular r:id="rId14"/>
+      <p:bold r:id="rId15"/>
     </p:embeddedFont>
     <p:embeddedFont>
       <p:font typeface="Roboto" panose="020B0604020202020204" charset="0"/>
-      <p:regular r:id="rId17"/>
-      <p:bold r:id="rId18"/>
-      <p:italic r:id="rId19"/>
-      <p:boldItalic r:id="rId20"/>
+      <p:regular r:id="rId16"/>
+      <p:bold r:id="rId17"/>
+      <p:italic r:id="rId18"/>
+      <p:boldItalic r:id="rId19"/>
     </p:embeddedFont>
   </p:embeddedFontLst>
   <p:defaultTextStyle>
@@ -2602,437 +2601,6 @@
           <a:chExt cx="0" cy="0"/>
         </a:xfrm>
       </p:grpSpPr>
-      <p:sp>
-        <p:nvSpPr>
-          <p:cNvPr id="4" name="TextBox 3">
-            <a:hlinkClick r:id="rId2" action="ppaction://hlinksldjump"/>
-          </p:cNvPr>
-          <p:cNvSpPr txBox="1"/>
-          <p:nvPr/>
-        </p:nvSpPr>
-        <p:spPr>
-          <a:xfrm>
-            <a:off x="76200" y="85725"/>
-            <a:ext cx="872355" cy="400110"/>
-          </a:xfrm>
-          <a:prstGeom prst="rect">
-            <a:avLst/>
-          </a:prstGeom>
-          <a:noFill/>
-        </p:spPr>
-        <p:txBody>
-          <a:bodyPr wrap="none" rtlCol="0">
-            <a:spAutoFit/>
-          </a:bodyPr>
-          <a:lstStyle/>
-          <a:p>
-            <a:r>
-              <a:rPr lang="en-US" sz="2000" dirty="0">
-                <a:solidFill>
-                  <a:schemeClr val="tx1"/>
-                </a:solidFill>
-                <a:latin typeface="Roboto Slab" panose="020B0604020202020204" charset="0"/>
-                <a:ea typeface="Roboto Slab" panose="020B0604020202020204" charset="0"/>
-              </a:rPr>
-              <a:t>Aegis</a:t>
-            </a:r>
-          </a:p>
-        </p:txBody>
-      </p:sp>
-      <p:cxnSp>
-        <p:nvCxnSpPr>
-          <p:cNvPr id="24" name="Straight Connector 23"/>
-          <p:cNvCxnSpPr/>
-          <p:nvPr/>
-        </p:nvCxnSpPr>
-        <p:spPr>
-          <a:xfrm>
-            <a:off x="939030" y="85725"/>
-            <a:ext cx="0" cy="400109"/>
-          </a:xfrm>
-          <a:prstGeom prst="line">
-            <a:avLst/>
-          </a:prstGeom>
-        </p:spPr>
-        <p:style>
-          <a:lnRef idx="1">
-            <a:schemeClr val="accent1"/>
-          </a:lnRef>
-          <a:fillRef idx="0">
-            <a:schemeClr val="accent1"/>
-          </a:fillRef>
-          <a:effectRef idx="0">
-            <a:schemeClr val="accent1"/>
-          </a:effectRef>
-          <a:fontRef idx="minor">
-            <a:schemeClr val="tx1"/>
-          </a:fontRef>
-        </p:style>
-      </p:cxnSp>
-      <p:sp>
-        <p:nvSpPr>
-          <p:cNvPr id="7" name="Rectangle 6"/>
-          <p:cNvSpPr/>
-          <p:nvPr/>
-        </p:nvSpPr>
-        <p:spPr>
-          <a:xfrm>
-            <a:off x="0" y="631371"/>
-            <a:ext cx="9144000" cy="4512129"/>
-          </a:xfrm>
-          <a:prstGeom prst="rect">
-            <a:avLst/>
-          </a:prstGeom>
-          <a:ln>
-            <a:noFill/>
-          </a:ln>
-        </p:spPr>
-        <p:style>
-          <a:lnRef idx="2">
-            <a:schemeClr val="dk1">
-              <a:shade val="50000"/>
-            </a:schemeClr>
-          </a:lnRef>
-          <a:fillRef idx="1">
-            <a:schemeClr val="dk1"/>
-          </a:fillRef>
-          <a:effectRef idx="0">
-            <a:schemeClr val="dk1"/>
-          </a:effectRef>
-          <a:fontRef idx="minor">
-            <a:schemeClr val="lt1"/>
-          </a:fontRef>
-        </p:style>
-        <p:txBody>
-          <a:bodyPr rtlCol="0" anchor="ctr"/>
-          <a:lstStyle/>
-          <a:p>
-            <a:pPr algn="ctr"/>
-            <a:endParaRPr lang="en-US"/>
-          </a:p>
-        </p:txBody>
-      </p:sp>
-      <p:pic>
-        <p:nvPicPr>
-          <p:cNvPr id="22" name="Picture 21"/>
-          <p:cNvPicPr>
-            <a:picLocks noChangeAspect="1"/>
-          </p:cNvPicPr>
-          <p:nvPr/>
-        </p:nvPicPr>
-        <p:blipFill>
-          <a:blip r:embed="rId3">
-            <a:extLst>
-              <a:ext uri="{28A0092B-C50C-407E-A947-70E740481C1C}">
-                <a14:useLocalDpi xmlns:a14="http://schemas.microsoft.com/office/drawing/2010/main" val="0"/>
-              </a:ext>
-            </a:extLst>
-          </a:blip>
-          <a:stretch>
-            <a:fillRect/>
-          </a:stretch>
-        </p:blipFill>
-        <p:spPr>
-          <a:xfrm>
-            <a:off x="1227723" y="978354"/>
-            <a:ext cx="6688553" cy="4029075"/>
-          </a:xfrm>
-          <a:prstGeom prst="rect">
-            <a:avLst/>
-          </a:prstGeom>
-        </p:spPr>
-      </p:pic>
-      <p:pic>
-        <p:nvPicPr>
-          <p:cNvPr id="23" name="Picture 22"/>
-          <p:cNvPicPr>
-            <a:picLocks noChangeAspect="1"/>
-          </p:cNvPicPr>
-          <p:nvPr/>
-        </p:nvPicPr>
-        <p:blipFill>
-          <a:blip r:embed="rId4">
-            <a:extLst>
-              <a:ext uri="{28A0092B-C50C-407E-A947-70E740481C1C}">
-                <a14:useLocalDpi xmlns:a14="http://schemas.microsoft.com/office/drawing/2010/main" val="0"/>
-              </a:ext>
-            </a:extLst>
-          </a:blip>
-          <a:stretch>
-            <a:fillRect/>
-          </a:stretch>
-        </p:blipFill>
-        <p:spPr>
-          <a:xfrm>
-            <a:off x="1094494" y="93630"/>
-            <a:ext cx="387991" cy="386098"/>
-          </a:xfrm>
-          <a:prstGeom prst="ellipse">
-            <a:avLst/>
-          </a:prstGeom>
-        </p:spPr>
-      </p:pic>
-      <p:pic>
-        <p:nvPicPr>
-          <p:cNvPr id="25" name="Picture 24"/>
-          <p:cNvPicPr>
-            <a:picLocks noChangeAspect="1"/>
-          </p:cNvPicPr>
-          <p:nvPr/>
-        </p:nvPicPr>
-        <p:blipFill>
-          <a:blip r:embed="rId5">
-            <a:extLst>
-              <a:ext uri="{28A0092B-C50C-407E-A947-70E740481C1C}">
-                <a14:useLocalDpi xmlns:a14="http://schemas.microsoft.com/office/drawing/2010/main" val="0"/>
-              </a:ext>
-            </a:extLst>
-          </a:blip>
-          <a:stretch>
-            <a:fillRect/>
-          </a:stretch>
-        </p:blipFill>
-        <p:spPr>
-          <a:xfrm>
-            <a:off x="1609595" y="87719"/>
-            <a:ext cx="398115" cy="398115"/>
-          </a:xfrm>
-          <a:prstGeom prst="ellipse">
-            <a:avLst/>
-          </a:prstGeom>
-        </p:spPr>
-      </p:pic>
-      <p:pic>
-        <p:nvPicPr>
-          <p:cNvPr id="26" name="Picture 25"/>
-          <p:cNvPicPr>
-            <a:picLocks noChangeAspect="1"/>
-          </p:cNvPicPr>
-          <p:nvPr/>
-        </p:nvPicPr>
-        <p:blipFill>
-          <a:blip r:embed="rId6">
-            <a:extLst>
-              <a:ext uri="{28A0092B-C50C-407E-A947-70E740481C1C}">
-                <a14:useLocalDpi xmlns:a14="http://schemas.microsoft.com/office/drawing/2010/main" val="0"/>
-              </a:ext>
-            </a:extLst>
-          </a:blip>
-          <a:stretch>
-            <a:fillRect/>
-          </a:stretch>
-        </p:blipFill>
-        <p:spPr>
-          <a:xfrm>
-            <a:off x="2134860" y="87433"/>
-            <a:ext cx="396983" cy="398401"/>
-          </a:xfrm>
-          <a:prstGeom prst="ellipse">
-            <a:avLst/>
-          </a:prstGeom>
-        </p:spPr>
-      </p:pic>
-      <p:sp>
-        <p:nvSpPr>
-          <p:cNvPr id="28" name="TextBox 27">
-            <a:hlinkClick r:id="rId7" action="ppaction://hlinksldjump"/>
-          </p:cNvPr>
-          <p:cNvSpPr txBox="1"/>
-          <p:nvPr/>
-        </p:nvSpPr>
-        <p:spPr>
-          <a:xfrm>
-            <a:off x="5588516" y="224225"/>
-            <a:ext cx="1034257" cy="261610"/>
-          </a:xfrm>
-          <a:prstGeom prst="rect">
-            <a:avLst/>
-          </a:prstGeom>
-          <a:noFill/>
-        </p:spPr>
-        <p:txBody>
-          <a:bodyPr wrap="none" rtlCol="0">
-            <a:spAutoFit/>
-          </a:bodyPr>
-          <a:lstStyle/>
-          <a:p>
-            <a:r>
-              <a:rPr lang="en-US" sz="1050" dirty="0">
-                <a:solidFill>
-                  <a:schemeClr val="tx1"/>
-                </a:solidFill>
-                <a:latin typeface="Roboto Slab" panose="020B0604020202020204" charset="0"/>
-                <a:ea typeface="Roboto Slab" panose="020B0604020202020204" charset="0"/>
-              </a:rPr>
-              <a:t>Infographics</a:t>
-            </a:r>
-          </a:p>
-        </p:txBody>
-      </p:sp>
-      <p:sp>
-        <p:nvSpPr>
-          <p:cNvPr id="29" name="TextBox 28">
-            <a:hlinkClick r:id="rId8" action="ppaction://hlinksldjump"/>
-          </p:cNvPr>
-          <p:cNvSpPr txBox="1"/>
-          <p:nvPr/>
-        </p:nvSpPr>
-        <p:spPr>
-          <a:xfrm>
-            <a:off x="6622774" y="224225"/>
-            <a:ext cx="1348446" cy="261610"/>
-          </a:xfrm>
-          <a:prstGeom prst="rect">
-            <a:avLst/>
-          </a:prstGeom>
-          <a:noFill/>
-        </p:spPr>
-        <p:txBody>
-          <a:bodyPr wrap="none" rtlCol="0">
-            <a:spAutoFit/>
-          </a:bodyPr>
-          <a:lstStyle/>
-          <a:p>
-            <a:r>
-              <a:rPr lang="en-US" sz="1050" dirty="0">
-                <a:solidFill>
-                  <a:schemeClr val="tx1"/>
-                </a:solidFill>
-                <a:latin typeface="Roboto Slab" panose="020B0604020202020204" charset="0"/>
-                <a:ea typeface="Roboto Slab" panose="020B0604020202020204" charset="0"/>
-              </a:rPr>
-              <a:t>Contact Numbers</a:t>
-            </a:r>
-          </a:p>
-        </p:txBody>
-      </p:sp>
-      <p:sp>
-        <p:nvSpPr>
-          <p:cNvPr id="30" name="TextBox 29"/>
-          <p:cNvSpPr txBox="1"/>
-          <p:nvPr/>
-        </p:nvSpPr>
-        <p:spPr>
-          <a:xfrm>
-            <a:off x="7971221" y="219075"/>
-            <a:ext cx="546945" cy="253916"/>
-          </a:xfrm>
-          <a:prstGeom prst="rect">
-            <a:avLst/>
-          </a:prstGeom>
-          <a:noFill/>
-        </p:spPr>
-        <p:txBody>
-          <a:bodyPr wrap="none" rtlCol="0">
-            <a:spAutoFit/>
-          </a:bodyPr>
-          <a:lstStyle/>
-          <a:p>
-            <a:r>
-              <a:rPr lang="en-US" sz="1050" dirty="0">
-                <a:solidFill>
-                  <a:schemeClr val="tx1"/>
-                </a:solidFill>
-                <a:latin typeface="Roboto Slab" panose="020B0604020202020204" charset="0"/>
-                <a:ea typeface="Roboto Slab" panose="020B0604020202020204" charset="0"/>
-              </a:rPr>
-              <a:t>Login</a:t>
-            </a:r>
-          </a:p>
-        </p:txBody>
-      </p:sp>
-      <p:cxnSp>
-        <p:nvCxnSpPr>
-          <p:cNvPr id="31" name="Straight Connector 30"/>
-          <p:cNvCxnSpPr/>
-          <p:nvPr/>
-        </p:nvCxnSpPr>
-        <p:spPr>
-          <a:xfrm>
-            <a:off x="7971221" y="171216"/>
-            <a:ext cx="0" cy="309469"/>
-          </a:xfrm>
-          <a:prstGeom prst="line">
-            <a:avLst/>
-          </a:prstGeom>
-          <a:ln w="12700"/>
-        </p:spPr>
-        <p:style>
-          <a:lnRef idx="2">
-            <a:schemeClr val="accent4"/>
-          </a:lnRef>
-          <a:fillRef idx="0">
-            <a:schemeClr val="accent4"/>
-          </a:fillRef>
-          <a:effectRef idx="1">
-            <a:schemeClr val="accent4"/>
-          </a:effectRef>
-          <a:fontRef idx="minor">
-            <a:schemeClr val="tx1"/>
-          </a:fontRef>
-        </p:style>
-      </p:cxnSp>
-      <p:cxnSp>
-        <p:nvCxnSpPr>
-          <p:cNvPr id="32" name="Straight Connector 31"/>
-          <p:cNvCxnSpPr/>
-          <p:nvPr/>
-        </p:nvCxnSpPr>
-        <p:spPr>
-          <a:xfrm>
-            <a:off x="6616336" y="169507"/>
-            <a:ext cx="0" cy="309469"/>
-          </a:xfrm>
-          <a:prstGeom prst="line">
-            <a:avLst/>
-          </a:prstGeom>
-          <a:ln w="12700"/>
-        </p:spPr>
-        <p:style>
-          <a:lnRef idx="2">
-            <a:schemeClr val="accent4"/>
-          </a:lnRef>
-          <a:fillRef idx="0">
-            <a:schemeClr val="accent4"/>
-          </a:fillRef>
-          <a:effectRef idx="1">
-            <a:schemeClr val="accent4"/>
-          </a:effectRef>
-          <a:fontRef idx="minor">
-            <a:schemeClr val="tx1"/>
-          </a:fontRef>
-        </p:style>
-      </p:cxnSp>
-    </p:spTree>
-    <p:extLst>
-      <p:ext uri="{BB962C8B-B14F-4D97-AF65-F5344CB8AC3E}">
-        <p14:creationId xmlns:p14="http://schemas.microsoft.com/office/powerpoint/2010/main" val="2448762110"/>
-      </p:ext>
-    </p:extLst>
-  </p:cSld>
-  <p:clrMapOvr>
-    <a:masterClrMapping/>
-  </p:clrMapOvr>
-</p:sld>
-</file>
-
-<file path=ppt/slides/slide11.xml><?xml version="1.0" encoding="utf-8"?>
-<p:sld xmlns:a="http://schemas.openxmlformats.org/drawingml/2006/main" xmlns:r="http://schemas.openxmlformats.org/officeDocument/2006/relationships" xmlns:p="http://schemas.openxmlformats.org/presentationml/2006/main">
-  <p:cSld>
-    <p:spTree>
-      <p:nvGrpSpPr>
-        <p:cNvPr id="1" name=""/>
-        <p:cNvGrpSpPr/>
-        <p:nvPr/>
-      </p:nvGrpSpPr>
-      <p:grpSpPr>
-        <a:xfrm>
-          <a:off x="0" y="0"/>
-          <a:ext cx="0" cy="0"/>
-          <a:chOff x="0" y="0"/>
-          <a:chExt cx="0" cy="0"/>
-        </a:xfrm>
-      </p:grpSpPr>
       <p:pic>
         <p:nvPicPr>
           <p:cNvPr id="27" name="Picture 26"/>
@@ -3806,7 +3374,7 @@
 </p:sld>
 </file>
 
-<file path=ppt/slides/slide12.xml><?xml version="1.0" encoding="utf-8"?>
+<file path=ppt/slides/slide11.xml><?xml version="1.0" encoding="utf-8"?>
 <p:sld xmlns:a="http://schemas.openxmlformats.org/drawingml/2006/main" xmlns:r="http://schemas.openxmlformats.org/officeDocument/2006/relationships" xmlns:p="http://schemas.openxmlformats.org/presentationml/2006/main">
   <p:cSld>
     <p:bg>

--- a/Aegis - Screen Mockups.pptx
+++ b/Aegis - Screen Mockups.pptx
@@ -5,7 +5,7 @@
     <p:sldMasterId id="2147483659" r:id="rId1"/>
   </p:sldMasterIdLst>
   <p:notesMasterIdLst>
-    <p:notesMasterId r:id="rId13"/>
+    <p:notesMasterId r:id="rId11"/>
   </p:notesMasterIdLst>
   <p:sldIdLst>
     <p:sldId id="256" r:id="rId2"/>
@@ -17,23 +17,21 @@
     <p:sldId id="269" r:id="rId8"/>
     <p:sldId id="270" r:id="rId9"/>
     <p:sldId id="271" r:id="rId10"/>
-    <p:sldId id="272" r:id="rId11"/>
-    <p:sldId id="274" r:id="rId12"/>
   </p:sldIdLst>
   <p:sldSz cx="9144000" cy="5143500" type="screen16x9"/>
   <p:notesSz cx="6858000" cy="9144000"/>
   <p:embeddedFontLst>
     <p:embeddedFont>
       <p:font typeface="Roboto Slab" panose="020B0604020202020204" charset="0"/>
-      <p:regular r:id="rId14"/>
-      <p:bold r:id="rId15"/>
+      <p:regular r:id="rId12"/>
+      <p:bold r:id="rId13"/>
     </p:embeddedFont>
     <p:embeddedFont>
       <p:font typeface="Roboto" panose="020B0604020202020204" charset="0"/>
-      <p:regular r:id="rId16"/>
-      <p:bold r:id="rId17"/>
-      <p:italic r:id="rId18"/>
-      <p:boldItalic r:id="rId19"/>
+      <p:regular r:id="rId14"/>
+      <p:bold r:id="rId15"/>
+      <p:italic r:id="rId16"/>
+      <p:boldItalic r:id="rId17"/>
     </p:embeddedFont>
   </p:embeddedFontLst>
   <p:defaultTextStyle>
@@ -2571,330 +2569,16 @@
           </a:fontRef>
         </p:style>
       </p:cxnSp>
-    </p:spTree>
-    <p:extLst>
-      <p:ext uri="{BB962C8B-B14F-4D97-AF65-F5344CB8AC3E}">
-        <p14:creationId xmlns:p14="http://schemas.microsoft.com/office/powerpoint/2010/main" val="2151623317"/>
-      </p:ext>
-    </p:extLst>
-  </p:cSld>
-  <p:clrMapOvr>
-    <a:masterClrMapping/>
-  </p:clrMapOvr>
-</p:sld>
-</file>
-
-<file path=ppt/slides/slide10.xml><?xml version="1.0" encoding="utf-8"?>
-<p:sld xmlns:a="http://schemas.openxmlformats.org/drawingml/2006/main" xmlns:r="http://schemas.openxmlformats.org/officeDocument/2006/relationships" xmlns:p="http://schemas.openxmlformats.org/presentationml/2006/main">
-  <p:cSld>
-    <p:spTree>
-      <p:nvGrpSpPr>
-        <p:cNvPr id="1" name=""/>
-        <p:cNvGrpSpPr/>
-        <p:nvPr/>
-      </p:nvGrpSpPr>
-      <p:grpSpPr>
-        <a:xfrm>
-          <a:off x="0" y="0"/>
-          <a:ext cx="0" cy="0"/>
-          <a:chOff x="0" y="0"/>
-          <a:chExt cx="0" cy="0"/>
-        </a:xfrm>
-      </p:grpSpPr>
-      <p:pic>
-        <p:nvPicPr>
-          <p:cNvPr id="27" name="Picture 26"/>
-          <p:cNvPicPr>
-            <a:picLocks noChangeAspect="1"/>
-          </p:cNvPicPr>
-          <p:nvPr/>
-        </p:nvPicPr>
-        <p:blipFill>
-          <a:blip r:embed="rId2">
-            <a:extLst>
-              <a:ext uri="{28A0092B-C50C-407E-A947-70E740481C1C}">
-                <a14:useLocalDpi xmlns:a14="http://schemas.microsoft.com/office/drawing/2010/main" val="0"/>
-              </a:ext>
-            </a:extLst>
-          </a:blip>
-          <a:stretch>
-            <a:fillRect/>
-          </a:stretch>
-        </p:blipFill>
-        <p:spPr>
-          <a:xfrm>
-            <a:off x="0" y="632963"/>
-            <a:ext cx="9010650" cy="4510537"/>
-          </a:xfrm>
-          <a:prstGeom prst="rect">
-            <a:avLst/>
-          </a:prstGeom>
-        </p:spPr>
-      </p:pic>
       <p:sp>
         <p:nvSpPr>
-          <p:cNvPr id="4" name="TextBox 3"/>
+          <p:cNvPr id="18" name="TextBox 17"/>
           <p:cNvSpPr txBox="1"/>
           <p:nvPr/>
         </p:nvSpPr>
         <p:spPr>
           <a:xfrm>
-            <a:off x="76200" y="85725"/>
-            <a:ext cx="872355" cy="400110"/>
-          </a:xfrm>
-          <a:prstGeom prst="rect">
-            <a:avLst/>
-          </a:prstGeom>
-          <a:noFill/>
-        </p:spPr>
-        <p:txBody>
-          <a:bodyPr wrap="none" rtlCol="0">
-            <a:spAutoFit/>
-          </a:bodyPr>
-          <a:lstStyle/>
-          <a:p>
-            <a:r>
-              <a:rPr lang="en-US" sz="2000" dirty="0">
-                <a:solidFill>
-                  <a:schemeClr val="tx1"/>
-                </a:solidFill>
-                <a:latin typeface="Roboto Slab" panose="020B0604020202020204" charset="0"/>
-                <a:ea typeface="Roboto Slab" panose="020B0604020202020204" charset="0"/>
-              </a:rPr>
-              <a:t>Aegis</a:t>
-            </a:r>
-          </a:p>
-        </p:txBody>
-      </p:sp>
-      <p:pic>
-        <p:nvPicPr>
-          <p:cNvPr id="8" name="Picture 7"/>
-          <p:cNvPicPr>
-            <a:picLocks noChangeAspect="1"/>
-          </p:cNvPicPr>
-          <p:nvPr/>
-        </p:nvPicPr>
-        <p:blipFill>
-          <a:blip r:embed="rId3">
-            <a:extLst>
-              <a:ext uri="{28A0092B-C50C-407E-A947-70E740481C1C}">
-                <a14:useLocalDpi xmlns:a14="http://schemas.microsoft.com/office/drawing/2010/main" val="0"/>
-              </a:ext>
-            </a:extLst>
-          </a:blip>
-          <a:stretch>
-            <a:fillRect/>
-          </a:stretch>
-        </p:blipFill>
-        <p:spPr>
-          <a:xfrm>
-            <a:off x="1094494" y="93629"/>
-            <a:ext cx="387991" cy="386098"/>
-          </a:xfrm>
-          <a:prstGeom prst="ellipse">
-            <a:avLst/>
-          </a:prstGeom>
-        </p:spPr>
-      </p:pic>
-      <p:pic>
-        <p:nvPicPr>
-          <p:cNvPr id="9" name="Picture 8">
-            <a:hlinkClick r:id="rId4" action="ppaction://hlinksldjump"/>
-          </p:cNvPr>
-          <p:cNvPicPr>
-            <a:picLocks noChangeAspect="1"/>
-          </p:cNvPicPr>
-          <p:nvPr/>
-        </p:nvPicPr>
-        <p:blipFill>
-          <a:blip r:embed="rId5">
-            <a:extLst>
-              <a:ext uri="{28A0092B-C50C-407E-A947-70E740481C1C}">
-                <a14:useLocalDpi xmlns:a14="http://schemas.microsoft.com/office/drawing/2010/main" val="0"/>
-              </a:ext>
-            </a:extLst>
-          </a:blip>
-          <a:stretch>
-            <a:fillRect/>
-          </a:stretch>
-        </p:blipFill>
-        <p:spPr>
-          <a:xfrm>
-            <a:off x="1609595" y="87719"/>
-            <a:ext cx="398115" cy="398115"/>
-          </a:xfrm>
-          <a:prstGeom prst="ellipse">
-            <a:avLst/>
-          </a:prstGeom>
-        </p:spPr>
-      </p:pic>
-      <p:pic>
-        <p:nvPicPr>
-          <p:cNvPr id="10" name="Picture 9">
-            <a:hlinkClick r:id="rId6" action="ppaction://hlinksldjump"/>
-          </p:cNvPr>
-          <p:cNvPicPr>
-            <a:picLocks noChangeAspect="1"/>
-          </p:cNvPicPr>
-          <p:nvPr/>
-        </p:nvPicPr>
-        <p:blipFill>
-          <a:blip r:embed="rId7">
-            <a:extLst>
-              <a:ext uri="{28A0092B-C50C-407E-A947-70E740481C1C}">
-                <a14:useLocalDpi xmlns:a14="http://schemas.microsoft.com/office/drawing/2010/main" val="0"/>
-              </a:ext>
-            </a:extLst>
-          </a:blip>
-          <a:stretch>
-            <a:fillRect/>
-          </a:stretch>
-        </p:blipFill>
-        <p:spPr>
-          <a:xfrm>
-            <a:off x="2134860" y="87433"/>
-            <a:ext cx="396983" cy="398401"/>
-          </a:xfrm>
-          <a:prstGeom prst="ellipse">
-            <a:avLst/>
-          </a:prstGeom>
-        </p:spPr>
-      </p:pic>
-      <p:pic>
-        <p:nvPicPr>
-          <p:cNvPr id="12" name="Picture 11"/>
-          <p:cNvPicPr>
-            <a:picLocks noChangeAspect="1"/>
-          </p:cNvPicPr>
-          <p:nvPr/>
-        </p:nvPicPr>
-        <p:blipFill>
-          <a:blip r:embed="rId8">
-            <a:extLst>
-              <a:ext uri="{28A0092B-C50C-407E-A947-70E740481C1C}">
-                <a14:useLocalDpi xmlns:a14="http://schemas.microsoft.com/office/drawing/2010/main" val="0"/>
-              </a:ext>
-            </a:extLst>
-          </a:blip>
-          <a:stretch>
-            <a:fillRect/>
-          </a:stretch>
-        </p:blipFill>
-        <p:spPr>
-          <a:xfrm>
-            <a:off x="9010650" y="619125"/>
-            <a:ext cx="133350" cy="4524375"/>
-          </a:xfrm>
-          <a:prstGeom prst="rect">
-            <a:avLst/>
-          </a:prstGeom>
-        </p:spPr>
-      </p:pic>
-      <p:cxnSp>
-        <p:nvCxnSpPr>
-          <p:cNvPr id="24" name="Straight Connector 23"/>
-          <p:cNvCxnSpPr/>
-          <p:nvPr/>
-        </p:nvCxnSpPr>
-        <p:spPr>
-          <a:xfrm>
-            <a:off x="939030" y="85725"/>
-            <a:ext cx="0" cy="400109"/>
-          </a:xfrm>
-          <a:prstGeom prst="line">
-            <a:avLst/>
-          </a:prstGeom>
-        </p:spPr>
-        <p:style>
-          <a:lnRef idx="1">
-            <a:schemeClr val="accent1"/>
-          </a:lnRef>
-          <a:fillRef idx="0">
-            <a:schemeClr val="accent1"/>
-          </a:fillRef>
-          <a:effectRef idx="0">
-            <a:schemeClr val="accent1"/>
-          </a:effectRef>
-          <a:fontRef idx="minor">
-            <a:schemeClr val="tx1"/>
-          </a:fontRef>
-        </p:style>
-      </p:cxnSp>
-      <p:pic>
-        <p:nvPicPr>
-          <p:cNvPr id="25" name="Picture 24">
-            <a:hlinkClick r:id="rId9" action="ppaction://hlinksldjump"/>
-          </p:cNvPr>
-          <p:cNvPicPr>
-            <a:picLocks noChangeAspect="1"/>
-          </p:cNvPicPr>
-          <p:nvPr/>
-        </p:nvPicPr>
-        <p:blipFill rotWithShape="1">
-          <a:blip r:embed="rId10">
-            <a:extLst>
-              <a:ext uri="{28A0092B-C50C-407E-A947-70E740481C1C}">
-                <a14:useLocalDpi xmlns:a14="http://schemas.microsoft.com/office/drawing/2010/main" val="0"/>
-              </a:ext>
-            </a:extLst>
-          </a:blip>
-          <a:srcRect l="7062" t="8653" r="55026" b="52885"/>
-          <a:stretch/>
-        </p:blipFill>
-        <p:spPr>
-          <a:xfrm>
-            <a:off x="84286" y="3823607"/>
-            <a:ext cx="557971" cy="566057"/>
-          </a:xfrm>
-          <a:prstGeom prst="ellipse">
-            <a:avLst/>
-          </a:prstGeom>
-        </p:spPr>
-      </p:pic>
-      <p:pic>
-        <p:nvPicPr>
-          <p:cNvPr id="28" name="Picture 27">
-            <a:hlinkClick r:id="rId11" action="ppaction://hlinksldjump"/>
-          </p:cNvPr>
-          <p:cNvPicPr>
-            <a:picLocks noChangeAspect="1"/>
-          </p:cNvPicPr>
-          <p:nvPr/>
-        </p:nvPicPr>
-        <p:blipFill>
-          <a:blip r:embed="rId12">
-            <a:extLst>
-              <a:ext uri="{28A0092B-C50C-407E-A947-70E740481C1C}">
-                <a14:useLocalDpi xmlns:a14="http://schemas.microsoft.com/office/drawing/2010/main" val="0"/>
-              </a:ext>
-            </a:extLst>
-          </a:blip>
-          <a:stretch>
-            <a:fillRect/>
-          </a:stretch>
-        </p:blipFill>
-        <p:spPr>
-          <a:xfrm>
-            <a:off x="76200" y="4444093"/>
-            <a:ext cx="566057" cy="566057"/>
-          </a:xfrm>
-          <a:prstGeom prst="rect">
-            <a:avLst/>
-          </a:prstGeom>
-        </p:spPr>
-      </p:pic>
-      <p:sp>
-        <p:nvSpPr>
-          <p:cNvPr id="42" name="TextBox 41">
-            <a:hlinkClick r:id="rId13" action="ppaction://hlinksldjump"/>
-          </p:cNvPr>
-          <p:cNvSpPr txBox="1"/>
-          <p:nvPr/>
-        </p:nvSpPr>
-        <p:spPr>
-          <a:xfrm>
-            <a:off x="5588516" y="224225"/>
-            <a:ext cx="1034257" cy="261610"/>
+            <a:off x="8518164" y="219075"/>
+            <a:ext cx="671979" cy="253916"/>
           </a:xfrm>
           <a:prstGeom prst="rect">
             <a:avLst/>
@@ -2915,57 +2599,20 @@
                 <a:latin typeface="Roboto Slab" panose="020B0604020202020204" charset="0"/>
                 <a:ea typeface="Roboto Slab" panose="020B0604020202020204" charset="0"/>
               </a:rPr>
-              <a:t>Infographics</a:t>
-            </a:r>
-          </a:p>
-        </p:txBody>
-      </p:sp>
-      <p:sp>
-        <p:nvSpPr>
-          <p:cNvPr id="43" name="TextBox 42">
-            <a:hlinkClick r:id="rId14" action="ppaction://hlinksldjump"/>
-          </p:cNvPr>
-          <p:cNvSpPr txBox="1"/>
-          <p:nvPr/>
-        </p:nvSpPr>
-        <p:spPr>
-          <a:xfrm>
-            <a:off x="6622774" y="224225"/>
-            <a:ext cx="1348446" cy="261610"/>
-          </a:xfrm>
-          <a:prstGeom prst="rect">
-            <a:avLst/>
-          </a:prstGeom>
-          <a:noFill/>
-        </p:spPr>
-        <p:txBody>
-          <a:bodyPr wrap="none" rtlCol="0">
-            <a:spAutoFit/>
-          </a:bodyPr>
-          <a:lstStyle/>
-          <a:p>
-            <a:r>
-              <a:rPr lang="en-US" sz="1050" dirty="0">
-                <a:solidFill>
-                  <a:schemeClr val="tx1"/>
-                </a:solidFill>
-                <a:latin typeface="Roboto Slab" panose="020B0604020202020204" charset="0"/>
-                <a:ea typeface="Roboto Slab" panose="020B0604020202020204" charset="0"/>
-              </a:rPr>
-              <a:t>Contact Numbers</a:t>
+              <a:t>Sign up</a:t>
             </a:r>
           </a:p>
         </p:txBody>
       </p:sp>
       <p:cxnSp>
         <p:nvCxnSpPr>
-          <p:cNvPr id="45" name="Straight Connector 44"/>
+          <p:cNvPr id="19" name="Straight Connector 18"/>
           <p:cNvCxnSpPr/>
           <p:nvPr/>
         </p:nvCxnSpPr>
         <p:spPr>
           <a:xfrm>
-            <a:off x="7971221" y="171216"/>
+            <a:off x="8518166" y="171216"/>
             <a:ext cx="0" cy="309469"/>
           </a:xfrm>
           <a:prstGeom prst="line">
@@ -2988,1141 +2635,10 @@
           </a:fontRef>
         </p:style>
       </p:cxnSp>
-      <p:cxnSp>
-        <p:nvCxnSpPr>
-          <p:cNvPr id="46" name="Straight Connector 45"/>
-          <p:cNvCxnSpPr/>
-          <p:nvPr/>
-        </p:nvCxnSpPr>
-        <p:spPr>
-          <a:xfrm>
-            <a:off x="6616336" y="169507"/>
-            <a:ext cx="0" cy="309469"/>
-          </a:xfrm>
-          <a:prstGeom prst="line">
-            <a:avLst/>
-          </a:prstGeom>
-          <a:ln w="12700"/>
-        </p:spPr>
-        <p:style>
-          <a:lnRef idx="2">
-            <a:schemeClr val="accent4"/>
-          </a:lnRef>
-          <a:fillRef idx="0">
-            <a:schemeClr val="accent4"/>
-          </a:fillRef>
-          <a:effectRef idx="1">
-            <a:schemeClr val="accent4"/>
-          </a:effectRef>
-          <a:fontRef idx="minor">
-            <a:schemeClr val="tx1"/>
-          </a:fontRef>
-        </p:style>
-      </p:cxnSp>
-      <p:sp>
-        <p:nvSpPr>
-          <p:cNvPr id="18" name="TextBox 17">
-            <a:hlinkClick r:id="rId14" action="ppaction://hlinksldjump"/>
-          </p:cNvPr>
-          <p:cNvSpPr txBox="1"/>
-          <p:nvPr/>
-        </p:nvSpPr>
-        <p:spPr>
-          <a:xfrm>
-            <a:off x="7971222" y="216530"/>
-            <a:ext cx="482824" cy="253916"/>
-          </a:xfrm>
-          <a:prstGeom prst="rect">
-            <a:avLst/>
-          </a:prstGeom>
-          <a:noFill/>
-        </p:spPr>
-        <p:txBody>
-          <a:bodyPr wrap="none" rtlCol="0">
-            <a:spAutoFit/>
-          </a:bodyPr>
-          <a:lstStyle/>
-          <a:p>
-            <a:r>
-              <a:rPr lang="en-US" sz="1050" dirty="0">
-                <a:solidFill>
-                  <a:schemeClr val="tx1"/>
-                </a:solidFill>
-                <a:latin typeface="Roboto Slab" panose="020B0604020202020204" charset="0"/>
-                <a:ea typeface="Roboto Slab" panose="020B0604020202020204" charset="0"/>
-              </a:rPr>
-              <a:t>Gary</a:t>
-            </a:r>
-          </a:p>
-        </p:txBody>
-      </p:sp>
-      <p:sp>
-        <p:nvSpPr>
-          <p:cNvPr id="3" name="Isosceles Triangle 2"/>
-          <p:cNvSpPr/>
-          <p:nvPr/>
-        </p:nvSpPr>
-        <p:spPr>
-          <a:xfrm rot="10800000">
-            <a:off x="8454046" y="324241"/>
-            <a:ext cx="86592" cy="63687"/>
-          </a:xfrm>
-          <a:prstGeom prst="triangle">
-            <a:avLst/>
-          </a:prstGeom>
-          <a:solidFill>
-            <a:schemeClr val="accent1">
-              <a:lumMod val="40000"/>
-              <a:lumOff val="60000"/>
-            </a:schemeClr>
-          </a:solidFill>
-          <a:ln>
-            <a:noFill/>
-          </a:ln>
-        </p:spPr>
-        <p:style>
-          <a:lnRef idx="2">
-            <a:schemeClr val="dk1"/>
-          </a:lnRef>
-          <a:fillRef idx="1">
-            <a:schemeClr val="lt1"/>
-          </a:fillRef>
-          <a:effectRef idx="0">
-            <a:schemeClr val="dk1"/>
-          </a:effectRef>
-          <a:fontRef idx="minor">
-            <a:schemeClr val="dk1"/>
-          </a:fontRef>
-        </p:style>
-        <p:txBody>
-          <a:bodyPr rtlCol="0" anchor="ctr"/>
-          <a:lstStyle/>
-          <a:p>
-            <a:pPr algn="ctr"/>
-            <a:endParaRPr lang="en-PH"/>
-          </a:p>
-        </p:txBody>
-      </p:sp>
-      <p:grpSp>
-        <p:nvGrpSpPr>
-          <p:cNvPr id="6" name="Group 5"/>
-          <p:cNvGrpSpPr/>
-          <p:nvPr/>
-        </p:nvGrpSpPr>
-        <p:grpSpPr>
-          <a:xfrm>
-            <a:off x="7971220" y="648353"/>
-            <a:ext cx="1172780" cy="1596084"/>
-            <a:chOff x="7971220" y="648353"/>
-            <a:chExt cx="1172780" cy="1596084"/>
-          </a:xfrm>
-        </p:grpSpPr>
-        <p:sp>
-          <p:nvSpPr>
-            <p:cNvPr id="5" name="Rectangle 4"/>
-            <p:cNvSpPr/>
-            <p:nvPr/>
-          </p:nvSpPr>
-          <p:spPr>
-            <a:xfrm>
-              <a:off x="7971220" y="648353"/>
-              <a:ext cx="1172780" cy="1596084"/>
-            </a:xfrm>
-            <a:prstGeom prst="rect">
-              <a:avLst/>
-            </a:prstGeom>
-            <a:solidFill>
-              <a:schemeClr val="tx1"/>
-            </a:solidFill>
-            <a:ln w="12700">
-              <a:solidFill>
-                <a:schemeClr val="tx2"/>
-              </a:solidFill>
-            </a:ln>
-          </p:spPr>
-          <p:style>
-            <a:lnRef idx="2">
-              <a:schemeClr val="accent1">
-                <a:shade val="50000"/>
-              </a:schemeClr>
-            </a:lnRef>
-            <a:fillRef idx="1">
-              <a:schemeClr val="accent1"/>
-            </a:fillRef>
-            <a:effectRef idx="0">
-              <a:schemeClr val="accent1"/>
-            </a:effectRef>
-            <a:fontRef idx="minor">
-              <a:schemeClr val="lt1"/>
-            </a:fontRef>
-          </p:style>
-          <p:txBody>
-            <a:bodyPr rtlCol="0" anchor="ctr"/>
-            <a:lstStyle/>
-            <a:p>
-              <a:pPr algn="ctr"/>
-              <a:endParaRPr lang="en-PH"/>
-            </a:p>
-          </p:txBody>
-        </p:sp>
-        <p:sp>
-          <p:nvSpPr>
-            <p:cNvPr id="20" name="TextBox 19">
-              <a:hlinkClick r:id="rId13" action="ppaction://hlinksldjump"/>
-            </p:cNvPr>
-            <p:cNvSpPr txBox="1"/>
-            <p:nvPr/>
-          </p:nvSpPr>
-          <p:spPr>
-            <a:xfrm>
-              <a:off x="7980213" y="721049"/>
-              <a:ext cx="747320" cy="253916"/>
-            </a:xfrm>
-            <a:prstGeom prst="rect">
-              <a:avLst/>
-            </a:prstGeom>
-            <a:noFill/>
-          </p:spPr>
-          <p:txBody>
-            <a:bodyPr wrap="none" rtlCol="0">
-              <a:spAutoFit/>
-            </a:bodyPr>
-            <a:lstStyle/>
-            <a:p>
-              <a:r>
-                <a:rPr lang="en-US" sz="1050" dirty="0">
-                  <a:solidFill>
-                    <a:schemeClr val="tx2">
-                      <a:lumMod val="50000"/>
-                    </a:schemeClr>
-                  </a:solidFill>
-                  <a:latin typeface="Roboto Slab" panose="020B0604020202020204" charset="0"/>
-                  <a:ea typeface="Roboto Slab" panose="020B0604020202020204" charset="0"/>
-                </a:rPr>
-                <a:t>Contacts</a:t>
-              </a:r>
-            </a:p>
-          </p:txBody>
-        </p:sp>
-        <p:sp>
-          <p:nvSpPr>
-            <p:cNvPr id="21" name="TextBox 20">
-              <a:hlinkClick r:id="rId13" action="ppaction://hlinksldjump"/>
-            </p:cNvPr>
-            <p:cNvSpPr txBox="1"/>
-            <p:nvPr/>
-          </p:nvSpPr>
-          <p:spPr>
-            <a:xfrm>
-              <a:off x="7980213" y="1010524"/>
-              <a:ext cx="639919" cy="253916"/>
-            </a:xfrm>
-            <a:prstGeom prst="rect">
-              <a:avLst/>
-            </a:prstGeom>
-            <a:noFill/>
-          </p:spPr>
-          <p:txBody>
-            <a:bodyPr wrap="none" rtlCol="0">
-              <a:spAutoFit/>
-            </a:bodyPr>
-            <a:lstStyle/>
-            <a:p>
-              <a:r>
-                <a:rPr lang="en-US" sz="1050" dirty="0">
-                  <a:solidFill>
-                    <a:schemeClr val="tx2">
-                      <a:lumMod val="50000"/>
-                    </a:schemeClr>
-                  </a:solidFill>
-                  <a:latin typeface="Roboto Slab" panose="020B0604020202020204" charset="0"/>
-                  <a:ea typeface="Roboto Slab" panose="020B0604020202020204" charset="0"/>
-                </a:rPr>
-                <a:t>Groups</a:t>
-              </a:r>
-            </a:p>
-          </p:txBody>
-        </p:sp>
-        <p:sp>
-          <p:nvSpPr>
-            <p:cNvPr id="22" name="TextBox 21">
-              <a:hlinkClick r:id="rId13" action="ppaction://hlinksldjump"/>
-            </p:cNvPr>
-            <p:cNvSpPr txBox="1"/>
-            <p:nvPr/>
-          </p:nvSpPr>
-          <p:spPr>
-            <a:xfrm>
-              <a:off x="7980213" y="1299999"/>
-              <a:ext cx="484428" cy="253916"/>
-            </a:xfrm>
-            <a:prstGeom prst="rect">
-              <a:avLst/>
-            </a:prstGeom>
-            <a:noFill/>
-          </p:spPr>
-          <p:txBody>
-            <a:bodyPr wrap="none" rtlCol="0">
-              <a:spAutoFit/>
-            </a:bodyPr>
-            <a:lstStyle/>
-            <a:p>
-              <a:r>
-                <a:rPr lang="en-US" sz="1050" dirty="0">
-                  <a:solidFill>
-                    <a:schemeClr val="tx2">
-                      <a:lumMod val="50000"/>
-                    </a:schemeClr>
-                  </a:solidFill>
-                  <a:latin typeface="Roboto Slab" panose="020B0604020202020204" charset="0"/>
-                  <a:ea typeface="Roboto Slab" panose="020B0604020202020204" charset="0"/>
-                </a:rPr>
-                <a:t>Help</a:t>
-              </a:r>
-            </a:p>
-          </p:txBody>
-        </p:sp>
-        <p:sp>
-          <p:nvSpPr>
-            <p:cNvPr id="23" name="TextBox 22">
-              <a:hlinkClick r:id="rId13" action="ppaction://hlinksldjump"/>
-            </p:cNvPr>
-            <p:cNvSpPr txBox="1"/>
-            <p:nvPr/>
-          </p:nvSpPr>
-          <p:spPr>
-            <a:xfrm>
-              <a:off x="7990326" y="1587499"/>
-              <a:ext cx="715260" cy="253916"/>
-            </a:xfrm>
-            <a:prstGeom prst="rect">
-              <a:avLst/>
-            </a:prstGeom>
-            <a:noFill/>
-          </p:spPr>
-          <p:txBody>
-            <a:bodyPr wrap="none" rtlCol="0">
-              <a:spAutoFit/>
-            </a:bodyPr>
-            <a:lstStyle/>
-            <a:p>
-              <a:r>
-                <a:rPr lang="en-US" sz="1050" dirty="0">
-                  <a:solidFill>
-                    <a:schemeClr val="tx2">
-                      <a:lumMod val="50000"/>
-                    </a:schemeClr>
-                  </a:solidFill>
-                  <a:latin typeface="Roboto Slab" panose="020B0604020202020204" charset="0"/>
-                  <a:ea typeface="Roboto Slab" panose="020B0604020202020204" charset="0"/>
-                </a:rPr>
-                <a:t>Settings</a:t>
-              </a:r>
-            </a:p>
-          </p:txBody>
-        </p:sp>
-        <p:sp>
-          <p:nvSpPr>
-            <p:cNvPr id="26" name="TextBox 25">
-              <a:hlinkClick r:id="rId13" action="ppaction://hlinksldjump"/>
-            </p:cNvPr>
-            <p:cNvSpPr txBox="1"/>
-            <p:nvPr/>
-          </p:nvSpPr>
-          <p:spPr>
-            <a:xfrm>
-              <a:off x="7996423" y="1876974"/>
-              <a:ext cx="622286" cy="253916"/>
-            </a:xfrm>
-            <a:prstGeom prst="rect">
-              <a:avLst/>
-            </a:prstGeom>
-            <a:noFill/>
-          </p:spPr>
-          <p:txBody>
-            <a:bodyPr wrap="none" rtlCol="0">
-              <a:spAutoFit/>
-            </a:bodyPr>
-            <a:lstStyle/>
-            <a:p>
-              <a:r>
-                <a:rPr lang="en-US" sz="1050" dirty="0">
-                  <a:solidFill>
-                    <a:schemeClr val="tx2">
-                      <a:lumMod val="50000"/>
-                    </a:schemeClr>
-                  </a:solidFill>
-                  <a:latin typeface="Roboto Slab" panose="020B0604020202020204" charset="0"/>
-                  <a:ea typeface="Roboto Slab" panose="020B0604020202020204" charset="0"/>
-                </a:rPr>
-                <a:t>Logout</a:t>
-              </a:r>
-            </a:p>
-          </p:txBody>
-        </p:sp>
-      </p:grpSp>
     </p:spTree>
     <p:extLst>
       <p:ext uri="{BB962C8B-B14F-4D97-AF65-F5344CB8AC3E}">
-        <p14:creationId xmlns:p14="http://schemas.microsoft.com/office/powerpoint/2010/main" val="1310536966"/>
-      </p:ext>
-    </p:extLst>
-  </p:cSld>
-  <p:clrMapOvr>
-    <a:masterClrMapping/>
-  </p:clrMapOvr>
-</p:sld>
-</file>
-
-<file path=ppt/slides/slide11.xml><?xml version="1.0" encoding="utf-8"?>
-<p:sld xmlns:a="http://schemas.openxmlformats.org/drawingml/2006/main" xmlns:r="http://schemas.openxmlformats.org/officeDocument/2006/relationships" xmlns:p="http://schemas.openxmlformats.org/presentationml/2006/main">
-  <p:cSld>
-    <p:bg>
-      <p:bgPr>
-        <a:solidFill>
-          <a:schemeClr val="lt1"/>
-        </a:solidFill>
-        <a:effectLst/>
-      </p:bgPr>
-    </p:bg>
-    <p:spTree>
-      <p:nvGrpSpPr>
-        <p:cNvPr id="1" name=""/>
-        <p:cNvGrpSpPr/>
-        <p:nvPr/>
-      </p:nvGrpSpPr>
-      <p:grpSpPr>
-        <a:xfrm>
-          <a:off x="0" y="0"/>
-          <a:ext cx="0" cy="0"/>
-          <a:chOff x="0" y="0"/>
-          <a:chExt cx="0" cy="0"/>
-        </a:xfrm>
-      </p:grpSpPr>
-      <p:sp>
-        <p:nvSpPr>
-          <p:cNvPr id="3" name="Rectangle 2"/>
-          <p:cNvSpPr/>
-          <p:nvPr/>
-        </p:nvSpPr>
-        <p:spPr>
-          <a:xfrm>
-            <a:off x="0" y="619125"/>
-            <a:ext cx="9144000" cy="4524375"/>
-          </a:xfrm>
-          <a:prstGeom prst="rect">
-            <a:avLst/>
-          </a:prstGeom>
-          <a:solidFill>
-            <a:schemeClr val="tx1"/>
-          </a:solidFill>
-          <a:ln>
-            <a:noFill/>
-          </a:ln>
-        </p:spPr>
-        <p:style>
-          <a:lnRef idx="2">
-            <a:schemeClr val="accent1">
-              <a:shade val="50000"/>
-            </a:schemeClr>
-          </a:lnRef>
-          <a:fillRef idx="1">
-            <a:schemeClr val="accent1"/>
-          </a:fillRef>
-          <a:effectRef idx="0">
-            <a:schemeClr val="accent1"/>
-          </a:effectRef>
-          <a:fontRef idx="minor">
-            <a:schemeClr val="lt1"/>
-          </a:fontRef>
-        </p:style>
-        <p:txBody>
-          <a:bodyPr rtlCol="0" anchor="ctr"/>
-          <a:lstStyle/>
-          <a:p>
-            <a:pPr algn="ctr"/>
-            <a:endParaRPr lang="en-PH"/>
-          </a:p>
-        </p:txBody>
-      </p:sp>
-      <p:sp>
-        <p:nvSpPr>
-          <p:cNvPr id="4" name="TextBox 3"/>
-          <p:cNvSpPr txBox="1"/>
-          <p:nvPr/>
-        </p:nvSpPr>
-        <p:spPr>
-          <a:xfrm>
-            <a:off x="76200" y="85725"/>
-            <a:ext cx="872355" cy="400110"/>
-          </a:xfrm>
-          <a:prstGeom prst="rect">
-            <a:avLst/>
-          </a:prstGeom>
-          <a:noFill/>
-        </p:spPr>
-        <p:txBody>
-          <a:bodyPr wrap="none" rtlCol="0">
-            <a:spAutoFit/>
-          </a:bodyPr>
-          <a:lstStyle/>
-          <a:p>
-            <a:r>
-              <a:rPr lang="en-US" sz="2000" dirty="0">
-                <a:solidFill>
-                  <a:schemeClr val="tx1"/>
-                </a:solidFill>
-                <a:latin typeface="Roboto Slab" panose="020B0604020202020204" charset="0"/>
-                <a:ea typeface="Roboto Slab" panose="020B0604020202020204" charset="0"/>
-              </a:rPr>
-              <a:t>Aegis</a:t>
-            </a:r>
-          </a:p>
-        </p:txBody>
-      </p:sp>
-      <p:pic>
-        <p:nvPicPr>
-          <p:cNvPr id="8" name="Picture 7"/>
-          <p:cNvPicPr>
-            <a:picLocks noChangeAspect="1"/>
-          </p:cNvPicPr>
-          <p:nvPr/>
-        </p:nvPicPr>
-        <p:blipFill>
-          <a:blip r:embed="rId2">
-            <a:extLst>
-              <a:ext uri="{28A0092B-C50C-407E-A947-70E740481C1C}">
-                <a14:useLocalDpi xmlns:a14="http://schemas.microsoft.com/office/drawing/2010/main" val="0"/>
-              </a:ext>
-            </a:extLst>
-          </a:blip>
-          <a:stretch>
-            <a:fillRect/>
-          </a:stretch>
-        </p:blipFill>
-        <p:spPr>
-          <a:xfrm>
-            <a:off x="1094494" y="93629"/>
-            <a:ext cx="387991" cy="386098"/>
-          </a:xfrm>
-          <a:prstGeom prst="ellipse">
-            <a:avLst/>
-          </a:prstGeom>
-        </p:spPr>
-      </p:pic>
-      <p:pic>
-        <p:nvPicPr>
-          <p:cNvPr id="9" name="Picture 8">
-            <a:hlinkClick r:id="rId3" action="ppaction://hlinksldjump"/>
-          </p:cNvPr>
-          <p:cNvPicPr>
-            <a:picLocks noChangeAspect="1"/>
-          </p:cNvPicPr>
-          <p:nvPr/>
-        </p:nvPicPr>
-        <p:blipFill>
-          <a:blip r:embed="rId4">
-            <a:extLst>
-              <a:ext uri="{28A0092B-C50C-407E-A947-70E740481C1C}">
-                <a14:useLocalDpi xmlns:a14="http://schemas.microsoft.com/office/drawing/2010/main" val="0"/>
-              </a:ext>
-            </a:extLst>
-          </a:blip>
-          <a:stretch>
-            <a:fillRect/>
-          </a:stretch>
-        </p:blipFill>
-        <p:spPr>
-          <a:xfrm>
-            <a:off x="1609595" y="87719"/>
-            <a:ext cx="398115" cy="398115"/>
-          </a:xfrm>
-          <a:prstGeom prst="ellipse">
-            <a:avLst/>
-          </a:prstGeom>
-        </p:spPr>
-      </p:pic>
-      <p:pic>
-        <p:nvPicPr>
-          <p:cNvPr id="10" name="Picture 9">
-            <a:hlinkClick r:id="rId5" action="ppaction://hlinksldjump"/>
-          </p:cNvPr>
-          <p:cNvPicPr>
-            <a:picLocks noChangeAspect="1"/>
-          </p:cNvPicPr>
-          <p:nvPr/>
-        </p:nvPicPr>
-        <p:blipFill>
-          <a:blip r:embed="rId6">
-            <a:extLst>
-              <a:ext uri="{28A0092B-C50C-407E-A947-70E740481C1C}">
-                <a14:useLocalDpi xmlns:a14="http://schemas.microsoft.com/office/drawing/2010/main" val="0"/>
-              </a:ext>
-            </a:extLst>
-          </a:blip>
-          <a:stretch>
-            <a:fillRect/>
-          </a:stretch>
-        </p:blipFill>
-        <p:spPr>
-          <a:xfrm>
-            <a:off x="2134860" y="87433"/>
-            <a:ext cx="396983" cy="398401"/>
-          </a:xfrm>
-          <a:prstGeom prst="ellipse">
-            <a:avLst/>
-          </a:prstGeom>
-        </p:spPr>
-      </p:pic>
-      <p:cxnSp>
-        <p:nvCxnSpPr>
-          <p:cNvPr id="24" name="Straight Connector 23"/>
-          <p:cNvCxnSpPr/>
-          <p:nvPr/>
-        </p:nvCxnSpPr>
-        <p:spPr>
-          <a:xfrm>
-            <a:off x="939030" y="85725"/>
-            <a:ext cx="0" cy="400109"/>
-          </a:xfrm>
-          <a:prstGeom prst="line">
-            <a:avLst/>
-          </a:prstGeom>
-        </p:spPr>
-        <p:style>
-          <a:lnRef idx="1">
-            <a:schemeClr val="accent1"/>
-          </a:lnRef>
-          <a:fillRef idx="0">
-            <a:schemeClr val="accent1"/>
-          </a:fillRef>
-          <a:effectRef idx="0">
-            <a:schemeClr val="accent1"/>
-          </a:effectRef>
-          <a:fontRef idx="minor">
-            <a:schemeClr val="tx1"/>
-          </a:fontRef>
-        </p:style>
-      </p:cxnSp>
-      <p:sp>
-        <p:nvSpPr>
-          <p:cNvPr id="42" name="TextBox 41">
-            <a:hlinkClick r:id="rId7" action="ppaction://hlinksldjump"/>
-          </p:cNvPr>
-          <p:cNvSpPr txBox="1"/>
-          <p:nvPr/>
-        </p:nvSpPr>
-        <p:spPr>
-          <a:xfrm>
-            <a:off x="5588516" y="224225"/>
-            <a:ext cx="1034257" cy="261610"/>
-          </a:xfrm>
-          <a:prstGeom prst="rect">
-            <a:avLst/>
-          </a:prstGeom>
-          <a:noFill/>
-        </p:spPr>
-        <p:txBody>
-          <a:bodyPr wrap="none" rtlCol="0">
-            <a:spAutoFit/>
-          </a:bodyPr>
-          <a:lstStyle/>
-          <a:p>
-            <a:r>
-              <a:rPr lang="en-US" sz="1050" dirty="0">
-                <a:solidFill>
-                  <a:schemeClr val="tx1"/>
-                </a:solidFill>
-                <a:latin typeface="Roboto Slab" panose="020B0604020202020204" charset="0"/>
-                <a:ea typeface="Roboto Slab" panose="020B0604020202020204" charset="0"/>
-              </a:rPr>
-              <a:t>Infographics</a:t>
-            </a:r>
-          </a:p>
-        </p:txBody>
-      </p:sp>
-      <p:sp>
-        <p:nvSpPr>
-          <p:cNvPr id="43" name="TextBox 42">
-            <a:hlinkClick r:id="rId8" action="ppaction://hlinksldjump"/>
-          </p:cNvPr>
-          <p:cNvSpPr txBox="1"/>
-          <p:nvPr/>
-        </p:nvSpPr>
-        <p:spPr>
-          <a:xfrm>
-            <a:off x="6622774" y="224225"/>
-            <a:ext cx="1348446" cy="261610"/>
-          </a:xfrm>
-          <a:prstGeom prst="rect">
-            <a:avLst/>
-          </a:prstGeom>
-          <a:noFill/>
-        </p:spPr>
-        <p:txBody>
-          <a:bodyPr wrap="none" rtlCol="0">
-            <a:spAutoFit/>
-          </a:bodyPr>
-          <a:lstStyle/>
-          <a:p>
-            <a:r>
-              <a:rPr lang="en-US" sz="1050" dirty="0">
-                <a:solidFill>
-                  <a:schemeClr val="tx1"/>
-                </a:solidFill>
-                <a:latin typeface="Roboto Slab" panose="020B0604020202020204" charset="0"/>
-                <a:ea typeface="Roboto Slab" panose="020B0604020202020204" charset="0"/>
-              </a:rPr>
-              <a:t>Contact Numbers</a:t>
-            </a:r>
-          </a:p>
-        </p:txBody>
-      </p:sp>
-      <p:cxnSp>
-        <p:nvCxnSpPr>
-          <p:cNvPr id="45" name="Straight Connector 44"/>
-          <p:cNvCxnSpPr/>
-          <p:nvPr/>
-        </p:nvCxnSpPr>
-        <p:spPr>
-          <a:xfrm>
-            <a:off x="7971221" y="171216"/>
-            <a:ext cx="0" cy="309469"/>
-          </a:xfrm>
-          <a:prstGeom prst="line">
-            <a:avLst/>
-          </a:prstGeom>
-          <a:ln w="12700"/>
-        </p:spPr>
-        <p:style>
-          <a:lnRef idx="2">
-            <a:schemeClr val="accent4"/>
-          </a:lnRef>
-          <a:fillRef idx="0">
-            <a:schemeClr val="accent4"/>
-          </a:fillRef>
-          <a:effectRef idx="1">
-            <a:schemeClr val="accent4"/>
-          </a:effectRef>
-          <a:fontRef idx="minor">
-            <a:schemeClr val="tx1"/>
-          </a:fontRef>
-        </p:style>
-      </p:cxnSp>
-      <p:cxnSp>
-        <p:nvCxnSpPr>
-          <p:cNvPr id="46" name="Straight Connector 45"/>
-          <p:cNvCxnSpPr/>
-          <p:nvPr/>
-        </p:nvCxnSpPr>
-        <p:spPr>
-          <a:xfrm>
-            <a:off x="6616336" y="169507"/>
-            <a:ext cx="0" cy="309469"/>
-          </a:xfrm>
-          <a:prstGeom prst="line">
-            <a:avLst/>
-          </a:prstGeom>
-          <a:ln w="12700"/>
-        </p:spPr>
-        <p:style>
-          <a:lnRef idx="2">
-            <a:schemeClr val="accent4"/>
-          </a:lnRef>
-          <a:fillRef idx="0">
-            <a:schemeClr val="accent4"/>
-          </a:fillRef>
-          <a:effectRef idx="1">
-            <a:schemeClr val="accent4"/>
-          </a:effectRef>
-          <a:fontRef idx="minor">
-            <a:schemeClr val="tx1"/>
-          </a:fontRef>
-        </p:style>
-      </p:cxnSp>
-      <p:sp>
-        <p:nvSpPr>
-          <p:cNvPr id="26" name="TextBox 25">
-            <a:hlinkClick r:id="rId8" action="ppaction://hlinksldjump"/>
-          </p:cNvPr>
-          <p:cNvSpPr txBox="1"/>
-          <p:nvPr/>
-        </p:nvSpPr>
-        <p:spPr>
-          <a:xfrm>
-            <a:off x="7971222" y="216530"/>
-            <a:ext cx="482824" cy="253916"/>
-          </a:xfrm>
-          <a:prstGeom prst="rect">
-            <a:avLst/>
-          </a:prstGeom>
-          <a:noFill/>
-        </p:spPr>
-        <p:txBody>
-          <a:bodyPr wrap="none" rtlCol="0">
-            <a:spAutoFit/>
-          </a:bodyPr>
-          <a:lstStyle/>
-          <a:p>
-            <a:r>
-              <a:rPr lang="en-US" sz="1050" dirty="0">
-                <a:solidFill>
-                  <a:schemeClr val="tx1"/>
-                </a:solidFill>
-                <a:latin typeface="Roboto Slab" panose="020B0604020202020204" charset="0"/>
-                <a:ea typeface="Roboto Slab" panose="020B0604020202020204" charset="0"/>
-              </a:rPr>
-              <a:t>Gary</a:t>
-            </a:r>
-          </a:p>
-        </p:txBody>
-      </p:sp>
-      <p:sp>
-        <p:nvSpPr>
-          <p:cNvPr id="29" name="Isosceles Triangle 28"/>
-          <p:cNvSpPr/>
-          <p:nvPr/>
-        </p:nvSpPr>
-        <p:spPr>
-          <a:xfrm rot="10800000">
-            <a:off x="8454046" y="324241"/>
-            <a:ext cx="86592" cy="63687"/>
-          </a:xfrm>
-          <a:prstGeom prst="triangle">
-            <a:avLst/>
-          </a:prstGeom>
-          <a:solidFill>
-            <a:schemeClr val="accent1">
-              <a:lumMod val="40000"/>
-              <a:lumOff val="60000"/>
-            </a:schemeClr>
-          </a:solidFill>
-          <a:ln>
-            <a:noFill/>
-          </a:ln>
-        </p:spPr>
-        <p:style>
-          <a:lnRef idx="2">
-            <a:schemeClr val="dk1"/>
-          </a:lnRef>
-          <a:fillRef idx="1">
-            <a:schemeClr val="lt1"/>
-          </a:fillRef>
-          <a:effectRef idx="0">
-            <a:schemeClr val="dk1"/>
-          </a:effectRef>
-          <a:fontRef idx="minor">
-            <a:schemeClr val="dk1"/>
-          </a:fontRef>
-        </p:style>
-        <p:txBody>
-          <a:bodyPr rtlCol="0" anchor="ctr"/>
-          <a:lstStyle/>
-          <a:p>
-            <a:pPr algn="ctr"/>
-            <a:endParaRPr lang="en-PH"/>
-          </a:p>
-        </p:txBody>
-      </p:sp>
-      <p:grpSp>
-        <p:nvGrpSpPr>
-          <p:cNvPr id="30" name="Group 29"/>
-          <p:cNvGrpSpPr/>
-          <p:nvPr/>
-        </p:nvGrpSpPr>
-        <p:grpSpPr>
-          <a:xfrm>
-            <a:off x="7971220" y="648353"/>
-            <a:ext cx="1172780" cy="1596084"/>
-            <a:chOff x="7971220" y="648353"/>
-            <a:chExt cx="1172780" cy="1596084"/>
-          </a:xfrm>
-        </p:grpSpPr>
-        <p:sp>
-          <p:nvSpPr>
-            <p:cNvPr id="31" name="Rectangle 30"/>
-            <p:cNvSpPr/>
-            <p:nvPr/>
-          </p:nvSpPr>
-          <p:spPr>
-            <a:xfrm>
-              <a:off x="7971220" y="648353"/>
-              <a:ext cx="1172780" cy="1596084"/>
-            </a:xfrm>
-            <a:prstGeom prst="rect">
-              <a:avLst/>
-            </a:prstGeom>
-            <a:solidFill>
-              <a:schemeClr val="tx1"/>
-            </a:solidFill>
-            <a:ln w="12700">
-              <a:solidFill>
-                <a:schemeClr val="tx2"/>
-              </a:solidFill>
-            </a:ln>
-          </p:spPr>
-          <p:style>
-            <a:lnRef idx="2">
-              <a:schemeClr val="accent1">
-                <a:shade val="50000"/>
-              </a:schemeClr>
-            </a:lnRef>
-            <a:fillRef idx="1">
-              <a:schemeClr val="accent1"/>
-            </a:fillRef>
-            <a:effectRef idx="0">
-              <a:schemeClr val="accent1"/>
-            </a:effectRef>
-            <a:fontRef idx="minor">
-              <a:schemeClr val="lt1"/>
-            </a:fontRef>
-          </p:style>
-          <p:txBody>
-            <a:bodyPr rtlCol="0" anchor="ctr"/>
-            <a:lstStyle/>
-            <a:p>
-              <a:pPr algn="ctr"/>
-              <a:endParaRPr lang="en-PH"/>
-            </a:p>
-          </p:txBody>
-        </p:sp>
-        <p:sp>
-          <p:nvSpPr>
-            <p:cNvPr id="32" name="TextBox 31">
-              <a:hlinkClick r:id="rId7" action="ppaction://hlinksldjump"/>
-            </p:cNvPr>
-            <p:cNvSpPr txBox="1"/>
-            <p:nvPr/>
-          </p:nvSpPr>
-          <p:spPr>
-            <a:xfrm>
-              <a:off x="7980213" y="721049"/>
-              <a:ext cx="747320" cy="253916"/>
-            </a:xfrm>
-            <a:prstGeom prst="rect">
-              <a:avLst/>
-            </a:prstGeom>
-            <a:noFill/>
-          </p:spPr>
-          <p:txBody>
-            <a:bodyPr wrap="none" rtlCol="0">
-              <a:spAutoFit/>
-            </a:bodyPr>
-            <a:lstStyle/>
-            <a:p>
-              <a:r>
-                <a:rPr lang="en-US" sz="1050" dirty="0">
-                  <a:solidFill>
-                    <a:schemeClr val="tx2">
-                      <a:lumMod val="50000"/>
-                    </a:schemeClr>
-                  </a:solidFill>
-                  <a:latin typeface="Roboto Slab" panose="020B0604020202020204" charset="0"/>
-                  <a:ea typeface="Roboto Slab" panose="020B0604020202020204" charset="0"/>
-                </a:rPr>
-                <a:t>Contacts</a:t>
-              </a:r>
-            </a:p>
-          </p:txBody>
-        </p:sp>
-        <p:sp>
-          <p:nvSpPr>
-            <p:cNvPr id="33" name="TextBox 32">
-              <a:hlinkClick r:id="rId7" action="ppaction://hlinksldjump"/>
-            </p:cNvPr>
-            <p:cNvSpPr txBox="1"/>
-            <p:nvPr/>
-          </p:nvSpPr>
-          <p:spPr>
-            <a:xfrm>
-              <a:off x="7980213" y="1010524"/>
-              <a:ext cx="639919" cy="253916"/>
-            </a:xfrm>
-            <a:prstGeom prst="rect">
-              <a:avLst/>
-            </a:prstGeom>
-            <a:noFill/>
-          </p:spPr>
-          <p:txBody>
-            <a:bodyPr wrap="none" rtlCol="0">
-              <a:spAutoFit/>
-            </a:bodyPr>
-            <a:lstStyle/>
-            <a:p>
-              <a:r>
-                <a:rPr lang="en-US" sz="1050" dirty="0">
-                  <a:solidFill>
-                    <a:schemeClr val="tx2">
-                      <a:lumMod val="50000"/>
-                    </a:schemeClr>
-                  </a:solidFill>
-                  <a:latin typeface="Roboto Slab" panose="020B0604020202020204" charset="0"/>
-                  <a:ea typeface="Roboto Slab" panose="020B0604020202020204" charset="0"/>
-                </a:rPr>
-                <a:t>Groups</a:t>
-              </a:r>
-            </a:p>
-          </p:txBody>
-        </p:sp>
-        <p:sp>
-          <p:nvSpPr>
-            <p:cNvPr id="34" name="TextBox 33">
-              <a:hlinkClick r:id="rId7" action="ppaction://hlinksldjump"/>
-            </p:cNvPr>
-            <p:cNvSpPr txBox="1"/>
-            <p:nvPr/>
-          </p:nvSpPr>
-          <p:spPr>
-            <a:xfrm>
-              <a:off x="7980213" y="1299999"/>
-              <a:ext cx="484428" cy="253916"/>
-            </a:xfrm>
-            <a:prstGeom prst="rect">
-              <a:avLst/>
-            </a:prstGeom>
-            <a:noFill/>
-          </p:spPr>
-          <p:txBody>
-            <a:bodyPr wrap="none" rtlCol="0">
-              <a:spAutoFit/>
-            </a:bodyPr>
-            <a:lstStyle/>
-            <a:p>
-              <a:r>
-                <a:rPr lang="en-US" sz="1050" dirty="0">
-                  <a:solidFill>
-                    <a:schemeClr val="tx2">
-                      <a:lumMod val="50000"/>
-                    </a:schemeClr>
-                  </a:solidFill>
-                  <a:latin typeface="Roboto Slab" panose="020B0604020202020204" charset="0"/>
-                  <a:ea typeface="Roboto Slab" panose="020B0604020202020204" charset="0"/>
-                </a:rPr>
-                <a:t>Help</a:t>
-              </a:r>
-            </a:p>
-          </p:txBody>
-        </p:sp>
-        <p:sp>
-          <p:nvSpPr>
-            <p:cNvPr id="35" name="TextBox 34">
-              <a:hlinkClick r:id="rId7" action="ppaction://hlinksldjump"/>
-            </p:cNvPr>
-            <p:cNvSpPr txBox="1"/>
-            <p:nvPr/>
-          </p:nvSpPr>
-          <p:spPr>
-            <a:xfrm>
-              <a:off x="7990326" y="1587499"/>
-              <a:ext cx="715260" cy="253916"/>
-            </a:xfrm>
-            <a:prstGeom prst="rect">
-              <a:avLst/>
-            </a:prstGeom>
-            <a:noFill/>
-          </p:spPr>
-          <p:txBody>
-            <a:bodyPr wrap="none" rtlCol="0">
-              <a:spAutoFit/>
-            </a:bodyPr>
-            <a:lstStyle/>
-            <a:p>
-              <a:r>
-                <a:rPr lang="en-US" sz="1050" dirty="0">
-                  <a:solidFill>
-                    <a:schemeClr val="tx2">
-                      <a:lumMod val="50000"/>
-                    </a:schemeClr>
-                  </a:solidFill>
-                  <a:latin typeface="Roboto Slab" panose="020B0604020202020204" charset="0"/>
-                  <a:ea typeface="Roboto Slab" panose="020B0604020202020204" charset="0"/>
-                </a:rPr>
-                <a:t>Settings</a:t>
-              </a:r>
-            </a:p>
-          </p:txBody>
-        </p:sp>
-        <p:sp>
-          <p:nvSpPr>
-            <p:cNvPr id="36" name="TextBox 35">
-              <a:hlinkClick r:id="rId7" action="ppaction://hlinksldjump"/>
-            </p:cNvPr>
-            <p:cNvSpPr txBox="1"/>
-            <p:nvPr/>
-          </p:nvSpPr>
-          <p:spPr>
-            <a:xfrm>
-              <a:off x="7996423" y="1876974"/>
-              <a:ext cx="622286" cy="253916"/>
-            </a:xfrm>
-            <a:prstGeom prst="rect">
-              <a:avLst/>
-            </a:prstGeom>
-            <a:noFill/>
-          </p:spPr>
-          <p:txBody>
-            <a:bodyPr wrap="none" rtlCol="0">
-              <a:spAutoFit/>
-            </a:bodyPr>
-            <a:lstStyle/>
-            <a:p>
-              <a:r>
-                <a:rPr lang="en-US" sz="1050" dirty="0">
-                  <a:solidFill>
-                    <a:schemeClr val="tx2">
-                      <a:lumMod val="50000"/>
-                    </a:schemeClr>
-                  </a:solidFill>
-                  <a:latin typeface="Roboto Slab" panose="020B0604020202020204" charset="0"/>
-                  <a:ea typeface="Roboto Slab" panose="020B0604020202020204" charset="0"/>
-                </a:rPr>
-                <a:t>Logout</a:t>
-              </a:r>
-            </a:p>
-          </p:txBody>
-        </p:sp>
-      </p:grpSp>
-      <p:sp>
-        <p:nvSpPr>
-          <p:cNvPr id="38" name="TextBox 37">
-            <a:hlinkClick r:id="rId9" action="ppaction://hlinksldjump"/>
-          </p:cNvPr>
-          <p:cNvSpPr txBox="1"/>
-          <p:nvPr/>
-        </p:nvSpPr>
-        <p:spPr>
-          <a:xfrm>
-            <a:off x="533314" y="864330"/>
-            <a:ext cx="1510350" cy="400110"/>
-          </a:xfrm>
-          <a:prstGeom prst="rect">
-            <a:avLst/>
-          </a:prstGeom>
-          <a:noFill/>
-        </p:spPr>
-        <p:txBody>
-          <a:bodyPr wrap="none" rtlCol="0">
-            <a:spAutoFit/>
-          </a:bodyPr>
-          <a:lstStyle/>
-          <a:p>
-            <a:r>
-              <a:rPr lang="en-US" sz="2000" b="1" dirty="0">
-                <a:solidFill>
-                  <a:schemeClr val="bg1"/>
-                </a:solidFill>
-                <a:latin typeface="Roboto Slab" panose="020B0604020202020204" charset="0"/>
-                <a:ea typeface="Roboto Slab" panose="020B0604020202020204" charset="0"/>
-              </a:rPr>
-              <a:t>My Groups</a:t>
-            </a:r>
-          </a:p>
-        </p:txBody>
-      </p:sp>
-    </p:spTree>
-    <p:extLst>
-      <p:ext uri="{BB962C8B-B14F-4D97-AF65-F5344CB8AC3E}">
-        <p14:creationId xmlns:p14="http://schemas.microsoft.com/office/powerpoint/2010/main" val="998583972"/>
+        <p14:creationId xmlns:p14="http://schemas.microsoft.com/office/powerpoint/2010/main" val="2151623317"/>
       </p:ext>
     </p:extLst>
   </p:cSld>
@@ -4433,7 +2949,7 @@
       </p:pic>
       <p:sp>
         <p:nvSpPr>
-          <p:cNvPr id="59" name="TextBox 58">
+          <p:cNvPr id="16" name="TextBox 15">
             <a:hlinkClick r:id="rId13" action="ppaction://hlinksldjump"/>
           </p:cNvPr>
           <p:cNvSpPr txBox="1"/>
@@ -4470,7 +2986,7 @@
       </p:sp>
       <p:sp>
         <p:nvSpPr>
-          <p:cNvPr id="60" name="TextBox 59">
+          <p:cNvPr id="17" name="TextBox 16">
             <a:hlinkClick r:id="rId14" action="ppaction://hlinksldjump"/>
           </p:cNvPr>
           <p:cNvSpPr txBox="1"/>
@@ -4507,7 +3023,7 @@
       </p:sp>
       <p:sp>
         <p:nvSpPr>
-          <p:cNvPr id="61" name="TextBox 60"/>
+          <p:cNvPr id="18" name="TextBox 17"/>
           <p:cNvSpPr txBox="1"/>
           <p:nvPr/>
         </p:nvSpPr>
@@ -4542,7 +3058,7 @@
       </p:sp>
       <p:cxnSp>
         <p:nvCxnSpPr>
-          <p:cNvPr id="62" name="Straight Connector 61"/>
+          <p:cNvPr id="19" name="Straight Connector 18"/>
           <p:cNvCxnSpPr/>
           <p:nvPr/>
         </p:nvCxnSpPr>
@@ -4573,13 +3089,79 @@
       </p:cxnSp>
       <p:cxnSp>
         <p:nvCxnSpPr>
-          <p:cNvPr id="63" name="Straight Connector 62"/>
+          <p:cNvPr id="20" name="Straight Connector 19"/>
           <p:cNvCxnSpPr/>
           <p:nvPr/>
         </p:nvCxnSpPr>
         <p:spPr>
           <a:xfrm>
             <a:off x="6616336" y="169507"/>
+            <a:ext cx="0" cy="309469"/>
+          </a:xfrm>
+          <a:prstGeom prst="line">
+            <a:avLst/>
+          </a:prstGeom>
+          <a:ln w="12700"/>
+        </p:spPr>
+        <p:style>
+          <a:lnRef idx="2">
+            <a:schemeClr val="accent4"/>
+          </a:lnRef>
+          <a:fillRef idx="0">
+            <a:schemeClr val="accent4"/>
+          </a:fillRef>
+          <a:effectRef idx="1">
+            <a:schemeClr val="accent4"/>
+          </a:effectRef>
+          <a:fontRef idx="minor">
+            <a:schemeClr val="tx1"/>
+          </a:fontRef>
+        </p:style>
+      </p:cxnSp>
+      <p:sp>
+        <p:nvSpPr>
+          <p:cNvPr id="21" name="TextBox 20"/>
+          <p:cNvSpPr txBox="1"/>
+          <p:nvPr/>
+        </p:nvSpPr>
+        <p:spPr>
+          <a:xfrm>
+            <a:off x="8518164" y="219075"/>
+            <a:ext cx="671979" cy="253916"/>
+          </a:xfrm>
+          <a:prstGeom prst="rect">
+            <a:avLst/>
+          </a:prstGeom>
+          <a:noFill/>
+        </p:spPr>
+        <p:txBody>
+          <a:bodyPr wrap="none" rtlCol="0">
+            <a:spAutoFit/>
+          </a:bodyPr>
+          <a:lstStyle/>
+          <a:p>
+            <a:r>
+              <a:rPr lang="en-US" sz="1050" dirty="0">
+                <a:solidFill>
+                  <a:schemeClr val="tx1"/>
+                </a:solidFill>
+                <a:latin typeface="Roboto Slab" panose="020B0604020202020204" charset="0"/>
+                <a:ea typeface="Roboto Slab" panose="020B0604020202020204" charset="0"/>
+              </a:rPr>
+              <a:t>Sign up</a:t>
+            </a:r>
+          </a:p>
+        </p:txBody>
+      </p:sp>
+      <p:cxnSp>
+        <p:nvCxnSpPr>
+          <p:cNvPr id="22" name="Straight Connector 21"/>
+          <p:cNvCxnSpPr/>
+          <p:nvPr/>
+        </p:nvCxnSpPr>
+        <p:spPr>
+          <a:xfrm>
+            <a:off x="8518166" y="171216"/>
             <a:ext cx="0" cy="309469"/>
           </a:xfrm>
           <a:prstGeom prst="line">
@@ -4916,7 +3498,7 @@
       </p:pic>
       <p:sp>
         <p:nvSpPr>
-          <p:cNvPr id="40" name="TextBox 39">
+          <p:cNvPr id="16" name="TextBox 15">
             <a:hlinkClick r:id="rId13" action="ppaction://hlinksldjump"/>
           </p:cNvPr>
           <p:cNvSpPr txBox="1"/>
@@ -4953,7 +3535,7 @@
       </p:sp>
       <p:sp>
         <p:nvSpPr>
-          <p:cNvPr id="41" name="TextBox 40">
+          <p:cNvPr id="17" name="TextBox 16">
             <a:hlinkClick r:id="rId14" action="ppaction://hlinksldjump"/>
           </p:cNvPr>
           <p:cNvSpPr txBox="1"/>
@@ -4990,7 +3572,7 @@
       </p:sp>
       <p:sp>
         <p:nvSpPr>
-          <p:cNvPr id="42" name="TextBox 41"/>
+          <p:cNvPr id="18" name="TextBox 17"/>
           <p:cNvSpPr txBox="1"/>
           <p:nvPr/>
         </p:nvSpPr>
@@ -5025,7 +3607,7 @@
       </p:sp>
       <p:cxnSp>
         <p:nvCxnSpPr>
-          <p:cNvPr id="43" name="Straight Connector 42"/>
+          <p:cNvPr id="19" name="Straight Connector 18"/>
           <p:cNvCxnSpPr/>
           <p:nvPr/>
         </p:nvCxnSpPr>
@@ -5056,13 +3638,79 @@
       </p:cxnSp>
       <p:cxnSp>
         <p:nvCxnSpPr>
-          <p:cNvPr id="44" name="Straight Connector 43"/>
+          <p:cNvPr id="20" name="Straight Connector 19"/>
           <p:cNvCxnSpPr/>
           <p:nvPr/>
         </p:nvCxnSpPr>
         <p:spPr>
           <a:xfrm>
             <a:off x="6616336" y="169507"/>
+            <a:ext cx="0" cy="309469"/>
+          </a:xfrm>
+          <a:prstGeom prst="line">
+            <a:avLst/>
+          </a:prstGeom>
+          <a:ln w="12700"/>
+        </p:spPr>
+        <p:style>
+          <a:lnRef idx="2">
+            <a:schemeClr val="accent4"/>
+          </a:lnRef>
+          <a:fillRef idx="0">
+            <a:schemeClr val="accent4"/>
+          </a:fillRef>
+          <a:effectRef idx="1">
+            <a:schemeClr val="accent4"/>
+          </a:effectRef>
+          <a:fontRef idx="minor">
+            <a:schemeClr val="tx1"/>
+          </a:fontRef>
+        </p:style>
+      </p:cxnSp>
+      <p:sp>
+        <p:nvSpPr>
+          <p:cNvPr id="21" name="TextBox 20"/>
+          <p:cNvSpPr txBox="1"/>
+          <p:nvPr/>
+        </p:nvSpPr>
+        <p:spPr>
+          <a:xfrm>
+            <a:off x="8518164" y="219075"/>
+            <a:ext cx="671979" cy="253916"/>
+          </a:xfrm>
+          <a:prstGeom prst="rect">
+            <a:avLst/>
+          </a:prstGeom>
+          <a:noFill/>
+        </p:spPr>
+        <p:txBody>
+          <a:bodyPr wrap="none" rtlCol="0">
+            <a:spAutoFit/>
+          </a:bodyPr>
+          <a:lstStyle/>
+          <a:p>
+            <a:r>
+              <a:rPr lang="en-US" sz="1050" dirty="0">
+                <a:solidFill>
+                  <a:schemeClr val="tx1"/>
+                </a:solidFill>
+                <a:latin typeface="Roboto Slab" panose="020B0604020202020204" charset="0"/>
+                <a:ea typeface="Roboto Slab" panose="020B0604020202020204" charset="0"/>
+              </a:rPr>
+              <a:t>Sign up</a:t>
+            </a:r>
+          </a:p>
+        </p:txBody>
+      </p:sp>
+      <p:cxnSp>
+        <p:nvCxnSpPr>
+          <p:cNvPr id="22" name="Straight Connector 21"/>
+          <p:cNvCxnSpPr/>
+          <p:nvPr/>
+        </p:nvCxnSpPr>
+        <p:spPr>
+          <a:xfrm>
+            <a:off x="8518166" y="171216"/>
             <a:ext cx="0" cy="309469"/>
           </a:xfrm>
           <a:prstGeom prst="line">
@@ -5423,7 +4071,7 @@
       </p:pic>
       <p:sp>
         <p:nvSpPr>
-          <p:cNvPr id="40" name="TextBox 39">
+          <p:cNvPr id="17" name="TextBox 16">
             <a:hlinkClick r:id="rId11" action="ppaction://hlinksldjump"/>
           </p:cNvPr>
           <p:cNvSpPr txBox="1"/>
@@ -5460,7 +4108,7 @@
       </p:sp>
       <p:sp>
         <p:nvSpPr>
-          <p:cNvPr id="41" name="TextBox 40">
+          <p:cNvPr id="18" name="TextBox 17">
             <a:hlinkClick r:id="rId12" action="ppaction://hlinksldjump"/>
           </p:cNvPr>
           <p:cNvSpPr txBox="1"/>
@@ -5497,7 +4145,7 @@
       </p:sp>
       <p:sp>
         <p:nvSpPr>
-          <p:cNvPr id="42" name="TextBox 41"/>
+          <p:cNvPr id="19" name="TextBox 18"/>
           <p:cNvSpPr txBox="1"/>
           <p:nvPr/>
         </p:nvSpPr>
@@ -5532,7 +4180,7 @@
       </p:sp>
       <p:cxnSp>
         <p:nvCxnSpPr>
-          <p:cNvPr id="43" name="Straight Connector 42"/>
+          <p:cNvPr id="20" name="Straight Connector 19"/>
           <p:cNvCxnSpPr/>
           <p:nvPr/>
         </p:nvCxnSpPr>
@@ -5563,13 +4211,79 @@
       </p:cxnSp>
       <p:cxnSp>
         <p:nvCxnSpPr>
-          <p:cNvPr id="44" name="Straight Connector 43"/>
+          <p:cNvPr id="21" name="Straight Connector 20"/>
           <p:cNvCxnSpPr/>
           <p:nvPr/>
         </p:nvCxnSpPr>
         <p:spPr>
           <a:xfrm>
             <a:off x="6616336" y="169507"/>
+            <a:ext cx="0" cy="309469"/>
+          </a:xfrm>
+          <a:prstGeom prst="line">
+            <a:avLst/>
+          </a:prstGeom>
+          <a:ln w="12700"/>
+        </p:spPr>
+        <p:style>
+          <a:lnRef idx="2">
+            <a:schemeClr val="accent4"/>
+          </a:lnRef>
+          <a:fillRef idx="0">
+            <a:schemeClr val="accent4"/>
+          </a:fillRef>
+          <a:effectRef idx="1">
+            <a:schemeClr val="accent4"/>
+          </a:effectRef>
+          <a:fontRef idx="minor">
+            <a:schemeClr val="tx1"/>
+          </a:fontRef>
+        </p:style>
+      </p:cxnSp>
+      <p:sp>
+        <p:nvSpPr>
+          <p:cNvPr id="22" name="TextBox 21"/>
+          <p:cNvSpPr txBox="1"/>
+          <p:nvPr/>
+        </p:nvSpPr>
+        <p:spPr>
+          <a:xfrm>
+            <a:off x="8518164" y="219075"/>
+            <a:ext cx="671979" cy="253916"/>
+          </a:xfrm>
+          <a:prstGeom prst="rect">
+            <a:avLst/>
+          </a:prstGeom>
+          <a:noFill/>
+        </p:spPr>
+        <p:txBody>
+          <a:bodyPr wrap="none" rtlCol="0">
+            <a:spAutoFit/>
+          </a:bodyPr>
+          <a:lstStyle/>
+          <a:p>
+            <a:r>
+              <a:rPr lang="en-US" sz="1050" dirty="0">
+                <a:solidFill>
+                  <a:schemeClr val="tx1"/>
+                </a:solidFill>
+                <a:latin typeface="Roboto Slab" panose="020B0604020202020204" charset="0"/>
+                <a:ea typeface="Roboto Slab" panose="020B0604020202020204" charset="0"/>
+              </a:rPr>
+              <a:t>Sign up</a:t>
+            </a:r>
+          </a:p>
+        </p:txBody>
+      </p:sp>
+      <p:cxnSp>
+        <p:nvCxnSpPr>
+          <p:cNvPr id="23" name="Straight Connector 22"/>
+          <p:cNvCxnSpPr/>
+          <p:nvPr/>
+        </p:nvCxnSpPr>
+        <p:spPr>
+          <a:xfrm>
+            <a:off x="8518166" y="171216"/>
             <a:ext cx="0" cy="309469"/>
           </a:xfrm>
           <a:prstGeom prst="line">
@@ -6211,7 +4925,7 @@
       </p:pic>
       <p:sp>
         <p:nvSpPr>
-          <p:cNvPr id="41" name="TextBox 40">
+          <p:cNvPr id="29" name="TextBox 28">
             <a:hlinkClick r:id="rId11" action="ppaction://hlinksldjump"/>
           </p:cNvPr>
           <p:cNvSpPr txBox="1"/>
@@ -6248,7 +4962,7 @@
       </p:sp>
       <p:sp>
         <p:nvSpPr>
-          <p:cNvPr id="42" name="TextBox 41">
+          <p:cNvPr id="30" name="TextBox 29">
             <a:hlinkClick r:id="rId12" action="ppaction://hlinksldjump"/>
           </p:cNvPr>
           <p:cNvSpPr txBox="1"/>
@@ -6285,7 +4999,7 @@
       </p:sp>
       <p:sp>
         <p:nvSpPr>
-          <p:cNvPr id="43" name="TextBox 42"/>
+          <p:cNvPr id="31" name="TextBox 30"/>
           <p:cNvSpPr txBox="1"/>
           <p:nvPr/>
         </p:nvSpPr>
@@ -6320,7 +5034,7 @@
       </p:sp>
       <p:cxnSp>
         <p:nvCxnSpPr>
-          <p:cNvPr id="44" name="Straight Connector 43"/>
+          <p:cNvPr id="32" name="Straight Connector 31"/>
           <p:cNvCxnSpPr/>
           <p:nvPr/>
         </p:nvCxnSpPr>
@@ -6351,13 +5065,79 @@
       </p:cxnSp>
       <p:cxnSp>
         <p:nvCxnSpPr>
-          <p:cNvPr id="45" name="Straight Connector 44"/>
+          <p:cNvPr id="33" name="Straight Connector 32"/>
           <p:cNvCxnSpPr/>
           <p:nvPr/>
         </p:nvCxnSpPr>
         <p:spPr>
           <a:xfrm>
             <a:off x="6616336" y="169507"/>
+            <a:ext cx="0" cy="309469"/>
+          </a:xfrm>
+          <a:prstGeom prst="line">
+            <a:avLst/>
+          </a:prstGeom>
+          <a:ln w="12700"/>
+        </p:spPr>
+        <p:style>
+          <a:lnRef idx="2">
+            <a:schemeClr val="accent4"/>
+          </a:lnRef>
+          <a:fillRef idx="0">
+            <a:schemeClr val="accent4"/>
+          </a:fillRef>
+          <a:effectRef idx="1">
+            <a:schemeClr val="accent4"/>
+          </a:effectRef>
+          <a:fontRef idx="minor">
+            <a:schemeClr val="tx1"/>
+          </a:fontRef>
+        </p:style>
+      </p:cxnSp>
+      <p:sp>
+        <p:nvSpPr>
+          <p:cNvPr id="34" name="TextBox 33"/>
+          <p:cNvSpPr txBox="1"/>
+          <p:nvPr/>
+        </p:nvSpPr>
+        <p:spPr>
+          <a:xfrm>
+            <a:off x="8518164" y="219075"/>
+            <a:ext cx="671979" cy="253916"/>
+          </a:xfrm>
+          <a:prstGeom prst="rect">
+            <a:avLst/>
+          </a:prstGeom>
+          <a:noFill/>
+        </p:spPr>
+        <p:txBody>
+          <a:bodyPr wrap="none" rtlCol="0">
+            <a:spAutoFit/>
+          </a:bodyPr>
+          <a:lstStyle/>
+          <a:p>
+            <a:r>
+              <a:rPr lang="en-US" sz="1050" dirty="0">
+                <a:solidFill>
+                  <a:schemeClr val="tx1"/>
+                </a:solidFill>
+                <a:latin typeface="Roboto Slab" panose="020B0604020202020204" charset="0"/>
+                <a:ea typeface="Roboto Slab" panose="020B0604020202020204" charset="0"/>
+              </a:rPr>
+              <a:t>Sign up</a:t>
+            </a:r>
+          </a:p>
+        </p:txBody>
+      </p:sp>
+      <p:cxnSp>
+        <p:nvCxnSpPr>
+          <p:cNvPr id="35" name="Straight Connector 34"/>
+          <p:cNvCxnSpPr/>
+          <p:nvPr/>
+        </p:nvCxnSpPr>
+        <p:spPr>
+          <a:xfrm>
+            <a:off x="8518166" y="171216"/>
             <a:ext cx="0" cy="309469"/>
           </a:xfrm>
           <a:prstGeom prst="line">
@@ -6765,7 +5545,7 @@
       </p:pic>
       <p:sp>
         <p:nvSpPr>
-          <p:cNvPr id="39" name="TextBox 38">
+          <p:cNvPr id="18" name="TextBox 17">
             <a:hlinkClick r:id="rId9" action="ppaction://hlinksldjump"/>
           </p:cNvPr>
           <p:cNvSpPr txBox="1"/>
@@ -6802,7 +5582,7 @@
       </p:sp>
       <p:sp>
         <p:nvSpPr>
-          <p:cNvPr id="40" name="TextBox 39">
+          <p:cNvPr id="19" name="TextBox 18">
             <a:hlinkClick r:id="rId10" action="ppaction://hlinksldjump"/>
           </p:cNvPr>
           <p:cNvSpPr txBox="1"/>
@@ -6839,7 +5619,7 @@
       </p:sp>
       <p:sp>
         <p:nvSpPr>
-          <p:cNvPr id="41" name="TextBox 40"/>
+          <p:cNvPr id="20" name="TextBox 19"/>
           <p:cNvSpPr txBox="1"/>
           <p:nvPr/>
         </p:nvSpPr>
@@ -6874,7 +5654,7 @@
       </p:sp>
       <p:cxnSp>
         <p:nvCxnSpPr>
-          <p:cNvPr id="42" name="Straight Connector 41"/>
+          <p:cNvPr id="21" name="Straight Connector 20"/>
           <p:cNvCxnSpPr/>
           <p:nvPr/>
         </p:nvCxnSpPr>
@@ -6905,13 +5685,79 @@
       </p:cxnSp>
       <p:cxnSp>
         <p:nvCxnSpPr>
-          <p:cNvPr id="43" name="Straight Connector 42"/>
+          <p:cNvPr id="22" name="Straight Connector 21"/>
           <p:cNvCxnSpPr/>
           <p:nvPr/>
         </p:nvCxnSpPr>
         <p:spPr>
           <a:xfrm>
             <a:off x="6616336" y="169507"/>
+            <a:ext cx="0" cy="309469"/>
+          </a:xfrm>
+          <a:prstGeom prst="line">
+            <a:avLst/>
+          </a:prstGeom>
+          <a:ln w="12700"/>
+        </p:spPr>
+        <p:style>
+          <a:lnRef idx="2">
+            <a:schemeClr val="accent4"/>
+          </a:lnRef>
+          <a:fillRef idx="0">
+            <a:schemeClr val="accent4"/>
+          </a:fillRef>
+          <a:effectRef idx="1">
+            <a:schemeClr val="accent4"/>
+          </a:effectRef>
+          <a:fontRef idx="minor">
+            <a:schemeClr val="tx1"/>
+          </a:fontRef>
+        </p:style>
+      </p:cxnSp>
+      <p:sp>
+        <p:nvSpPr>
+          <p:cNvPr id="23" name="TextBox 22"/>
+          <p:cNvSpPr txBox="1"/>
+          <p:nvPr/>
+        </p:nvSpPr>
+        <p:spPr>
+          <a:xfrm>
+            <a:off x="8518164" y="219075"/>
+            <a:ext cx="671979" cy="253916"/>
+          </a:xfrm>
+          <a:prstGeom prst="rect">
+            <a:avLst/>
+          </a:prstGeom>
+          <a:noFill/>
+        </p:spPr>
+        <p:txBody>
+          <a:bodyPr wrap="none" rtlCol="0">
+            <a:spAutoFit/>
+          </a:bodyPr>
+          <a:lstStyle/>
+          <a:p>
+            <a:r>
+              <a:rPr lang="en-US" sz="1050" dirty="0">
+                <a:solidFill>
+                  <a:schemeClr val="tx1"/>
+                </a:solidFill>
+                <a:latin typeface="Roboto Slab" panose="020B0604020202020204" charset="0"/>
+                <a:ea typeface="Roboto Slab" panose="020B0604020202020204" charset="0"/>
+              </a:rPr>
+              <a:t>Sign up</a:t>
+            </a:r>
+          </a:p>
+        </p:txBody>
+      </p:sp>
+      <p:cxnSp>
+        <p:nvCxnSpPr>
+          <p:cNvPr id="25" name="Straight Connector 24"/>
+          <p:cNvCxnSpPr/>
+          <p:nvPr/>
+        </p:nvCxnSpPr>
+        <p:spPr>
+          <a:xfrm>
+            <a:off x="8518166" y="171216"/>
             <a:ext cx="0" cy="309469"/>
           </a:xfrm>
           <a:prstGeom prst="line">
@@ -7319,177 +6165,6 @@
       </p:pic>
       <p:sp>
         <p:nvSpPr>
-          <p:cNvPr id="42" name="TextBox 41">
-            <a:hlinkClick r:id="rId14" action="ppaction://hlinksldjump"/>
-          </p:cNvPr>
-          <p:cNvSpPr txBox="1"/>
-          <p:nvPr/>
-        </p:nvSpPr>
-        <p:spPr>
-          <a:xfrm>
-            <a:off x="5588516" y="224225"/>
-            <a:ext cx="1034257" cy="261610"/>
-          </a:xfrm>
-          <a:prstGeom prst="rect">
-            <a:avLst/>
-          </a:prstGeom>
-          <a:noFill/>
-        </p:spPr>
-        <p:txBody>
-          <a:bodyPr wrap="none" rtlCol="0">
-            <a:spAutoFit/>
-          </a:bodyPr>
-          <a:lstStyle/>
-          <a:p>
-            <a:r>
-              <a:rPr lang="en-US" sz="1050" dirty="0">
-                <a:solidFill>
-                  <a:schemeClr val="tx1"/>
-                </a:solidFill>
-                <a:latin typeface="Roboto Slab" panose="020B0604020202020204" charset="0"/>
-                <a:ea typeface="Roboto Slab" panose="020B0604020202020204" charset="0"/>
-              </a:rPr>
-              <a:t>Infographics</a:t>
-            </a:r>
-          </a:p>
-        </p:txBody>
-      </p:sp>
-      <p:sp>
-        <p:nvSpPr>
-          <p:cNvPr id="43" name="TextBox 42">
-            <a:hlinkClick r:id="rId15" action="ppaction://hlinksldjump"/>
-          </p:cNvPr>
-          <p:cNvSpPr txBox="1"/>
-          <p:nvPr/>
-        </p:nvSpPr>
-        <p:spPr>
-          <a:xfrm>
-            <a:off x="6622774" y="224225"/>
-            <a:ext cx="1348446" cy="261610"/>
-          </a:xfrm>
-          <a:prstGeom prst="rect">
-            <a:avLst/>
-          </a:prstGeom>
-          <a:noFill/>
-        </p:spPr>
-        <p:txBody>
-          <a:bodyPr wrap="none" rtlCol="0">
-            <a:spAutoFit/>
-          </a:bodyPr>
-          <a:lstStyle/>
-          <a:p>
-            <a:r>
-              <a:rPr lang="en-US" sz="1050" dirty="0">
-                <a:solidFill>
-                  <a:schemeClr val="tx1"/>
-                </a:solidFill>
-                <a:latin typeface="Roboto Slab" panose="020B0604020202020204" charset="0"/>
-                <a:ea typeface="Roboto Slab" panose="020B0604020202020204" charset="0"/>
-              </a:rPr>
-              <a:t>Contact Numbers</a:t>
-            </a:r>
-          </a:p>
-        </p:txBody>
-      </p:sp>
-      <p:sp>
-        <p:nvSpPr>
-          <p:cNvPr id="44" name="TextBox 43"/>
-          <p:cNvSpPr txBox="1"/>
-          <p:nvPr/>
-        </p:nvSpPr>
-        <p:spPr>
-          <a:xfrm>
-            <a:off x="7971221" y="219075"/>
-            <a:ext cx="546945" cy="253916"/>
-          </a:xfrm>
-          <a:prstGeom prst="rect">
-            <a:avLst/>
-          </a:prstGeom>
-          <a:noFill/>
-        </p:spPr>
-        <p:txBody>
-          <a:bodyPr wrap="none" rtlCol="0">
-            <a:spAutoFit/>
-          </a:bodyPr>
-          <a:lstStyle/>
-          <a:p>
-            <a:r>
-              <a:rPr lang="en-US" sz="1050" dirty="0">
-                <a:solidFill>
-                  <a:schemeClr val="tx1"/>
-                </a:solidFill>
-                <a:latin typeface="Roboto Slab" panose="020B0604020202020204" charset="0"/>
-                <a:ea typeface="Roboto Slab" panose="020B0604020202020204" charset="0"/>
-              </a:rPr>
-              <a:t>Login</a:t>
-            </a:r>
-          </a:p>
-        </p:txBody>
-      </p:sp>
-      <p:cxnSp>
-        <p:nvCxnSpPr>
-          <p:cNvPr id="45" name="Straight Connector 44"/>
-          <p:cNvCxnSpPr/>
-          <p:nvPr/>
-        </p:nvCxnSpPr>
-        <p:spPr>
-          <a:xfrm>
-            <a:off x="7971221" y="171216"/>
-            <a:ext cx="0" cy="309469"/>
-          </a:xfrm>
-          <a:prstGeom prst="line">
-            <a:avLst/>
-          </a:prstGeom>
-          <a:ln w="12700"/>
-        </p:spPr>
-        <p:style>
-          <a:lnRef idx="2">
-            <a:schemeClr val="accent4"/>
-          </a:lnRef>
-          <a:fillRef idx="0">
-            <a:schemeClr val="accent4"/>
-          </a:fillRef>
-          <a:effectRef idx="1">
-            <a:schemeClr val="accent4"/>
-          </a:effectRef>
-          <a:fontRef idx="minor">
-            <a:schemeClr val="tx1"/>
-          </a:fontRef>
-        </p:style>
-      </p:cxnSp>
-      <p:cxnSp>
-        <p:nvCxnSpPr>
-          <p:cNvPr id="46" name="Straight Connector 45"/>
-          <p:cNvCxnSpPr/>
-          <p:nvPr/>
-        </p:nvCxnSpPr>
-        <p:spPr>
-          <a:xfrm>
-            <a:off x="6616336" y="169507"/>
-            <a:ext cx="0" cy="309469"/>
-          </a:xfrm>
-          <a:prstGeom prst="line">
-            <a:avLst/>
-          </a:prstGeom>
-          <a:ln w="12700"/>
-        </p:spPr>
-        <p:style>
-          <a:lnRef idx="2">
-            <a:schemeClr val="accent4"/>
-          </a:lnRef>
-          <a:fillRef idx="0">
-            <a:schemeClr val="accent4"/>
-          </a:fillRef>
-          <a:effectRef idx="1">
-            <a:schemeClr val="accent4"/>
-          </a:effectRef>
-          <a:fontRef idx="minor">
-            <a:schemeClr val="tx1"/>
-          </a:fontRef>
-        </p:style>
-      </p:cxnSp>
-      <p:sp>
-        <p:nvSpPr>
           <p:cNvPr id="16" name="Rounded Rectangle 15"/>
           <p:cNvSpPr/>
           <p:nvPr/>
@@ -7753,7 +6428,7 @@
       <p:sp>
         <p:nvSpPr>
           <p:cNvPr id="22" name="TextBox 21">
-            <a:hlinkClick r:id="rId16" action="ppaction://hlinksldjump"/>
+            <a:hlinkClick r:id="rId14" action="ppaction://hlinksldjump"/>
           </p:cNvPr>
           <p:cNvSpPr txBox="1"/>
           <p:nvPr/>
@@ -7841,6 +6516,243 @@
           </a:p>
         </p:txBody>
       </p:sp>
+      <p:sp>
+        <p:nvSpPr>
+          <p:cNvPr id="35" name="TextBox 34">
+            <a:hlinkClick r:id="rId15" action="ppaction://hlinksldjump"/>
+          </p:cNvPr>
+          <p:cNvSpPr txBox="1"/>
+          <p:nvPr/>
+        </p:nvSpPr>
+        <p:spPr>
+          <a:xfrm>
+            <a:off x="5588516" y="224225"/>
+            <a:ext cx="1034257" cy="261610"/>
+          </a:xfrm>
+          <a:prstGeom prst="rect">
+            <a:avLst/>
+          </a:prstGeom>
+          <a:noFill/>
+        </p:spPr>
+        <p:txBody>
+          <a:bodyPr wrap="none" rtlCol="0">
+            <a:spAutoFit/>
+          </a:bodyPr>
+          <a:lstStyle/>
+          <a:p>
+            <a:r>
+              <a:rPr lang="en-US" sz="1050" dirty="0">
+                <a:solidFill>
+                  <a:schemeClr val="tx1"/>
+                </a:solidFill>
+                <a:latin typeface="Roboto Slab" panose="020B0604020202020204" charset="0"/>
+                <a:ea typeface="Roboto Slab" panose="020B0604020202020204" charset="0"/>
+              </a:rPr>
+              <a:t>Infographics</a:t>
+            </a:r>
+          </a:p>
+        </p:txBody>
+      </p:sp>
+      <p:sp>
+        <p:nvSpPr>
+          <p:cNvPr id="36" name="TextBox 35">
+            <a:hlinkClick r:id="rId16" action="ppaction://hlinksldjump"/>
+          </p:cNvPr>
+          <p:cNvSpPr txBox="1"/>
+          <p:nvPr/>
+        </p:nvSpPr>
+        <p:spPr>
+          <a:xfrm>
+            <a:off x="6622774" y="224225"/>
+            <a:ext cx="1348446" cy="261610"/>
+          </a:xfrm>
+          <a:prstGeom prst="rect">
+            <a:avLst/>
+          </a:prstGeom>
+          <a:noFill/>
+        </p:spPr>
+        <p:txBody>
+          <a:bodyPr wrap="none" rtlCol="0">
+            <a:spAutoFit/>
+          </a:bodyPr>
+          <a:lstStyle/>
+          <a:p>
+            <a:r>
+              <a:rPr lang="en-US" sz="1050" dirty="0">
+                <a:solidFill>
+                  <a:schemeClr val="tx1"/>
+                </a:solidFill>
+                <a:latin typeface="Roboto Slab" panose="020B0604020202020204" charset="0"/>
+                <a:ea typeface="Roboto Slab" panose="020B0604020202020204" charset="0"/>
+              </a:rPr>
+              <a:t>Contact Numbers</a:t>
+            </a:r>
+          </a:p>
+        </p:txBody>
+      </p:sp>
+      <p:sp>
+        <p:nvSpPr>
+          <p:cNvPr id="37" name="TextBox 36"/>
+          <p:cNvSpPr txBox="1"/>
+          <p:nvPr/>
+        </p:nvSpPr>
+        <p:spPr>
+          <a:xfrm>
+            <a:off x="7971221" y="219075"/>
+            <a:ext cx="546945" cy="253916"/>
+          </a:xfrm>
+          <a:prstGeom prst="rect">
+            <a:avLst/>
+          </a:prstGeom>
+          <a:noFill/>
+        </p:spPr>
+        <p:txBody>
+          <a:bodyPr wrap="none" rtlCol="0">
+            <a:spAutoFit/>
+          </a:bodyPr>
+          <a:lstStyle/>
+          <a:p>
+            <a:r>
+              <a:rPr lang="en-US" sz="1050" dirty="0">
+                <a:solidFill>
+                  <a:schemeClr val="tx1"/>
+                </a:solidFill>
+                <a:latin typeface="Roboto Slab" panose="020B0604020202020204" charset="0"/>
+                <a:ea typeface="Roboto Slab" panose="020B0604020202020204" charset="0"/>
+              </a:rPr>
+              <a:t>Login</a:t>
+            </a:r>
+          </a:p>
+        </p:txBody>
+      </p:sp>
+      <p:cxnSp>
+        <p:nvCxnSpPr>
+          <p:cNvPr id="38" name="Straight Connector 37"/>
+          <p:cNvCxnSpPr/>
+          <p:nvPr/>
+        </p:nvCxnSpPr>
+        <p:spPr>
+          <a:xfrm>
+            <a:off x="7971221" y="171216"/>
+            <a:ext cx="0" cy="309469"/>
+          </a:xfrm>
+          <a:prstGeom prst="line">
+            <a:avLst/>
+          </a:prstGeom>
+          <a:ln w="12700"/>
+        </p:spPr>
+        <p:style>
+          <a:lnRef idx="2">
+            <a:schemeClr val="accent4"/>
+          </a:lnRef>
+          <a:fillRef idx="0">
+            <a:schemeClr val="accent4"/>
+          </a:fillRef>
+          <a:effectRef idx="1">
+            <a:schemeClr val="accent4"/>
+          </a:effectRef>
+          <a:fontRef idx="minor">
+            <a:schemeClr val="tx1"/>
+          </a:fontRef>
+        </p:style>
+      </p:cxnSp>
+      <p:cxnSp>
+        <p:nvCxnSpPr>
+          <p:cNvPr id="39" name="Straight Connector 38"/>
+          <p:cNvCxnSpPr/>
+          <p:nvPr/>
+        </p:nvCxnSpPr>
+        <p:spPr>
+          <a:xfrm>
+            <a:off x="6616336" y="169507"/>
+            <a:ext cx="0" cy="309469"/>
+          </a:xfrm>
+          <a:prstGeom prst="line">
+            <a:avLst/>
+          </a:prstGeom>
+          <a:ln w="12700"/>
+        </p:spPr>
+        <p:style>
+          <a:lnRef idx="2">
+            <a:schemeClr val="accent4"/>
+          </a:lnRef>
+          <a:fillRef idx="0">
+            <a:schemeClr val="accent4"/>
+          </a:fillRef>
+          <a:effectRef idx="1">
+            <a:schemeClr val="accent4"/>
+          </a:effectRef>
+          <a:fontRef idx="minor">
+            <a:schemeClr val="tx1"/>
+          </a:fontRef>
+        </p:style>
+      </p:cxnSp>
+      <p:sp>
+        <p:nvSpPr>
+          <p:cNvPr id="40" name="TextBox 39"/>
+          <p:cNvSpPr txBox="1"/>
+          <p:nvPr/>
+        </p:nvSpPr>
+        <p:spPr>
+          <a:xfrm>
+            <a:off x="8518164" y="219075"/>
+            <a:ext cx="671979" cy="253916"/>
+          </a:xfrm>
+          <a:prstGeom prst="rect">
+            <a:avLst/>
+          </a:prstGeom>
+          <a:noFill/>
+        </p:spPr>
+        <p:txBody>
+          <a:bodyPr wrap="none" rtlCol="0">
+            <a:spAutoFit/>
+          </a:bodyPr>
+          <a:lstStyle/>
+          <a:p>
+            <a:r>
+              <a:rPr lang="en-US" sz="1050" dirty="0">
+                <a:solidFill>
+                  <a:schemeClr val="tx1"/>
+                </a:solidFill>
+                <a:latin typeface="Roboto Slab" panose="020B0604020202020204" charset="0"/>
+                <a:ea typeface="Roboto Slab" panose="020B0604020202020204" charset="0"/>
+              </a:rPr>
+              <a:t>Sign up</a:t>
+            </a:r>
+          </a:p>
+        </p:txBody>
+      </p:sp>
+      <p:cxnSp>
+        <p:nvCxnSpPr>
+          <p:cNvPr id="41" name="Straight Connector 40"/>
+          <p:cNvCxnSpPr/>
+          <p:nvPr/>
+        </p:nvCxnSpPr>
+        <p:spPr>
+          <a:xfrm>
+            <a:off x="8518166" y="171216"/>
+            <a:ext cx="0" cy="309469"/>
+          </a:xfrm>
+          <a:prstGeom prst="line">
+            <a:avLst/>
+          </a:prstGeom>
+          <a:ln w="12700"/>
+        </p:spPr>
+        <p:style>
+          <a:lnRef idx="2">
+            <a:schemeClr val="accent4"/>
+          </a:lnRef>
+          <a:fillRef idx="0">
+            <a:schemeClr val="accent4"/>
+          </a:fillRef>
+          <a:effectRef idx="1">
+            <a:schemeClr val="accent4"/>
+          </a:effectRef>
+          <a:fontRef idx="minor">
+            <a:schemeClr val="tx1"/>
+          </a:fontRef>
+        </p:style>
+      </p:cxnSp>
     </p:spTree>
     <p:extLst>
       <p:ext uri="{BB962C8B-B14F-4D97-AF65-F5344CB8AC3E}">
@@ -8236,177 +7148,6 @@
       </p:pic>
       <p:sp>
         <p:nvSpPr>
-          <p:cNvPr id="42" name="TextBox 41">
-            <a:hlinkClick r:id="rId14" action="ppaction://hlinksldjump"/>
-          </p:cNvPr>
-          <p:cNvSpPr txBox="1"/>
-          <p:nvPr/>
-        </p:nvSpPr>
-        <p:spPr>
-          <a:xfrm>
-            <a:off x="5588516" y="224225"/>
-            <a:ext cx="1034257" cy="261610"/>
-          </a:xfrm>
-          <a:prstGeom prst="rect">
-            <a:avLst/>
-          </a:prstGeom>
-          <a:noFill/>
-        </p:spPr>
-        <p:txBody>
-          <a:bodyPr wrap="none" rtlCol="0">
-            <a:spAutoFit/>
-          </a:bodyPr>
-          <a:lstStyle/>
-          <a:p>
-            <a:r>
-              <a:rPr lang="en-US" sz="1050" dirty="0">
-                <a:solidFill>
-                  <a:schemeClr val="tx1"/>
-                </a:solidFill>
-                <a:latin typeface="Roboto Slab" panose="020B0604020202020204" charset="0"/>
-                <a:ea typeface="Roboto Slab" panose="020B0604020202020204" charset="0"/>
-              </a:rPr>
-              <a:t>Infographics</a:t>
-            </a:r>
-          </a:p>
-        </p:txBody>
-      </p:sp>
-      <p:sp>
-        <p:nvSpPr>
-          <p:cNvPr id="43" name="TextBox 42">
-            <a:hlinkClick r:id="rId15" action="ppaction://hlinksldjump"/>
-          </p:cNvPr>
-          <p:cNvSpPr txBox="1"/>
-          <p:nvPr/>
-        </p:nvSpPr>
-        <p:spPr>
-          <a:xfrm>
-            <a:off x="6622774" y="224225"/>
-            <a:ext cx="1348446" cy="261610"/>
-          </a:xfrm>
-          <a:prstGeom prst="rect">
-            <a:avLst/>
-          </a:prstGeom>
-          <a:noFill/>
-        </p:spPr>
-        <p:txBody>
-          <a:bodyPr wrap="none" rtlCol="0">
-            <a:spAutoFit/>
-          </a:bodyPr>
-          <a:lstStyle/>
-          <a:p>
-            <a:r>
-              <a:rPr lang="en-US" sz="1050" dirty="0">
-                <a:solidFill>
-                  <a:schemeClr val="tx1"/>
-                </a:solidFill>
-                <a:latin typeface="Roboto Slab" panose="020B0604020202020204" charset="0"/>
-                <a:ea typeface="Roboto Slab" panose="020B0604020202020204" charset="0"/>
-              </a:rPr>
-              <a:t>Contact Numbers</a:t>
-            </a:r>
-          </a:p>
-        </p:txBody>
-      </p:sp>
-      <p:sp>
-        <p:nvSpPr>
-          <p:cNvPr id="44" name="TextBox 43"/>
-          <p:cNvSpPr txBox="1"/>
-          <p:nvPr/>
-        </p:nvSpPr>
-        <p:spPr>
-          <a:xfrm>
-            <a:off x="7971221" y="219075"/>
-            <a:ext cx="546945" cy="253916"/>
-          </a:xfrm>
-          <a:prstGeom prst="rect">
-            <a:avLst/>
-          </a:prstGeom>
-          <a:noFill/>
-        </p:spPr>
-        <p:txBody>
-          <a:bodyPr wrap="none" rtlCol="0">
-            <a:spAutoFit/>
-          </a:bodyPr>
-          <a:lstStyle/>
-          <a:p>
-            <a:r>
-              <a:rPr lang="en-US" sz="1050" dirty="0">
-                <a:solidFill>
-                  <a:schemeClr val="tx1"/>
-                </a:solidFill>
-                <a:latin typeface="Roboto Slab" panose="020B0604020202020204" charset="0"/>
-                <a:ea typeface="Roboto Slab" panose="020B0604020202020204" charset="0"/>
-              </a:rPr>
-              <a:t>Login</a:t>
-            </a:r>
-          </a:p>
-        </p:txBody>
-      </p:sp>
-      <p:cxnSp>
-        <p:nvCxnSpPr>
-          <p:cNvPr id="45" name="Straight Connector 44"/>
-          <p:cNvCxnSpPr/>
-          <p:nvPr/>
-        </p:nvCxnSpPr>
-        <p:spPr>
-          <a:xfrm>
-            <a:off x="7971221" y="171216"/>
-            <a:ext cx="0" cy="309469"/>
-          </a:xfrm>
-          <a:prstGeom prst="line">
-            <a:avLst/>
-          </a:prstGeom>
-          <a:ln w="12700"/>
-        </p:spPr>
-        <p:style>
-          <a:lnRef idx="2">
-            <a:schemeClr val="accent4"/>
-          </a:lnRef>
-          <a:fillRef idx="0">
-            <a:schemeClr val="accent4"/>
-          </a:fillRef>
-          <a:effectRef idx="1">
-            <a:schemeClr val="accent4"/>
-          </a:effectRef>
-          <a:fontRef idx="minor">
-            <a:schemeClr val="tx1"/>
-          </a:fontRef>
-        </p:style>
-      </p:cxnSp>
-      <p:cxnSp>
-        <p:nvCxnSpPr>
-          <p:cNvPr id="46" name="Straight Connector 45"/>
-          <p:cNvCxnSpPr/>
-          <p:nvPr/>
-        </p:nvCxnSpPr>
-        <p:spPr>
-          <a:xfrm>
-            <a:off x="6616336" y="169507"/>
-            <a:ext cx="0" cy="309469"/>
-          </a:xfrm>
-          <a:prstGeom prst="line">
-            <a:avLst/>
-          </a:prstGeom>
-          <a:ln w="12700"/>
-        </p:spPr>
-        <p:style>
-          <a:lnRef idx="2">
-            <a:schemeClr val="accent4"/>
-          </a:lnRef>
-          <a:fillRef idx="0">
-            <a:schemeClr val="accent4"/>
-          </a:fillRef>
-          <a:effectRef idx="1">
-            <a:schemeClr val="accent4"/>
-          </a:effectRef>
-          <a:fontRef idx="minor">
-            <a:schemeClr val="tx1"/>
-          </a:fontRef>
-        </p:style>
-      </p:cxnSp>
-      <p:sp>
-        <p:nvSpPr>
           <p:cNvPr id="16" name="Rounded Rectangle 15"/>
           <p:cNvSpPr/>
           <p:nvPr/>
@@ -8670,7 +7411,7 @@
       <p:sp>
         <p:nvSpPr>
           <p:cNvPr id="22" name="TextBox 21">
-            <a:hlinkClick r:id="rId16" action="ppaction://hlinksldjump"/>
+            <a:hlinkClick r:id="rId14" action="ppaction://hlinksldjump"/>
           </p:cNvPr>
           <p:cNvSpPr txBox="1"/>
           <p:nvPr/>
@@ -8758,6 +7499,243 @@
           </a:p>
         </p:txBody>
       </p:sp>
+      <p:sp>
+        <p:nvSpPr>
+          <p:cNvPr id="26" name="TextBox 25">
+            <a:hlinkClick r:id="rId15" action="ppaction://hlinksldjump"/>
+          </p:cNvPr>
+          <p:cNvSpPr txBox="1"/>
+          <p:nvPr/>
+        </p:nvSpPr>
+        <p:spPr>
+          <a:xfrm>
+            <a:off x="5588516" y="224225"/>
+            <a:ext cx="1034257" cy="261610"/>
+          </a:xfrm>
+          <a:prstGeom prst="rect">
+            <a:avLst/>
+          </a:prstGeom>
+          <a:noFill/>
+        </p:spPr>
+        <p:txBody>
+          <a:bodyPr wrap="none" rtlCol="0">
+            <a:spAutoFit/>
+          </a:bodyPr>
+          <a:lstStyle/>
+          <a:p>
+            <a:r>
+              <a:rPr lang="en-US" sz="1050" dirty="0">
+                <a:solidFill>
+                  <a:schemeClr val="tx1"/>
+                </a:solidFill>
+                <a:latin typeface="Roboto Slab" panose="020B0604020202020204" charset="0"/>
+                <a:ea typeface="Roboto Slab" panose="020B0604020202020204" charset="0"/>
+              </a:rPr>
+              <a:t>Infographics</a:t>
+            </a:r>
+          </a:p>
+        </p:txBody>
+      </p:sp>
+      <p:sp>
+        <p:nvSpPr>
+          <p:cNvPr id="29" name="TextBox 28">
+            <a:hlinkClick r:id="rId16" action="ppaction://hlinksldjump"/>
+          </p:cNvPr>
+          <p:cNvSpPr txBox="1"/>
+          <p:nvPr/>
+        </p:nvSpPr>
+        <p:spPr>
+          <a:xfrm>
+            <a:off x="6622774" y="224225"/>
+            <a:ext cx="1348446" cy="261610"/>
+          </a:xfrm>
+          <a:prstGeom prst="rect">
+            <a:avLst/>
+          </a:prstGeom>
+          <a:noFill/>
+        </p:spPr>
+        <p:txBody>
+          <a:bodyPr wrap="none" rtlCol="0">
+            <a:spAutoFit/>
+          </a:bodyPr>
+          <a:lstStyle/>
+          <a:p>
+            <a:r>
+              <a:rPr lang="en-US" sz="1050" dirty="0">
+                <a:solidFill>
+                  <a:schemeClr val="tx1"/>
+                </a:solidFill>
+                <a:latin typeface="Roboto Slab" panose="020B0604020202020204" charset="0"/>
+                <a:ea typeface="Roboto Slab" panose="020B0604020202020204" charset="0"/>
+              </a:rPr>
+              <a:t>Contact Numbers</a:t>
+            </a:r>
+          </a:p>
+        </p:txBody>
+      </p:sp>
+      <p:sp>
+        <p:nvSpPr>
+          <p:cNvPr id="30" name="TextBox 29"/>
+          <p:cNvSpPr txBox="1"/>
+          <p:nvPr/>
+        </p:nvSpPr>
+        <p:spPr>
+          <a:xfrm>
+            <a:off x="7971221" y="219075"/>
+            <a:ext cx="546945" cy="253916"/>
+          </a:xfrm>
+          <a:prstGeom prst="rect">
+            <a:avLst/>
+          </a:prstGeom>
+          <a:noFill/>
+        </p:spPr>
+        <p:txBody>
+          <a:bodyPr wrap="none" rtlCol="0">
+            <a:spAutoFit/>
+          </a:bodyPr>
+          <a:lstStyle/>
+          <a:p>
+            <a:r>
+              <a:rPr lang="en-US" sz="1050" dirty="0">
+                <a:solidFill>
+                  <a:schemeClr val="tx1"/>
+                </a:solidFill>
+                <a:latin typeface="Roboto Slab" panose="020B0604020202020204" charset="0"/>
+                <a:ea typeface="Roboto Slab" panose="020B0604020202020204" charset="0"/>
+              </a:rPr>
+              <a:t>Login</a:t>
+            </a:r>
+          </a:p>
+        </p:txBody>
+      </p:sp>
+      <p:cxnSp>
+        <p:nvCxnSpPr>
+          <p:cNvPr id="31" name="Straight Connector 30"/>
+          <p:cNvCxnSpPr/>
+          <p:nvPr/>
+        </p:nvCxnSpPr>
+        <p:spPr>
+          <a:xfrm>
+            <a:off x="7971221" y="171216"/>
+            <a:ext cx="0" cy="309469"/>
+          </a:xfrm>
+          <a:prstGeom prst="line">
+            <a:avLst/>
+          </a:prstGeom>
+          <a:ln w="12700"/>
+        </p:spPr>
+        <p:style>
+          <a:lnRef idx="2">
+            <a:schemeClr val="accent4"/>
+          </a:lnRef>
+          <a:fillRef idx="0">
+            <a:schemeClr val="accent4"/>
+          </a:fillRef>
+          <a:effectRef idx="1">
+            <a:schemeClr val="accent4"/>
+          </a:effectRef>
+          <a:fontRef idx="minor">
+            <a:schemeClr val="tx1"/>
+          </a:fontRef>
+        </p:style>
+      </p:cxnSp>
+      <p:cxnSp>
+        <p:nvCxnSpPr>
+          <p:cNvPr id="32" name="Straight Connector 31"/>
+          <p:cNvCxnSpPr/>
+          <p:nvPr/>
+        </p:nvCxnSpPr>
+        <p:spPr>
+          <a:xfrm>
+            <a:off x="6616336" y="169507"/>
+            <a:ext cx="0" cy="309469"/>
+          </a:xfrm>
+          <a:prstGeom prst="line">
+            <a:avLst/>
+          </a:prstGeom>
+          <a:ln w="12700"/>
+        </p:spPr>
+        <p:style>
+          <a:lnRef idx="2">
+            <a:schemeClr val="accent4"/>
+          </a:lnRef>
+          <a:fillRef idx="0">
+            <a:schemeClr val="accent4"/>
+          </a:fillRef>
+          <a:effectRef idx="1">
+            <a:schemeClr val="accent4"/>
+          </a:effectRef>
+          <a:fontRef idx="minor">
+            <a:schemeClr val="tx1"/>
+          </a:fontRef>
+        </p:style>
+      </p:cxnSp>
+      <p:sp>
+        <p:nvSpPr>
+          <p:cNvPr id="33" name="TextBox 32"/>
+          <p:cNvSpPr txBox="1"/>
+          <p:nvPr/>
+        </p:nvSpPr>
+        <p:spPr>
+          <a:xfrm>
+            <a:off x="8518164" y="219075"/>
+            <a:ext cx="671979" cy="253916"/>
+          </a:xfrm>
+          <a:prstGeom prst="rect">
+            <a:avLst/>
+          </a:prstGeom>
+          <a:noFill/>
+        </p:spPr>
+        <p:txBody>
+          <a:bodyPr wrap="none" rtlCol="0">
+            <a:spAutoFit/>
+          </a:bodyPr>
+          <a:lstStyle/>
+          <a:p>
+            <a:r>
+              <a:rPr lang="en-US" sz="1050" dirty="0">
+                <a:solidFill>
+                  <a:schemeClr val="tx1"/>
+                </a:solidFill>
+                <a:latin typeface="Roboto Slab" panose="020B0604020202020204" charset="0"/>
+                <a:ea typeface="Roboto Slab" panose="020B0604020202020204" charset="0"/>
+              </a:rPr>
+              <a:t>Sign up</a:t>
+            </a:r>
+          </a:p>
+        </p:txBody>
+      </p:sp>
+      <p:cxnSp>
+        <p:nvCxnSpPr>
+          <p:cNvPr id="34" name="Straight Connector 33"/>
+          <p:cNvCxnSpPr/>
+          <p:nvPr/>
+        </p:nvCxnSpPr>
+        <p:spPr>
+          <a:xfrm>
+            <a:off x="8518166" y="171216"/>
+            <a:ext cx="0" cy="309469"/>
+          </a:xfrm>
+          <a:prstGeom prst="line">
+            <a:avLst/>
+          </a:prstGeom>
+          <a:ln w="12700"/>
+        </p:spPr>
+        <p:style>
+          <a:lnRef idx="2">
+            <a:schemeClr val="accent4"/>
+          </a:lnRef>
+          <a:fillRef idx="0">
+            <a:schemeClr val="accent4"/>
+          </a:fillRef>
+          <a:effectRef idx="1">
+            <a:schemeClr val="accent4"/>
+          </a:effectRef>
+          <a:fontRef idx="minor">
+            <a:schemeClr val="tx1"/>
+          </a:fontRef>
+        </p:style>
+      </p:cxnSp>
     </p:spTree>
     <p:extLst>
       <p:ext uri="{BB962C8B-B14F-4D97-AF65-F5344CB8AC3E}">
@@ -8988,177 +7966,6 @@
           </a:prstGeom>
         </p:spPr>
       </p:pic>
-      <p:sp>
-        <p:nvSpPr>
-          <p:cNvPr id="31" name="TextBox 30">
-            <a:hlinkClick r:id="rId6" action="ppaction://hlinksldjump"/>
-          </p:cNvPr>
-          <p:cNvSpPr txBox="1"/>
-          <p:nvPr/>
-        </p:nvSpPr>
-        <p:spPr>
-          <a:xfrm>
-            <a:off x="5588516" y="224225"/>
-            <a:ext cx="1034257" cy="261610"/>
-          </a:xfrm>
-          <a:prstGeom prst="rect">
-            <a:avLst/>
-          </a:prstGeom>
-          <a:noFill/>
-        </p:spPr>
-        <p:txBody>
-          <a:bodyPr wrap="none" rtlCol="0">
-            <a:spAutoFit/>
-          </a:bodyPr>
-          <a:lstStyle/>
-          <a:p>
-            <a:r>
-              <a:rPr lang="en-US" sz="1050" dirty="0">
-                <a:solidFill>
-                  <a:schemeClr val="tx1"/>
-                </a:solidFill>
-                <a:latin typeface="Roboto Slab" panose="020B0604020202020204" charset="0"/>
-                <a:ea typeface="Roboto Slab" panose="020B0604020202020204" charset="0"/>
-              </a:rPr>
-              <a:t>Infographics</a:t>
-            </a:r>
-          </a:p>
-        </p:txBody>
-      </p:sp>
-      <p:sp>
-        <p:nvSpPr>
-          <p:cNvPr id="32" name="TextBox 31">
-            <a:hlinkClick r:id="rId7" action="ppaction://hlinksldjump"/>
-          </p:cNvPr>
-          <p:cNvSpPr txBox="1"/>
-          <p:nvPr/>
-        </p:nvSpPr>
-        <p:spPr>
-          <a:xfrm>
-            <a:off x="6622774" y="224225"/>
-            <a:ext cx="1348446" cy="261610"/>
-          </a:xfrm>
-          <a:prstGeom prst="rect">
-            <a:avLst/>
-          </a:prstGeom>
-          <a:noFill/>
-        </p:spPr>
-        <p:txBody>
-          <a:bodyPr wrap="none" rtlCol="0">
-            <a:spAutoFit/>
-          </a:bodyPr>
-          <a:lstStyle/>
-          <a:p>
-            <a:r>
-              <a:rPr lang="en-US" sz="1050" dirty="0">
-                <a:solidFill>
-                  <a:schemeClr val="tx1"/>
-                </a:solidFill>
-                <a:latin typeface="Roboto Slab" panose="020B0604020202020204" charset="0"/>
-                <a:ea typeface="Roboto Slab" panose="020B0604020202020204" charset="0"/>
-              </a:rPr>
-              <a:t>Contact Numbers</a:t>
-            </a:r>
-          </a:p>
-        </p:txBody>
-      </p:sp>
-      <p:sp>
-        <p:nvSpPr>
-          <p:cNvPr id="33" name="TextBox 32"/>
-          <p:cNvSpPr txBox="1"/>
-          <p:nvPr/>
-        </p:nvSpPr>
-        <p:spPr>
-          <a:xfrm>
-            <a:off x="7971221" y="219075"/>
-            <a:ext cx="546945" cy="253916"/>
-          </a:xfrm>
-          <a:prstGeom prst="rect">
-            <a:avLst/>
-          </a:prstGeom>
-          <a:noFill/>
-        </p:spPr>
-        <p:txBody>
-          <a:bodyPr wrap="none" rtlCol="0">
-            <a:spAutoFit/>
-          </a:bodyPr>
-          <a:lstStyle/>
-          <a:p>
-            <a:r>
-              <a:rPr lang="en-US" sz="1050" dirty="0">
-                <a:solidFill>
-                  <a:schemeClr val="tx1"/>
-                </a:solidFill>
-                <a:latin typeface="Roboto Slab" panose="020B0604020202020204" charset="0"/>
-                <a:ea typeface="Roboto Slab" panose="020B0604020202020204" charset="0"/>
-              </a:rPr>
-              <a:t>Login</a:t>
-            </a:r>
-          </a:p>
-        </p:txBody>
-      </p:sp>
-      <p:cxnSp>
-        <p:nvCxnSpPr>
-          <p:cNvPr id="34" name="Straight Connector 33"/>
-          <p:cNvCxnSpPr/>
-          <p:nvPr/>
-        </p:nvCxnSpPr>
-        <p:spPr>
-          <a:xfrm>
-            <a:off x="7971221" y="171216"/>
-            <a:ext cx="0" cy="309469"/>
-          </a:xfrm>
-          <a:prstGeom prst="line">
-            <a:avLst/>
-          </a:prstGeom>
-          <a:ln w="12700"/>
-        </p:spPr>
-        <p:style>
-          <a:lnRef idx="2">
-            <a:schemeClr val="accent4"/>
-          </a:lnRef>
-          <a:fillRef idx="0">
-            <a:schemeClr val="accent4"/>
-          </a:fillRef>
-          <a:effectRef idx="1">
-            <a:schemeClr val="accent4"/>
-          </a:effectRef>
-          <a:fontRef idx="minor">
-            <a:schemeClr val="tx1"/>
-          </a:fontRef>
-        </p:style>
-      </p:cxnSp>
-      <p:cxnSp>
-        <p:nvCxnSpPr>
-          <p:cNvPr id="35" name="Straight Connector 34"/>
-          <p:cNvCxnSpPr/>
-          <p:nvPr/>
-        </p:nvCxnSpPr>
-        <p:spPr>
-          <a:xfrm>
-            <a:off x="6616336" y="169507"/>
-            <a:ext cx="0" cy="309469"/>
-          </a:xfrm>
-          <a:prstGeom prst="line">
-            <a:avLst/>
-          </a:prstGeom>
-          <a:ln w="12700"/>
-        </p:spPr>
-        <p:style>
-          <a:lnRef idx="2">
-            <a:schemeClr val="accent4"/>
-          </a:lnRef>
-          <a:fillRef idx="0">
-            <a:schemeClr val="accent4"/>
-          </a:fillRef>
-          <a:effectRef idx="1">
-            <a:schemeClr val="accent4"/>
-          </a:effectRef>
-          <a:fontRef idx="minor">
-            <a:schemeClr val="tx1"/>
-          </a:fontRef>
-        </p:style>
-      </p:cxnSp>
       <p:grpSp>
         <p:nvGrpSpPr>
           <p:cNvPr id="11" name="Group 10"/>
@@ -9449,7 +8256,7 @@
               <a:avLst/>
             </a:prstGeom>
             <a:blipFill>
-              <a:blip r:embed="rId8"/>
+              <a:blip r:embed="rId6"/>
               <a:stretch>
                 <a:fillRect/>
               </a:stretch>
@@ -9500,7 +8307,7 @@
               </a:avLst>
             </a:prstGeom>
             <a:blipFill>
-              <a:blip r:embed="rId9"/>
+              <a:blip r:embed="rId7"/>
               <a:stretch>
                 <a:fillRect/>
               </a:stretch>
@@ -9551,7 +8358,7 @@
               </a:avLst>
             </a:prstGeom>
             <a:blipFill>
-              <a:blip r:embed="rId10"/>
+              <a:blip r:embed="rId8"/>
               <a:stretch>
                 <a:fillRect/>
               </a:stretch>
@@ -9602,7 +8409,7 @@
               </a:avLst>
             </a:prstGeom>
             <a:blipFill>
-              <a:blip r:embed="rId11"/>
+              <a:blip r:embed="rId9"/>
               <a:stretch>
                 <a:fillRect/>
               </a:stretch>
@@ -9736,7 +8543,7 @@
             <p:nvPr/>
           </p:nvPicPr>
           <p:blipFill>
-            <a:blip r:embed="rId12">
+            <a:blip r:embed="rId10">
               <a:duotone>
                 <a:schemeClr val="accent4">
                   <a:shade val="45000"/>
@@ -9768,7 +8575,7 @@
             <p:nvPr/>
           </p:nvPicPr>
           <p:blipFill>
-            <a:blip r:embed="rId12">
+            <a:blip r:embed="rId10">
               <a:duotone>
                 <a:schemeClr val="accent4">
                   <a:shade val="45000"/>
@@ -9800,7 +8607,7 @@
             <p:nvPr/>
           </p:nvPicPr>
           <p:blipFill>
-            <a:blip r:embed="rId12">
+            <a:blip r:embed="rId10">
               <a:duotone>
                 <a:schemeClr val="accent4">
                   <a:shade val="45000"/>
@@ -9832,7 +8639,7 @@
             <p:nvPr/>
           </p:nvPicPr>
           <p:blipFill>
-            <a:blip r:embed="rId12">
+            <a:blip r:embed="rId10">
               <a:duotone>
                 <a:schemeClr val="accent4">
                   <a:shade val="45000"/>
@@ -9929,7 +8736,7 @@
           <p:spPr>
             <a:xfrm>
               <a:off x="623635" y="1100939"/>
-              <a:ext cx="2064483" cy="328302"/>
+              <a:ext cx="2064483" cy="307777"/>
             </a:xfrm>
             <a:prstGeom prst="rect">
               <a:avLst/>
@@ -9943,7 +8750,7 @@
             <a:lstStyle/>
             <a:p>
               <a:r>
-                <a:rPr lang="en-PH" dirty="0">
+                <a:rPr lang="en-PH" dirty="0" err="1">
                   <a:solidFill>
                     <a:schemeClr val="tx2">
                       <a:lumMod val="10000"/>
@@ -9952,7 +8759,7 @@
                   <a:latin typeface="Roboto Slab" panose="020B0604020202020204" charset="0"/>
                   <a:ea typeface="Roboto Slab" panose="020B0604020202020204" charset="0"/>
                 </a:rPr>
-                <a:t>NDRRMC</a:t>
+                <a:t>Pagasa</a:t>
               </a:r>
               <a:endParaRPr lang="en-PH" sz="1600" dirty="0">
                 <a:solidFill>
@@ -10146,7 +8953,7 @@
               <a:avLst/>
             </a:prstGeom>
             <a:blipFill>
-              <a:blip r:embed="rId8"/>
+              <a:blip r:embed="rId11"/>
               <a:stretch>
                 <a:fillRect/>
               </a:stretch>
@@ -10197,7 +9004,7 @@
               </a:avLst>
             </a:prstGeom>
             <a:blipFill>
-              <a:blip r:embed="rId9"/>
+              <a:blip r:embed="rId7"/>
               <a:stretch>
                 <a:fillRect/>
               </a:stretch>
@@ -10248,7 +9055,7 @@
               </a:avLst>
             </a:prstGeom>
             <a:blipFill>
-              <a:blip r:embed="rId10"/>
+              <a:blip r:embed="rId8"/>
               <a:stretch>
                 <a:fillRect/>
               </a:stretch>
@@ -10299,7 +9106,7 @@
               </a:avLst>
             </a:prstGeom>
             <a:blipFill>
-              <a:blip r:embed="rId11"/>
+              <a:blip r:embed="rId9"/>
               <a:stretch>
                 <a:fillRect/>
               </a:stretch>
@@ -10433,7 +9240,7 @@
             <p:nvPr/>
           </p:nvPicPr>
           <p:blipFill>
-            <a:blip r:embed="rId12">
+            <a:blip r:embed="rId10">
               <a:duotone>
                 <a:schemeClr val="accent4">
                   <a:shade val="45000"/>
@@ -10465,7 +9272,7 @@
             <p:nvPr/>
           </p:nvPicPr>
           <p:blipFill>
-            <a:blip r:embed="rId12">
+            <a:blip r:embed="rId10">
               <a:duotone>
                 <a:schemeClr val="accent4">
                   <a:shade val="45000"/>
@@ -10497,7 +9304,7 @@
             <p:nvPr/>
           </p:nvPicPr>
           <p:blipFill>
-            <a:blip r:embed="rId12">
+            <a:blip r:embed="rId10">
               <a:duotone>
                 <a:schemeClr val="accent4">
                   <a:shade val="45000"/>
@@ -10529,7 +9336,7 @@
             <p:nvPr/>
           </p:nvPicPr>
           <p:blipFill>
-            <a:blip r:embed="rId12">
+            <a:blip r:embed="rId10">
               <a:duotone>
                 <a:schemeClr val="accent4">
                   <a:shade val="45000"/>
@@ -10626,7 +9433,7 @@
           <p:spPr>
             <a:xfrm>
               <a:off x="623635" y="1100939"/>
-              <a:ext cx="2064483" cy="328302"/>
+              <a:ext cx="2064483" cy="307777"/>
             </a:xfrm>
             <a:prstGeom prst="rect">
               <a:avLst/>
@@ -10649,7 +9456,7 @@
                   <a:latin typeface="Roboto Slab" panose="020B0604020202020204" charset="0"/>
                   <a:ea typeface="Roboto Slab" panose="020B0604020202020204" charset="0"/>
                 </a:rPr>
-                <a:t>NDRRMC</a:t>
+                <a:t>PHIVOLCS</a:t>
               </a:r>
               <a:endParaRPr lang="en-PH" sz="1600" dirty="0">
                 <a:solidFill>
@@ -10843,7 +9650,7 @@
               <a:avLst/>
             </a:prstGeom>
             <a:blipFill>
-              <a:blip r:embed="rId8"/>
+              <a:blip r:embed="rId12"/>
               <a:stretch>
                 <a:fillRect/>
               </a:stretch>
@@ -10894,7 +9701,7 @@
               </a:avLst>
             </a:prstGeom>
             <a:blipFill>
-              <a:blip r:embed="rId9"/>
+              <a:blip r:embed="rId7"/>
               <a:stretch>
                 <a:fillRect/>
               </a:stretch>
@@ -10945,7 +9752,7 @@
               </a:avLst>
             </a:prstGeom>
             <a:blipFill>
-              <a:blip r:embed="rId10"/>
+              <a:blip r:embed="rId8"/>
               <a:stretch>
                 <a:fillRect/>
               </a:stretch>
@@ -10996,7 +9803,7 @@
               </a:avLst>
             </a:prstGeom>
             <a:blipFill>
-              <a:blip r:embed="rId11"/>
+              <a:blip r:embed="rId9"/>
               <a:stretch>
                 <a:fillRect/>
               </a:stretch>
@@ -11130,7 +9937,7 @@
             <p:nvPr/>
           </p:nvPicPr>
           <p:blipFill>
-            <a:blip r:embed="rId12">
+            <a:blip r:embed="rId10">
               <a:duotone>
                 <a:schemeClr val="accent4">
                   <a:shade val="45000"/>
@@ -11162,7 +9969,7 @@
             <p:nvPr/>
           </p:nvPicPr>
           <p:blipFill>
-            <a:blip r:embed="rId12">
+            <a:blip r:embed="rId10">
               <a:duotone>
                 <a:schemeClr val="accent4">
                   <a:shade val="45000"/>
@@ -11194,7 +10001,7 @@
             <p:nvPr/>
           </p:nvPicPr>
           <p:blipFill>
-            <a:blip r:embed="rId12">
+            <a:blip r:embed="rId10">
               <a:duotone>
                 <a:schemeClr val="accent4">
                   <a:shade val="45000"/>
@@ -11226,7 +10033,7 @@
             <p:nvPr/>
           </p:nvPicPr>
           <p:blipFill>
-            <a:blip r:embed="rId12">
+            <a:blip r:embed="rId10">
               <a:duotone>
                 <a:schemeClr val="accent4">
                   <a:shade val="45000"/>
@@ -11250,6 +10057,243 @@
           </p:spPr>
         </p:pic>
       </p:grpSp>
+      <p:sp>
+        <p:nvSpPr>
+          <p:cNvPr id="68" name="TextBox 67">
+            <a:hlinkClick r:id="rId13" action="ppaction://hlinksldjump"/>
+          </p:cNvPr>
+          <p:cNvSpPr txBox="1"/>
+          <p:nvPr/>
+        </p:nvSpPr>
+        <p:spPr>
+          <a:xfrm>
+            <a:off x="5588516" y="224225"/>
+            <a:ext cx="1034257" cy="261610"/>
+          </a:xfrm>
+          <a:prstGeom prst="rect">
+            <a:avLst/>
+          </a:prstGeom>
+          <a:noFill/>
+        </p:spPr>
+        <p:txBody>
+          <a:bodyPr wrap="none" rtlCol="0">
+            <a:spAutoFit/>
+          </a:bodyPr>
+          <a:lstStyle/>
+          <a:p>
+            <a:r>
+              <a:rPr lang="en-US" sz="1050" dirty="0">
+                <a:solidFill>
+                  <a:schemeClr val="tx1"/>
+                </a:solidFill>
+                <a:latin typeface="Roboto Slab" panose="020B0604020202020204" charset="0"/>
+                <a:ea typeface="Roboto Slab" panose="020B0604020202020204" charset="0"/>
+              </a:rPr>
+              <a:t>Infographics</a:t>
+            </a:r>
+          </a:p>
+        </p:txBody>
+      </p:sp>
+      <p:sp>
+        <p:nvSpPr>
+          <p:cNvPr id="69" name="TextBox 68">
+            <a:hlinkClick r:id="rId14" action="ppaction://hlinksldjump"/>
+          </p:cNvPr>
+          <p:cNvSpPr txBox="1"/>
+          <p:nvPr/>
+        </p:nvSpPr>
+        <p:spPr>
+          <a:xfrm>
+            <a:off x="6622774" y="224225"/>
+            <a:ext cx="1348446" cy="261610"/>
+          </a:xfrm>
+          <a:prstGeom prst="rect">
+            <a:avLst/>
+          </a:prstGeom>
+          <a:noFill/>
+        </p:spPr>
+        <p:txBody>
+          <a:bodyPr wrap="none" rtlCol="0">
+            <a:spAutoFit/>
+          </a:bodyPr>
+          <a:lstStyle/>
+          <a:p>
+            <a:r>
+              <a:rPr lang="en-US" sz="1050" dirty="0">
+                <a:solidFill>
+                  <a:schemeClr val="tx1"/>
+                </a:solidFill>
+                <a:latin typeface="Roboto Slab" panose="020B0604020202020204" charset="0"/>
+                <a:ea typeface="Roboto Slab" panose="020B0604020202020204" charset="0"/>
+              </a:rPr>
+              <a:t>Contact Numbers</a:t>
+            </a:r>
+          </a:p>
+        </p:txBody>
+      </p:sp>
+      <p:sp>
+        <p:nvSpPr>
+          <p:cNvPr id="70" name="TextBox 69"/>
+          <p:cNvSpPr txBox="1"/>
+          <p:nvPr/>
+        </p:nvSpPr>
+        <p:spPr>
+          <a:xfrm>
+            <a:off x="7971221" y="219075"/>
+            <a:ext cx="546945" cy="253916"/>
+          </a:xfrm>
+          <a:prstGeom prst="rect">
+            <a:avLst/>
+          </a:prstGeom>
+          <a:noFill/>
+        </p:spPr>
+        <p:txBody>
+          <a:bodyPr wrap="none" rtlCol="0">
+            <a:spAutoFit/>
+          </a:bodyPr>
+          <a:lstStyle/>
+          <a:p>
+            <a:r>
+              <a:rPr lang="en-US" sz="1050" dirty="0">
+                <a:solidFill>
+                  <a:schemeClr val="tx1"/>
+                </a:solidFill>
+                <a:latin typeface="Roboto Slab" panose="020B0604020202020204" charset="0"/>
+                <a:ea typeface="Roboto Slab" panose="020B0604020202020204" charset="0"/>
+              </a:rPr>
+              <a:t>Login</a:t>
+            </a:r>
+          </a:p>
+        </p:txBody>
+      </p:sp>
+      <p:cxnSp>
+        <p:nvCxnSpPr>
+          <p:cNvPr id="71" name="Straight Connector 70"/>
+          <p:cNvCxnSpPr/>
+          <p:nvPr/>
+        </p:nvCxnSpPr>
+        <p:spPr>
+          <a:xfrm>
+            <a:off x="7971221" y="171216"/>
+            <a:ext cx="0" cy="309469"/>
+          </a:xfrm>
+          <a:prstGeom prst="line">
+            <a:avLst/>
+          </a:prstGeom>
+          <a:ln w="12700"/>
+        </p:spPr>
+        <p:style>
+          <a:lnRef idx="2">
+            <a:schemeClr val="accent4"/>
+          </a:lnRef>
+          <a:fillRef idx="0">
+            <a:schemeClr val="accent4"/>
+          </a:fillRef>
+          <a:effectRef idx="1">
+            <a:schemeClr val="accent4"/>
+          </a:effectRef>
+          <a:fontRef idx="minor">
+            <a:schemeClr val="tx1"/>
+          </a:fontRef>
+        </p:style>
+      </p:cxnSp>
+      <p:cxnSp>
+        <p:nvCxnSpPr>
+          <p:cNvPr id="72" name="Straight Connector 71"/>
+          <p:cNvCxnSpPr/>
+          <p:nvPr/>
+        </p:nvCxnSpPr>
+        <p:spPr>
+          <a:xfrm>
+            <a:off x="6616336" y="169507"/>
+            <a:ext cx="0" cy="309469"/>
+          </a:xfrm>
+          <a:prstGeom prst="line">
+            <a:avLst/>
+          </a:prstGeom>
+          <a:ln w="12700"/>
+        </p:spPr>
+        <p:style>
+          <a:lnRef idx="2">
+            <a:schemeClr val="accent4"/>
+          </a:lnRef>
+          <a:fillRef idx="0">
+            <a:schemeClr val="accent4"/>
+          </a:fillRef>
+          <a:effectRef idx="1">
+            <a:schemeClr val="accent4"/>
+          </a:effectRef>
+          <a:fontRef idx="minor">
+            <a:schemeClr val="tx1"/>
+          </a:fontRef>
+        </p:style>
+      </p:cxnSp>
+      <p:sp>
+        <p:nvSpPr>
+          <p:cNvPr id="73" name="TextBox 72"/>
+          <p:cNvSpPr txBox="1"/>
+          <p:nvPr/>
+        </p:nvSpPr>
+        <p:spPr>
+          <a:xfrm>
+            <a:off x="8518164" y="219075"/>
+            <a:ext cx="671979" cy="253916"/>
+          </a:xfrm>
+          <a:prstGeom prst="rect">
+            <a:avLst/>
+          </a:prstGeom>
+          <a:noFill/>
+        </p:spPr>
+        <p:txBody>
+          <a:bodyPr wrap="none" rtlCol="0">
+            <a:spAutoFit/>
+          </a:bodyPr>
+          <a:lstStyle/>
+          <a:p>
+            <a:r>
+              <a:rPr lang="en-US" sz="1050" dirty="0">
+                <a:solidFill>
+                  <a:schemeClr val="tx1"/>
+                </a:solidFill>
+                <a:latin typeface="Roboto Slab" panose="020B0604020202020204" charset="0"/>
+                <a:ea typeface="Roboto Slab" panose="020B0604020202020204" charset="0"/>
+              </a:rPr>
+              <a:t>Sign up</a:t>
+            </a:r>
+          </a:p>
+        </p:txBody>
+      </p:sp>
+      <p:cxnSp>
+        <p:nvCxnSpPr>
+          <p:cNvPr id="74" name="Straight Connector 73"/>
+          <p:cNvCxnSpPr/>
+          <p:nvPr/>
+        </p:nvCxnSpPr>
+        <p:spPr>
+          <a:xfrm>
+            <a:off x="8518166" y="171216"/>
+            <a:ext cx="0" cy="309469"/>
+          </a:xfrm>
+          <a:prstGeom prst="line">
+            <a:avLst/>
+          </a:prstGeom>
+          <a:ln w="12700"/>
+        </p:spPr>
+        <p:style>
+          <a:lnRef idx="2">
+            <a:schemeClr val="accent4"/>
+          </a:lnRef>
+          <a:fillRef idx="0">
+            <a:schemeClr val="accent4"/>
+          </a:fillRef>
+          <a:effectRef idx="1">
+            <a:schemeClr val="accent4"/>
+          </a:effectRef>
+          <a:fontRef idx="minor">
+            <a:schemeClr val="tx1"/>
+          </a:fontRef>
+        </p:style>
+      </p:cxnSp>
     </p:spTree>
     <p:extLst>
       <p:ext uri="{BB962C8B-B14F-4D97-AF65-F5344CB8AC3E}">
